--- a/doc/a2m_sso.pptx
+++ b/doc/a2m_sso.pptx
@@ -5,16 +5,15 @@
     <p:sldMasterId id="2147483648" r:id="rId1"/>
   </p:sldMasterIdLst>
   <p:sldIdLst>
-    <p:sldId id="256" r:id="rId2"/>
-    <p:sldId id="257" r:id="rId3"/>
-    <p:sldId id="258" r:id="rId4"/>
-    <p:sldId id="259" r:id="rId5"/>
-    <p:sldId id="260" r:id="rId6"/>
-    <p:sldId id="261" r:id="rId7"/>
-    <p:sldId id="262" r:id="rId8"/>
-    <p:sldId id="263" r:id="rId9"/>
-    <p:sldId id="265" r:id="rId10"/>
-    <p:sldId id="264" r:id="rId11"/>
+    <p:sldId id="257" r:id="rId2"/>
+    <p:sldId id="258" r:id="rId3"/>
+    <p:sldId id="259" r:id="rId4"/>
+    <p:sldId id="260" r:id="rId5"/>
+    <p:sldId id="261" r:id="rId6"/>
+    <p:sldId id="262" r:id="rId7"/>
+    <p:sldId id="263" r:id="rId8"/>
+    <p:sldId id="265" r:id="rId9"/>
+    <p:sldId id="264" r:id="rId10"/>
   </p:sldIdLst>
   <p:sldSz cx="12192000" cy="6858000"/>
   <p:notesSz cx="6858000" cy="9144000"/>
@@ -251,7 +250,7 @@
           </a:lstStyle>
           <a:p>
             <a:r>
-              <a:rPr lang="en-US" smtClean="0"/>
+              <a:rPr lang="en-US"/>
               <a:t>Click to edit Master title style</a:t>
             </a:r>
             <a:endParaRPr lang="en-US" dirty="0"/>
@@ -323,7 +322,7 @@
           </a:lstStyle>
           <a:p>
             <a:r>
-              <a:rPr lang="en-US" smtClean="0"/>
+              <a:rPr lang="en-US"/>
               <a:t>Click to edit Master subtitle style</a:t>
             </a:r>
             <a:endParaRPr lang="en-US" dirty="0"/>
@@ -347,7 +346,7 @@
           <a:p>
             <a:fld id="{4BDF68E2-58F2-4D09-BE8B-E3BD06533059}" type="datetimeFigureOut">
               <a:rPr lang="en-US" dirty="0"/>
-              <a:t>2023-07-16</a:t>
+              <a:t>9/21/2023</a:t>
             </a:fld>
             <a:endParaRPr lang="en-US" dirty="0"/>
           </a:p>
@@ -474,7 +473,7 @@
           <a:lstStyle/>
           <a:p>
             <a:r>
-              <a:rPr lang="en-US" smtClean="0"/>
+              <a:rPr lang="en-US"/>
               <a:t>Click to edit Master title style</a:t>
             </a:r>
             <a:endParaRPr lang="en-US" dirty="0"/>
@@ -498,35 +497,35 @@
           <a:p>
             <a:pPr lvl="0"/>
             <a:r>
-              <a:rPr lang="en-US" smtClean="0"/>
+              <a:rPr lang="en-US"/>
               <a:t>Edit Master text styles</a:t>
             </a:r>
           </a:p>
           <a:p>
             <a:pPr lvl="1"/>
             <a:r>
-              <a:rPr lang="en-US" smtClean="0"/>
+              <a:rPr lang="en-US"/>
               <a:t>Second level</a:t>
             </a:r>
           </a:p>
           <a:p>
             <a:pPr lvl="2"/>
             <a:r>
-              <a:rPr lang="en-US" smtClean="0"/>
+              <a:rPr lang="en-US"/>
               <a:t>Third level</a:t>
             </a:r>
           </a:p>
           <a:p>
             <a:pPr lvl="3"/>
             <a:r>
-              <a:rPr lang="en-US" smtClean="0"/>
+              <a:rPr lang="en-US"/>
               <a:t>Fourth level</a:t>
             </a:r>
           </a:p>
           <a:p>
             <a:pPr lvl="4"/>
             <a:r>
-              <a:rPr lang="en-US" smtClean="0"/>
+              <a:rPr lang="en-US"/>
               <a:t>Fifth level</a:t>
             </a:r>
             <a:endParaRPr lang="en-US" dirty="0"/>
@@ -550,7 +549,7 @@
           <a:p>
             <a:fld id="{2E2D6473-DF6D-4702-B328-E0DD40540A4E}" type="datetimeFigureOut">
               <a:rPr lang="en-US" dirty="0"/>
-              <a:t>2023-07-16</a:t>
+              <a:t>9/21/2023</a:t>
             </a:fld>
             <a:endParaRPr lang="en-US" dirty="0"/>
           </a:p>
@@ -720,7 +719,7 @@
           <a:lstStyle/>
           <a:p>
             <a:r>
-              <a:rPr lang="en-US" smtClean="0"/>
+              <a:rPr lang="en-US"/>
               <a:t>Click to edit Master title style</a:t>
             </a:r>
             <a:endParaRPr lang="en-US" dirty="0"/>
@@ -749,35 +748,35 @@
           <a:p>
             <a:pPr lvl="0"/>
             <a:r>
-              <a:rPr lang="en-US" smtClean="0"/>
+              <a:rPr lang="en-US"/>
               <a:t>Edit Master text styles</a:t>
             </a:r>
           </a:p>
           <a:p>
             <a:pPr lvl="1"/>
             <a:r>
-              <a:rPr lang="en-US" smtClean="0"/>
+              <a:rPr lang="en-US"/>
               <a:t>Second level</a:t>
             </a:r>
           </a:p>
           <a:p>
             <a:pPr lvl="2"/>
             <a:r>
-              <a:rPr lang="en-US" smtClean="0"/>
+              <a:rPr lang="en-US"/>
               <a:t>Third level</a:t>
             </a:r>
           </a:p>
           <a:p>
             <a:pPr lvl="3"/>
             <a:r>
-              <a:rPr lang="en-US" smtClean="0"/>
+              <a:rPr lang="en-US"/>
               <a:t>Fourth level</a:t>
             </a:r>
           </a:p>
           <a:p>
             <a:pPr lvl="4"/>
             <a:r>
-              <a:rPr lang="en-US" smtClean="0"/>
+              <a:rPr lang="en-US"/>
               <a:t>Fifth level</a:t>
             </a:r>
             <a:endParaRPr lang="en-US" dirty="0"/>
@@ -801,7 +800,7 @@
           <a:p>
             <a:fld id="{E26F7E3A-B166-407D-9866-32884E7D5B37}" type="datetimeFigureOut">
               <a:rPr lang="en-US" dirty="0"/>
-              <a:t>2023-07-16</a:t>
+              <a:t>9/21/2023</a:t>
             </a:fld>
             <a:endParaRPr lang="en-US" dirty="0"/>
           </a:p>
@@ -894,7 +893,7 @@
           </a:lstStyle>
           <a:p>
             <a:r>
-              <a:rPr lang="en-US" smtClean="0"/>
+              <a:rPr lang="en-US"/>
               <a:t>Click to edit Master title style</a:t>
             </a:r>
             <a:endParaRPr lang="en-US" dirty="0"/>
@@ -918,35 +917,35 @@
           <a:p>
             <a:pPr lvl="0"/>
             <a:r>
-              <a:rPr lang="en-US" smtClean="0"/>
+              <a:rPr lang="en-US"/>
               <a:t>Edit Master text styles</a:t>
             </a:r>
           </a:p>
           <a:p>
             <a:pPr lvl="1"/>
             <a:r>
-              <a:rPr lang="en-US" smtClean="0"/>
+              <a:rPr lang="en-US"/>
               <a:t>Second level</a:t>
             </a:r>
           </a:p>
           <a:p>
             <a:pPr lvl="2"/>
             <a:r>
-              <a:rPr lang="en-US" smtClean="0"/>
+              <a:rPr lang="en-US"/>
               <a:t>Third level</a:t>
             </a:r>
           </a:p>
           <a:p>
             <a:pPr lvl="3"/>
             <a:r>
-              <a:rPr lang="en-US" smtClean="0"/>
+              <a:rPr lang="en-US"/>
               <a:t>Fourth level</a:t>
             </a:r>
           </a:p>
           <a:p>
             <a:pPr lvl="4"/>
             <a:r>
-              <a:rPr lang="en-US" smtClean="0"/>
+              <a:rPr lang="en-US"/>
               <a:t>Fifth level</a:t>
             </a:r>
             <a:endParaRPr lang="en-US" dirty="0"/>
@@ -970,7 +969,7 @@
           <a:p>
             <a:fld id="{528FC5F6-F338-4AE4-BB23-26385BCFC423}" type="datetimeFigureOut">
               <a:rPr lang="en-US" dirty="0"/>
-              <a:t>2023-07-16</a:t>
+              <a:t>9/21/2023</a:t>
             </a:fld>
             <a:endParaRPr lang="en-US" dirty="0"/>
           </a:p>
@@ -1164,7 +1163,7 @@
           </a:lstStyle>
           <a:p>
             <a:r>
-              <a:rPr lang="en-US" smtClean="0"/>
+              <a:rPr lang="en-US"/>
               <a:t>Click to edit Master title style</a:t>
             </a:r>
             <a:endParaRPr lang="en-US" dirty="0"/>
@@ -1285,7 +1284,7 @@
           <a:p>
             <a:pPr lvl="0"/>
             <a:r>
-              <a:rPr lang="en-US" smtClean="0"/>
+              <a:rPr lang="en-US"/>
               <a:t>Edit Master text styles</a:t>
             </a:r>
           </a:p>
@@ -1308,7 +1307,7 @@
           <a:p>
             <a:fld id="{20EBB0C4-6273-4C6E-B9BD-2EDC30F1CD52}" type="datetimeFigureOut">
               <a:rPr lang="en-US" dirty="0"/>
-              <a:t>2023-07-16</a:t>
+              <a:t>9/21/2023</a:t>
             </a:fld>
             <a:endParaRPr lang="en-US" dirty="0"/>
           </a:p>
@@ -1440,7 +1439,7 @@
           <a:lstStyle/>
           <a:p>
             <a:r>
-              <a:rPr lang="en-US" smtClean="0"/>
+              <a:rPr lang="en-US"/>
               <a:t>Click to edit Master title style</a:t>
             </a:r>
             <a:endParaRPr lang="en-US" dirty="0"/>
@@ -1469,35 +1468,35 @@
           <a:p>
             <a:pPr lvl="0"/>
             <a:r>
-              <a:rPr lang="en-US" smtClean="0"/>
+              <a:rPr lang="en-US"/>
               <a:t>Edit Master text styles</a:t>
             </a:r>
           </a:p>
           <a:p>
             <a:pPr lvl="1"/>
             <a:r>
-              <a:rPr lang="en-US" smtClean="0"/>
+              <a:rPr lang="en-US"/>
               <a:t>Second level</a:t>
             </a:r>
           </a:p>
           <a:p>
             <a:pPr lvl="2"/>
             <a:r>
-              <a:rPr lang="en-US" smtClean="0"/>
+              <a:rPr lang="en-US"/>
               <a:t>Third level</a:t>
             </a:r>
           </a:p>
           <a:p>
             <a:pPr lvl="3"/>
             <a:r>
-              <a:rPr lang="en-US" smtClean="0"/>
+              <a:rPr lang="en-US"/>
               <a:t>Fourth level</a:t>
             </a:r>
           </a:p>
           <a:p>
             <a:pPr lvl="4"/>
             <a:r>
-              <a:rPr lang="en-US" smtClean="0"/>
+              <a:rPr lang="en-US"/>
               <a:t>Fifth level</a:t>
             </a:r>
             <a:endParaRPr lang="en-US" dirty="0"/>
@@ -1526,35 +1525,35 @@
           <a:p>
             <a:pPr lvl="0"/>
             <a:r>
-              <a:rPr lang="en-US" smtClean="0"/>
+              <a:rPr lang="en-US"/>
               <a:t>Edit Master text styles</a:t>
             </a:r>
           </a:p>
           <a:p>
             <a:pPr lvl="1"/>
             <a:r>
-              <a:rPr lang="en-US" smtClean="0"/>
+              <a:rPr lang="en-US"/>
               <a:t>Second level</a:t>
             </a:r>
           </a:p>
           <a:p>
             <a:pPr lvl="2"/>
             <a:r>
-              <a:rPr lang="en-US" smtClean="0"/>
+              <a:rPr lang="en-US"/>
               <a:t>Third level</a:t>
             </a:r>
           </a:p>
           <a:p>
             <a:pPr lvl="3"/>
             <a:r>
-              <a:rPr lang="en-US" smtClean="0"/>
+              <a:rPr lang="en-US"/>
               <a:t>Fourth level</a:t>
             </a:r>
           </a:p>
           <a:p>
             <a:pPr lvl="4"/>
             <a:r>
-              <a:rPr lang="en-US" smtClean="0"/>
+              <a:rPr lang="en-US"/>
               <a:t>Fifth level</a:t>
             </a:r>
             <a:endParaRPr lang="en-US" dirty="0"/>
@@ -1578,7 +1577,7 @@
           <a:p>
             <a:fld id="{19AB4D41-86C1-4908-B66A-0B50CEB3BF29}" type="datetimeFigureOut">
               <a:rPr lang="en-US" dirty="0"/>
-              <a:t>2023-07-16</a:t>
+              <a:t>9/21/2023</a:t>
             </a:fld>
             <a:endParaRPr lang="en-US" dirty="0"/>
           </a:p>
@@ -1672,7 +1671,7 @@
           <a:lstStyle/>
           <a:p>
             <a:r>
-              <a:rPr lang="en-US" smtClean="0"/>
+              <a:rPr lang="en-US"/>
               <a:t>Click to edit Master title style</a:t>
             </a:r>
             <a:endParaRPr lang="en-US" dirty="0"/>
@@ -1744,7 +1743,7 @@
           <a:p>
             <a:pPr lvl="0"/>
             <a:r>
-              <a:rPr lang="en-US" smtClean="0"/>
+              <a:rPr lang="en-US"/>
               <a:t>Edit Master text styles</a:t>
             </a:r>
           </a:p>
@@ -1772,35 +1771,35 @@
           <a:p>
             <a:pPr lvl="0"/>
             <a:r>
-              <a:rPr lang="en-US" smtClean="0"/>
+              <a:rPr lang="en-US"/>
               <a:t>Edit Master text styles</a:t>
             </a:r>
           </a:p>
           <a:p>
             <a:pPr lvl="1"/>
             <a:r>
-              <a:rPr lang="en-US" smtClean="0"/>
+              <a:rPr lang="en-US"/>
               <a:t>Second level</a:t>
             </a:r>
           </a:p>
           <a:p>
             <a:pPr lvl="2"/>
             <a:r>
-              <a:rPr lang="en-US" smtClean="0"/>
+              <a:rPr lang="en-US"/>
               <a:t>Third level</a:t>
             </a:r>
           </a:p>
           <a:p>
             <a:pPr lvl="3"/>
             <a:r>
-              <a:rPr lang="en-US" smtClean="0"/>
+              <a:rPr lang="en-US"/>
               <a:t>Fourth level</a:t>
             </a:r>
           </a:p>
           <a:p>
             <a:pPr lvl="4"/>
             <a:r>
-              <a:rPr lang="en-US" smtClean="0"/>
+              <a:rPr lang="en-US"/>
               <a:t>Fifth level</a:t>
             </a:r>
             <a:endParaRPr lang="en-US" dirty="0"/>
@@ -1872,7 +1871,7 @@
           <a:p>
             <a:pPr lvl="0"/>
             <a:r>
-              <a:rPr lang="en-US" smtClean="0"/>
+              <a:rPr lang="en-US"/>
               <a:t>Edit Master text styles</a:t>
             </a:r>
           </a:p>
@@ -1900,35 +1899,35 @@
           <a:p>
             <a:pPr lvl="0"/>
             <a:r>
-              <a:rPr lang="en-US" smtClean="0"/>
+              <a:rPr lang="en-US"/>
               <a:t>Edit Master text styles</a:t>
             </a:r>
           </a:p>
           <a:p>
             <a:pPr lvl="1"/>
             <a:r>
-              <a:rPr lang="en-US" smtClean="0"/>
+              <a:rPr lang="en-US"/>
               <a:t>Second level</a:t>
             </a:r>
           </a:p>
           <a:p>
             <a:pPr lvl="2"/>
             <a:r>
-              <a:rPr lang="en-US" smtClean="0"/>
+              <a:rPr lang="en-US"/>
               <a:t>Third level</a:t>
             </a:r>
           </a:p>
           <a:p>
             <a:pPr lvl="3"/>
             <a:r>
-              <a:rPr lang="en-US" smtClean="0"/>
+              <a:rPr lang="en-US"/>
               <a:t>Fourth level</a:t>
             </a:r>
           </a:p>
           <a:p>
             <a:pPr lvl="4"/>
             <a:r>
-              <a:rPr lang="en-US" smtClean="0"/>
+              <a:rPr lang="en-US"/>
               <a:t>Fifth level</a:t>
             </a:r>
             <a:endParaRPr lang="en-US" dirty="0"/>
@@ -1952,7 +1951,7 @@
           <a:p>
             <a:fld id="{E6426E2C-56C1-4E0D-A793-0088A7FDD37E}" type="datetimeFigureOut">
               <a:rPr lang="en-US" dirty="0"/>
-              <a:t>2023-07-16</a:t>
+              <a:t>9/21/2023</a:t>
             </a:fld>
             <a:endParaRPr lang="en-US" dirty="0"/>
           </a:p>
@@ -2041,7 +2040,7 @@
           <a:lstStyle/>
           <a:p>
             <a:r>
-              <a:rPr lang="en-US" smtClean="0"/>
+              <a:rPr lang="en-US"/>
               <a:t>Click to edit Master title style</a:t>
             </a:r>
             <a:endParaRPr lang="en-US" dirty="0"/>
@@ -2065,7 +2064,7 @@
           <a:p>
             <a:fld id="{C8C39B41-D8B5-4052-B551-9B5525EAA8B6}" type="datetimeFigureOut">
               <a:rPr lang="en-US" dirty="0"/>
-              <a:t>2023-07-16</a:t>
+              <a:t>9/21/2023</a:t>
             </a:fld>
             <a:endParaRPr lang="en-US" dirty="0"/>
           </a:p>
@@ -2231,7 +2230,7 @@
           <a:p>
             <a:fld id="{4D94136C-8742-45B2-AF27-D93DF72833A9}" type="datetimeFigureOut">
               <a:rPr lang="en-US" dirty="0"/>
-              <a:t>2023-07-16</a:t>
+              <a:t>9/21/2023</a:t>
             </a:fld>
             <a:endParaRPr lang="en-US" dirty="0"/>
           </a:p>
@@ -2420,7 +2419,7 @@
           </a:lstStyle>
           <a:p>
             <a:r>
-              <a:rPr lang="en-US" smtClean="0"/>
+              <a:rPr lang="en-US"/>
               <a:t>Click to edit Master title style</a:t>
             </a:r>
             <a:endParaRPr lang="en-US" dirty="0"/>
@@ -2449,35 +2448,35 @@
           <a:p>
             <a:pPr lvl="0"/>
             <a:r>
-              <a:rPr lang="en-US" smtClean="0"/>
+              <a:rPr lang="en-US"/>
               <a:t>Edit Master text styles</a:t>
             </a:r>
           </a:p>
           <a:p>
             <a:pPr lvl="1"/>
             <a:r>
-              <a:rPr lang="en-US" smtClean="0"/>
+              <a:rPr lang="en-US"/>
               <a:t>Second level</a:t>
             </a:r>
           </a:p>
           <a:p>
             <a:pPr lvl="2"/>
             <a:r>
-              <a:rPr lang="en-US" smtClean="0"/>
+              <a:rPr lang="en-US"/>
               <a:t>Third level</a:t>
             </a:r>
           </a:p>
           <a:p>
             <a:pPr lvl="3"/>
             <a:r>
-              <a:rPr lang="en-US" smtClean="0"/>
+              <a:rPr lang="en-US"/>
               <a:t>Fourth level</a:t>
             </a:r>
           </a:p>
           <a:p>
             <a:pPr lvl="4"/>
             <a:r>
-              <a:rPr lang="en-US" smtClean="0"/>
+              <a:rPr lang="en-US"/>
               <a:t>Fifth level</a:t>
             </a:r>
             <a:endParaRPr lang="en-US" dirty="0"/>
@@ -2549,7 +2548,7 @@
           <a:p>
             <a:pPr lvl="0"/>
             <a:r>
-              <a:rPr lang="en-US" smtClean="0"/>
+              <a:rPr lang="en-US"/>
               <a:t>Edit Master text styles</a:t>
             </a:r>
           </a:p>
@@ -2581,7 +2580,7 @@
           <a:p>
             <a:fld id="{32ABBEA6-7C60-4B02-AE87-00D78D8422AF}" type="datetimeFigureOut">
               <a:rPr lang="en-US" dirty="0"/>
-              <a:t>2023-07-16</a:t>
+              <a:t>9/21/2023</a:t>
             </a:fld>
             <a:endParaRPr lang="en-US" dirty="0"/>
           </a:p>
@@ -2783,7 +2782,7 @@
           </a:lstStyle>
           <a:p>
             <a:r>
-              <a:rPr lang="en-US" smtClean="0"/>
+              <a:rPr lang="en-US"/>
               <a:t>Click to edit Master title style</a:t>
             </a:r>
             <a:endParaRPr lang="en-US" dirty="0"/>
@@ -2858,7 +2857,7 @@
           </a:lstStyle>
           <a:p>
             <a:r>
-              <a:rPr lang="en-US" smtClean="0"/>
+              <a:rPr lang="en-US"/>
               <a:t>Click icon to add picture</a:t>
             </a:r>
             <a:endParaRPr lang="en-US" dirty="0"/>
@@ -2936,7 +2935,7 @@
           <a:p>
             <a:pPr lvl="0"/>
             <a:r>
-              <a:rPr lang="en-US" smtClean="0"/>
+              <a:rPr lang="en-US"/>
               <a:t>Edit Master text styles</a:t>
             </a:r>
           </a:p>
@@ -2959,7 +2958,7 @@
           <a:p>
             <a:fld id="{C9CAD897-D46E-4AD2-BD9B-49DD3E640873}" type="datetimeFigureOut">
               <a:rPr lang="en-US" dirty="0"/>
-              <a:t>2023-07-16</a:t>
+              <a:t>9/21/2023</a:t>
             </a:fld>
             <a:endParaRPr lang="en-US" dirty="0"/>
           </a:p>
@@ -3139,7 +3138,7 @@
           <a:lstStyle/>
           <a:p>
             <a:r>
-              <a:rPr lang="en-US" smtClean="0"/>
+              <a:rPr lang="en-US"/>
               <a:t>Click to edit Master title style</a:t>
             </a:r>
             <a:endParaRPr lang="en-US" dirty="0"/>
@@ -3173,35 +3172,35 @@
           <a:p>
             <a:pPr lvl="0"/>
             <a:r>
-              <a:rPr lang="en-US" smtClean="0"/>
+              <a:rPr lang="en-US"/>
               <a:t>Edit Master text styles</a:t>
             </a:r>
           </a:p>
           <a:p>
             <a:pPr lvl="1"/>
             <a:r>
-              <a:rPr lang="en-US" smtClean="0"/>
+              <a:rPr lang="en-US"/>
               <a:t>Second level</a:t>
             </a:r>
           </a:p>
           <a:p>
             <a:pPr lvl="2"/>
             <a:r>
-              <a:rPr lang="en-US" smtClean="0"/>
+              <a:rPr lang="en-US"/>
               <a:t>Third level</a:t>
             </a:r>
           </a:p>
           <a:p>
             <a:pPr lvl="3"/>
             <a:r>
-              <a:rPr lang="en-US" smtClean="0"/>
+              <a:rPr lang="en-US"/>
               <a:t>Fourth level</a:t>
             </a:r>
           </a:p>
           <a:p>
             <a:pPr lvl="4"/>
             <a:r>
-              <a:rPr lang="en-US" smtClean="0"/>
+              <a:rPr lang="en-US"/>
               <a:t>Fifth level</a:t>
             </a:r>
             <a:endParaRPr lang="en-US" dirty="0"/>
@@ -3241,7 +3240,7 @@
           <a:p>
             <a:fld id="{98624D31-43A5-475A-80CF-332C9F6DCF35}" type="datetimeFigureOut">
               <a:rPr lang="en-US" dirty="0"/>
-              <a:t>2023-07-16</a:t>
+              <a:t>9/21/2023</a:t>
             </a:fld>
             <a:endParaRPr lang="en-US" dirty="0"/>
           </a:p>
@@ -3769,273 +3768,6 @@
             <a:spLocks noGrp="1"/>
           </p:cNvSpPr>
           <p:nvPr>
-            <p:ph type="ctrTitle"/>
-          </p:nvPr>
-        </p:nvSpPr>
-        <p:spPr/>
-        <p:txBody>
-          <a:bodyPr/>
-          <a:lstStyle/>
-          <a:p>
-            <a:pPr algn="ctr"/>
-            <a:r>
-              <a:rPr lang="en-US" dirty="0" err="1" smtClean="0">
-                <a:latin typeface="Times New Roman" panose="02020603050405020304" pitchFamily="18" charset="0"/>
-                <a:cs typeface="Times New Roman" panose="02020603050405020304" pitchFamily="18" charset="0"/>
-              </a:rPr>
-              <a:t>AtwoM</a:t>
-            </a:r>
-            <a:r>
-              <a:rPr lang="en-US" dirty="0" smtClean="0">
-                <a:latin typeface="Times New Roman" panose="02020603050405020304" pitchFamily="18" charset="0"/>
-                <a:cs typeface="Times New Roman" panose="02020603050405020304" pitchFamily="18" charset="0"/>
-              </a:rPr>
-              <a:t> Framework</a:t>
-            </a:r>
-            <a:endParaRPr lang="en-US" dirty="0">
-              <a:latin typeface="Times New Roman" panose="02020603050405020304" pitchFamily="18" charset="0"/>
-              <a:cs typeface="Times New Roman" panose="02020603050405020304" pitchFamily="18" charset="0"/>
-            </a:endParaRPr>
-          </a:p>
-        </p:txBody>
-      </p:sp>
-      <p:sp>
-        <p:nvSpPr>
-          <p:cNvPr id="3" name="Subtitle 2"/>
-          <p:cNvSpPr>
-            <a:spLocks noGrp="1"/>
-          </p:cNvSpPr>
-          <p:nvPr>
-            <p:ph type="subTitle" idx="1"/>
-          </p:nvPr>
-        </p:nvSpPr>
-        <p:spPr/>
-        <p:txBody>
-          <a:bodyPr/>
-          <a:lstStyle/>
-          <a:p>
-            <a:r>
-              <a:rPr lang="en-US" dirty="0" smtClean="0">
-                <a:latin typeface="Times New Roman" panose="02020603050405020304" pitchFamily="18" charset="0"/>
-                <a:cs typeface="Times New Roman" panose="02020603050405020304" pitchFamily="18" charset="0"/>
-              </a:rPr>
-              <a:t>A2m-sso</a:t>
-            </a:r>
-            <a:endParaRPr lang="en-US" dirty="0">
-              <a:latin typeface="Times New Roman" panose="02020603050405020304" pitchFamily="18" charset="0"/>
-              <a:cs typeface="Times New Roman" panose="02020603050405020304" pitchFamily="18" charset="0"/>
-            </a:endParaRPr>
-          </a:p>
-        </p:txBody>
-      </p:sp>
-    </p:spTree>
-    <p:extLst>
-      <p:ext uri="{BB962C8B-B14F-4D97-AF65-F5344CB8AC3E}">
-        <p14:creationId xmlns:p14="http://schemas.microsoft.com/office/powerpoint/2010/main" val="1144066282"/>
-      </p:ext>
-    </p:extLst>
-  </p:cSld>
-  <p:clrMapOvr>
-    <a:masterClrMapping/>
-  </p:clrMapOvr>
-  <p:timing>
-    <p:tnLst>
-      <p:par>
-        <p:cTn id="1" dur="indefinite" restart="never" nodeType="tmRoot"/>
-      </p:par>
-    </p:tnLst>
-  </p:timing>
-</p:sld>
-</file>
-
-<file path=ppt/slides/slide10.xml><?xml version="1.0" encoding="utf-8"?>
-<p:sld xmlns:a="http://schemas.openxmlformats.org/drawingml/2006/main" xmlns:r="http://schemas.openxmlformats.org/officeDocument/2006/relationships" xmlns:p="http://schemas.openxmlformats.org/presentationml/2006/main">
-  <p:cSld>
-    <p:spTree>
-      <p:nvGrpSpPr>
-        <p:cNvPr id="1" name=""/>
-        <p:cNvGrpSpPr/>
-        <p:nvPr/>
-      </p:nvGrpSpPr>
-      <p:grpSpPr>
-        <a:xfrm>
-          <a:off x="0" y="0"/>
-          <a:ext cx="0" cy="0"/>
-          <a:chOff x="0" y="0"/>
-          <a:chExt cx="0" cy="0"/>
-        </a:xfrm>
-      </p:grpSpPr>
-      <p:sp>
-        <p:nvSpPr>
-          <p:cNvPr id="2" name="Title 1"/>
-          <p:cNvSpPr>
-            <a:spLocks noGrp="1"/>
-          </p:cNvSpPr>
-          <p:nvPr>
-            <p:ph type="title"/>
-          </p:nvPr>
-        </p:nvSpPr>
-        <p:spPr/>
-        <p:txBody>
-          <a:bodyPr/>
-          <a:lstStyle/>
-          <a:p>
-            <a:pPr algn="ctr"/>
-            <a:r>
-              <a:rPr lang="en-US" dirty="0" smtClean="0">
-                <a:latin typeface="Times New Roman" panose="02020603050405020304" pitchFamily="18" charset="0"/>
-                <a:cs typeface="Times New Roman" panose="02020603050405020304" pitchFamily="18" charset="0"/>
-              </a:rPr>
-              <a:t>Install</a:t>
-            </a:r>
-            <a:endParaRPr lang="en-US" dirty="0">
-              <a:latin typeface="Times New Roman" panose="02020603050405020304" pitchFamily="18" charset="0"/>
-              <a:cs typeface="Times New Roman" panose="02020603050405020304" pitchFamily="18" charset="0"/>
-            </a:endParaRPr>
-          </a:p>
-        </p:txBody>
-      </p:sp>
-      <p:sp>
-        <p:nvSpPr>
-          <p:cNvPr id="3" name="Content Placeholder 2"/>
-          <p:cNvSpPr>
-            <a:spLocks noGrp="1"/>
-          </p:cNvSpPr>
-          <p:nvPr>
-            <p:ph idx="1"/>
-          </p:nvPr>
-        </p:nvSpPr>
-        <p:spPr/>
-        <p:txBody>
-          <a:bodyPr/>
-          <a:lstStyle/>
-          <a:p>
-            <a:r>
-              <a:rPr lang="en-US" dirty="0" smtClean="0">
-                <a:latin typeface="Times New Roman" panose="02020603050405020304" pitchFamily="18" charset="0"/>
-                <a:cs typeface="Times New Roman" panose="02020603050405020304" pitchFamily="18" charset="0"/>
-              </a:rPr>
-              <a:t>Requirement</a:t>
-            </a:r>
-          </a:p>
-          <a:p>
-            <a:pPr lvl="1"/>
-            <a:r>
-              <a:rPr lang="en-US" dirty="0" smtClean="0">
-                <a:latin typeface="Times New Roman" panose="02020603050405020304" pitchFamily="18" charset="0"/>
-                <a:cs typeface="Times New Roman" panose="02020603050405020304" pitchFamily="18" charset="0"/>
-              </a:rPr>
-              <a:t>Spring (Spring boot (v2.6.7), Spring security, Spring web, …)</a:t>
-            </a:r>
-          </a:p>
-          <a:p>
-            <a:pPr lvl="1"/>
-            <a:r>
-              <a:rPr lang="en-US" dirty="0" smtClean="0">
-                <a:latin typeface="Times New Roman" panose="02020603050405020304" pitchFamily="18" charset="0"/>
-                <a:cs typeface="Times New Roman" panose="02020603050405020304" pitchFamily="18" charset="0"/>
-              </a:rPr>
-              <a:t>Java 11</a:t>
-            </a:r>
-          </a:p>
-          <a:p>
-            <a:pPr lvl="1"/>
-            <a:r>
-              <a:rPr lang="en-US" dirty="0" smtClean="0">
-                <a:latin typeface="Times New Roman" panose="02020603050405020304" pitchFamily="18" charset="0"/>
-                <a:cs typeface="Times New Roman" panose="02020603050405020304" pitchFamily="18" charset="0"/>
-              </a:rPr>
-              <a:t>Database: </a:t>
-            </a:r>
-            <a:r>
-              <a:rPr lang="en-US" dirty="0" err="1" smtClean="0">
-                <a:latin typeface="Times New Roman" panose="02020603050405020304" pitchFamily="18" charset="0"/>
-                <a:cs typeface="Times New Roman" panose="02020603050405020304" pitchFamily="18" charset="0"/>
-              </a:rPr>
-              <a:t>mariadb</a:t>
-            </a:r>
-            <a:endParaRPr lang="en-US" dirty="0" smtClean="0">
-              <a:latin typeface="Times New Roman" panose="02020603050405020304" pitchFamily="18" charset="0"/>
-              <a:cs typeface="Times New Roman" panose="02020603050405020304" pitchFamily="18" charset="0"/>
-            </a:endParaRPr>
-          </a:p>
-          <a:p>
-            <a:pPr lvl="1"/>
-            <a:r>
-              <a:rPr lang="en-US" dirty="0" smtClean="0">
-                <a:latin typeface="Times New Roman" panose="02020603050405020304" pitchFamily="18" charset="0"/>
-                <a:cs typeface="Times New Roman" panose="02020603050405020304" pitchFamily="18" charset="0"/>
-              </a:rPr>
-              <a:t>ORM: </a:t>
-            </a:r>
-            <a:r>
-              <a:rPr lang="en-US" dirty="0" err="1" smtClean="0">
-                <a:latin typeface="Times New Roman" panose="02020603050405020304" pitchFamily="18" charset="0"/>
-                <a:cs typeface="Times New Roman" panose="02020603050405020304" pitchFamily="18" charset="0"/>
-              </a:rPr>
-              <a:t>mybatis</a:t>
-            </a:r>
-            <a:endParaRPr lang="en-US" dirty="0" smtClean="0">
-              <a:latin typeface="Times New Roman" panose="02020603050405020304" pitchFamily="18" charset="0"/>
-              <a:cs typeface="Times New Roman" panose="02020603050405020304" pitchFamily="18" charset="0"/>
-            </a:endParaRPr>
-          </a:p>
-          <a:p>
-            <a:pPr lvl="1"/>
-            <a:r>
-              <a:rPr lang="en-US" dirty="0" smtClean="0">
-                <a:latin typeface="Times New Roman" panose="02020603050405020304" pitchFamily="18" charset="0"/>
-                <a:cs typeface="Times New Roman" panose="02020603050405020304" pitchFamily="18" charset="0"/>
-              </a:rPr>
-              <a:t>RSA</a:t>
-            </a:r>
-          </a:p>
-        </p:txBody>
-      </p:sp>
-    </p:spTree>
-    <p:extLst>
-      <p:ext uri="{BB962C8B-B14F-4D97-AF65-F5344CB8AC3E}">
-        <p14:creationId xmlns:p14="http://schemas.microsoft.com/office/powerpoint/2010/main" val="3907882395"/>
-      </p:ext>
-    </p:extLst>
-  </p:cSld>
-  <p:clrMapOvr>
-    <a:masterClrMapping/>
-  </p:clrMapOvr>
-  <p:timing>
-    <p:tnLst>
-      <p:par>
-        <p:cTn id="1" dur="indefinite" restart="never" nodeType="tmRoot"/>
-      </p:par>
-    </p:tnLst>
-  </p:timing>
-</p:sld>
-</file>
-
-<file path=ppt/slides/slide2.xml><?xml version="1.0" encoding="utf-8"?>
-<p:sld xmlns:a="http://schemas.openxmlformats.org/drawingml/2006/main" xmlns:r="http://schemas.openxmlformats.org/officeDocument/2006/relationships" xmlns:p="http://schemas.openxmlformats.org/presentationml/2006/main">
-  <p:cSld>
-    <p:spTree>
-      <p:nvGrpSpPr>
-        <p:cNvPr id="1" name=""/>
-        <p:cNvGrpSpPr/>
-        <p:nvPr/>
-      </p:nvGrpSpPr>
-      <p:grpSpPr>
-        <a:xfrm>
-          <a:off x="0" y="0"/>
-          <a:ext cx="0" cy="0"/>
-          <a:chOff x="0" y="0"/>
-          <a:chExt cx="0" cy="0"/>
-        </a:xfrm>
-      </p:grpSpPr>
-      <p:sp>
-        <p:nvSpPr>
-          <p:cNvPr id="2" name="Title 1"/>
-          <p:cNvSpPr>
-            <a:spLocks noGrp="1"/>
-          </p:cNvSpPr>
-          <p:nvPr>
             <p:ph type="title"/>
           </p:nvPr>
         </p:nvSpPr>
@@ -4051,21 +3783,21 @@
           <a:p>
             <a:pPr algn="ctr"/>
             <a:r>
-              <a:rPr lang="en-US" dirty="0" err="1" smtClean="0">
+              <a:rPr lang="en-US" dirty="0" err="1">
                 <a:latin typeface="Times New Roman" panose="02020603050405020304" pitchFamily="18" charset="0"/>
                 <a:cs typeface="Times New Roman" panose="02020603050405020304" pitchFamily="18" charset="0"/>
               </a:rPr>
               <a:t>Tổng</a:t>
             </a:r>
             <a:r>
-              <a:rPr lang="en-US" dirty="0" smtClean="0">
-                <a:latin typeface="Times New Roman" panose="02020603050405020304" pitchFamily="18" charset="0"/>
-                <a:cs typeface="Times New Roman" panose="02020603050405020304" pitchFamily="18" charset="0"/>
-              </a:rPr>
-              <a:t> </a:t>
-            </a:r>
-            <a:r>
-              <a:rPr lang="en-US" dirty="0" err="1" smtClean="0">
+              <a:rPr lang="en-US" dirty="0">
+                <a:latin typeface="Times New Roman" panose="02020603050405020304" pitchFamily="18" charset="0"/>
+                <a:cs typeface="Times New Roman" panose="02020603050405020304" pitchFamily="18" charset="0"/>
+              </a:rPr>
+              <a:t> </a:t>
+            </a:r>
+            <a:r>
+              <a:rPr lang="en-US" dirty="0" err="1">
                 <a:latin typeface="Times New Roman" panose="02020603050405020304" pitchFamily="18" charset="0"/>
                 <a:cs typeface="Times New Roman" panose="02020603050405020304" pitchFamily="18" charset="0"/>
               </a:rPr>
@@ -4289,18 +4021,17 @@
           <a:lstStyle/>
           <a:p>
             <a:r>
-              <a:rPr lang="en-US" dirty="0" smtClean="0"/>
+              <a:rPr lang="en-US" dirty="0"/>
               <a:t>Redirect to </a:t>
             </a:r>
             <a:r>
-              <a:rPr lang="en-US" dirty="0" err="1" smtClean="0"/>
+              <a:rPr lang="en-US" dirty="0" err="1"/>
               <a:t>sso</a:t>
             </a:r>
             <a:r>
-              <a:rPr lang="en-US" dirty="0" smtClean="0"/>
+              <a:rPr lang="en-US" dirty="0"/>
               <a:t> service</a:t>
             </a:r>
-            <a:endParaRPr lang="en-US" dirty="0"/>
           </a:p>
         </p:txBody>
       </p:sp>
@@ -4328,11 +4059,7 @@
           <a:p>
             <a:r>
               <a:rPr lang="en-US" dirty="0" err="1"/>
-              <a:t>a</a:t>
-            </a:r>
-            <a:r>
-              <a:rPr lang="en-US" dirty="0" err="1" smtClean="0"/>
-              <a:t>ccess_token</a:t>
+              <a:t>access_token</a:t>
             </a:r>
             <a:endParaRPr lang="en-US" dirty="0"/>
           </a:p>
@@ -4394,10 +4121,9 @@
           <a:lstStyle/>
           <a:p>
             <a:r>
-              <a:rPr lang="en-US" dirty="0" smtClean="0"/>
+              <a:rPr lang="en-US" dirty="0"/>
               <a:t>User request</a:t>
             </a:r>
-            <a:endParaRPr lang="en-US" dirty="0"/>
           </a:p>
         </p:txBody>
       </p:sp>
@@ -4457,10 +4183,9 @@
           <a:lstStyle/>
           <a:p>
             <a:r>
-              <a:rPr lang="en-US" dirty="0" smtClean="0"/>
+              <a:rPr lang="en-US" dirty="0"/>
               <a:t>Call API</a:t>
             </a:r>
-            <a:endParaRPr lang="en-US" dirty="0"/>
           </a:p>
         </p:txBody>
       </p:sp>
@@ -4652,11 +4377,11 @@
           <a:lstStyle/>
           <a:p>
             <a:r>
-              <a:rPr lang="en-US" dirty="0" smtClean="0"/>
+              <a:rPr lang="en-US" dirty="0"/>
               <a:t>User </a:t>
             </a:r>
             <a:r>
-              <a:rPr lang="en-US" dirty="0" err="1" smtClean="0"/>
+              <a:rPr lang="en-US" dirty="0" err="1"/>
               <a:t>mng</a:t>
             </a:r>
             <a:endParaRPr lang="en-US" dirty="0"/>
@@ -4686,11 +4411,11 @@
           <a:lstStyle/>
           <a:p>
             <a:r>
-              <a:rPr lang="en-US" dirty="0" smtClean="0"/>
+              <a:rPr lang="en-US" dirty="0"/>
               <a:t>User </a:t>
             </a:r>
             <a:r>
-              <a:rPr lang="en-US" dirty="0" err="1" smtClean="0"/>
+              <a:rPr lang="en-US" dirty="0" err="1"/>
               <a:t>mng</a:t>
             </a:r>
             <a:endParaRPr lang="en-US" dirty="0"/>
@@ -4720,11 +4445,11 @@
           <a:lstStyle/>
           <a:p>
             <a:r>
-              <a:rPr lang="en-US" dirty="0" smtClean="0"/>
+              <a:rPr lang="en-US" dirty="0"/>
               <a:t>Sys </a:t>
             </a:r>
             <a:r>
-              <a:rPr lang="en-US" dirty="0" err="1" smtClean="0"/>
+              <a:rPr lang="en-US" dirty="0" err="1"/>
               <a:t>mng</a:t>
             </a:r>
             <a:endParaRPr lang="en-US" dirty="0"/>
@@ -4807,13 +4532,924 @@
   <p:clrMapOvr>
     <a:masterClrMapping/>
   </p:clrMapOvr>
-  <p:timing>
-    <p:tnLst>
-      <p:par>
-        <p:cTn id="1" dur="indefinite" restart="never" nodeType="tmRoot"/>
-      </p:par>
-    </p:tnLst>
-  </p:timing>
+</p:sld>
+</file>
+
+<file path=ppt/slides/slide2.xml><?xml version="1.0" encoding="utf-8"?>
+<p:sld xmlns:a="http://schemas.openxmlformats.org/drawingml/2006/main" xmlns:r="http://schemas.openxmlformats.org/officeDocument/2006/relationships" xmlns:p="http://schemas.openxmlformats.org/presentationml/2006/main">
+  <p:cSld>
+    <p:spTree>
+      <p:nvGrpSpPr>
+        <p:cNvPr id="1" name=""/>
+        <p:cNvGrpSpPr/>
+        <p:nvPr/>
+      </p:nvGrpSpPr>
+      <p:grpSpPr>
+        <a:xfrm>
+          <a:off x="0" y="0"/>
+          <a:ext cx="0" cy="0"/>
+          <a:chOff x="0" y="0"/>
+          <a:chExt cx="0" cy="0"/>
+        </a:xfrm>
+      </p:grpSpPr>
+      <p:sp>
+        <p:nvSpPr>
+          <p:cNvPr id="2" name="Title 1"/>
+          <p:cNvSpPr>
+            <a:spLocks noGrp="1"/>
+          </p:cNvSpPr>
+          <p:nvPr>
+            <p:ph type="title"/>
+          </p:nvPr>
+        </p:nvSpPr>
+        <p:spPr>
+          <a:xfrm>
+            <a:off x="1097280" y="286603"/>
+            <a:ext cx="10058400" cy="928243"/>
+          </a:xfrm>
+        </p:spPr>
+        <p:txBody>
+          <a:bodyPr/>
+          <a:lstStyle/>
+          <a:p>
+            <a:pPr algn="ctr"/>
+            <a:r>
+              <a:rPr lang="en-US" dirty="0">
+                <a:latin typeface="Times New Roman" panose="02020603050405020304" pitchFamily="18" charset="0"/>
+                <a:cs typeface="Times New Roman" panose="02020603050405020304" pitchFamily="18" charset="0"/>
+              </a:rPr>
+              <a:t>Single Sign-On (SSO)</a:t>
+            </a:r>
+          </a:p>
+        </p:txBody>
+      </p:sp>
+      <p:sp>
+        <p:nvSpPr>
+          <p:cNvPr id="3" name="Content Placeholder 2"/>
+          <p:cNvSpPr>
+            <a:spLocks noGrp="1"/>
+          </p:cNvSpPr>
+          <p:nvPr>
+            <p:ph idx="1"/>
+          </p:nvPr>
+        </p:nvSpPr>
+        <p:spPr/>
+        <p:txBody>
+          <a:bodyPr>
+            <a:normAutofit/>
+          </a:bodyPr>
+          <a:lstStyle/>
+          <a:p>
+            <a:r>
+              <a:rPr lang="en-US" sz="2400" dirty="0">
+                <a:latin typeface="Times New Roman" panose="02020603050405020304" pitchFamily="18" charset="0"/>
+                <a:cs typeface="Times New Roman" panose="02020603050405020304" pitchFamily="18" charset="0"/>
+              </a:rPr>
+              <a:t>- </a:t>
+            </a:r>
+            <a:r>
+              <a:rPr lang="en-US" sz="2400" dirty="0" err="1">
+                <a:latin typeface="Times New Roman" panose="02020603050405020304" pitchFamily="18" charset="0"/>
+                <a:cs typeface="Times New Roman" panose="02020603050405020304" pitchFamily="18" charset="0"/>
+              </a:rPr>
+              <a:t>Là</a:t>
+            </a:r>
+            <a:r>
+              <a:rPr lang="en-US" sz="2400" dirty="0">
+                <a:latin typeface="Times New Roman" panose="02020603050405020304" pitchFamily="18" charset="0"/>
+                <a:cs typeface="Times New Roman" panose="02020603050405020304" pitchFamily="18" charset="0"/>
+              </a:rPr>
+              <a:t> </a:t>
+            </a:r>
+            <a:r>
+              <a:rPr lang="en-US" sz="2400" dirty="0" err="1">
+                <a:latin typeface="Times New Roman" panose="02020603050405020304" pitchFamily="18" charset="0"/>
+                <a:cs typeface="Times New Roman" panose="02020603050405020304" pitchFamily="18" charset="0"/>
+              </a:rPr>
+              <a:t>cơ</a:t>
+            </a:r>
+            <a:r>
+              <a:rPr lang="en-US" sz="2400" dirty="0">
+                <a:latin typeface="Times New Roman" panose="02020603050405020304" pitchFamily="18" charset="0"/>
+                <a:cs typeface="Times New Roman" panose="02020603050405020304" pitchFamily="18" charset="0"/>
+              </a:rPr>
+              <a:t> </a:t>
+            </a:r>
+            <a:r>
+              <a:rPr lang="en-US" sz="2400" dirty="0" err="1">
+                <a:latin typeface="Times New Roman" panose="02020603050405020304" pitchFamily="18" charset="0"/>
+                <a:cs typeface="Times New Roman" panose="02020603050405020304" pitchFamily="18" charset="0"/>
+              </a:rPr>
+              <a:t>chế</a:t>
+            </a:r>
+            <a:r>
+              <a:rPr lang="en-US" sz="2400" dirty="0">
+                <a:latin typeface="Times New Roman" panose="02020603050405020304" pitchFamily="18" charset="0"/>
+                <a:cs typeface="Times New Roman" panose="02020603050405020304" pitchFamily="18" charset="0"/>
+              </a:rPr>
+              <a:t> </a:t>
+            </a:r>
+            <a:r>
+              <a:rPr lang="en-US" sz="2400" dirty="0" err="1">
+                <a:latin typeface="Times New Roman" panose="02020603050405020304" pitchFamily="18" charset="0"/>
+                <a:cs typeface="Times New Roman" panose="02020603050405020304" pitchFamily="18" charset="0"/>
+              </a:rPr>
+              <a:t>cho</a:t>
+            </a:r>
+            <a:r>
+              <a:rPr lang="en-US" sz="2400" dirty="0">
+                <a:latin typeface="Times New Roman" panose="02020603050405020304" pitchFamily="18" charset="0"/>
+                <a:cs typeface="Times New Roman" panose="02020603050405020304" pitchFamily="18" charset="0"/>
+              </a:rPr>
+              <a:t> </a:t>
+            </a:r>
+            <a:r>
+              <a:rPr lang="en-US" sz="2400" dirty="0" err="1">
+                <a:latin typeface="Times New Roman" panose="02020603050405020304" pitchFamily="18" charset="0"/>
+                <a:cs typeface="Times New Roman" panose="02020603050405020304" pitchFamily="18" charset="0"/>
+              </a:rPr>
+              <a:t>phép</a:t>
+            </a:r>
+            <a:r>
+              <a:rPr lang="en-US" sz="2400" dirty="0">
+                <a:latin typeface="Times New Roman" panose="02020603050405020304" pitchFamily="18" charset="0"/>
+                <a:cs typeface="Times New Roman" panose="02020603050405020304" pitchFamily="18" charset="0"/>
+              </a:rPr>
+              <a:t> </a:t>
+            </a:r>
+            <a:r>
+              <a:rPr lang="en-US" sz="2400" dirty="0" err="1">
+                <a:latin typeface="Times New Roman" panose="02020603050405020304" pitchFamily="18" charset="0"/>
+                <a:cs typeface="Times New Roman" panose="02020603050405020304" pitchFamily="18" charset="0"/>
+              </a:rPr>
+              <a:t>người</a:t>
+            </a:r>
+            <a:r>
+              <a:rPr lang="en-US" sz="2400" dirty="0">
+                <a:latin typeface="Times New Roman" panose="02020603050405020304" pitchFamily="18" charset="0"/>
+                <a:cs typeface="Times New Roman" panose="02020603050405020304" pitchFamily="18" charset="0"/>
+              </a:rPr>
+              <a:t> </a:t>
+            </a:r>
+            <a:r>
+              <a:rPr lang="en-US" sz="2400" dirty="0" err="1">
+                <a:latin typeface="Times New Roman" panose="02020603050405020304" pitchFamily="18" charset="0"/>
+                <a:cs typeface="Times New Roman" panose="02020603050405020304" pitchFamily="18" charset="0"/>
+              </a:rPr>
+              <a:t>dùng</a:t>
+            </a:r>
+            <a:r>
+              <a:rPr lang="en-US" sz="2400" dirty="0">
+                <a:latin typeface="Times New Roman" panose="02020603050405020304" pitchFamily="18" charset="0"/>
+                <a:cs typeface="Times New Roman" panose="02020603050405020304" pitchFamily="18" charset="0"/>
+              </a:rPr>
+              <a:t> </a:t>
+            </a:r>
+            <a:r>
+              <a:rPr lang="en-US" sz="2400" dirty="0" err="1">
+                <a:latin typeface="Times New Roman" panose="02020603050405020304" pitchFamily="18" charset="0"/>
+                <a:cs typeface="Times New Roman" panose="02020603050405020304" pitchFamily="18" charset="0"/>
+              </a:rPr>
+              <a:t>có</a:t>
+            </a:r>
+            <a:r>
+              <a:rPr lang="en-US" sz="2400" dirty="0">
+                <a:latin typeface="Times New Roman" panose="02020603050405020304" pitchFamily="18" charset="0"/>
+                <a:cs typeface="Times New Roman" panose="02020603050405020304" pitchFamily="18" charset="0"/>
+              </a:rPr>
+              <a:t> </a:t>
+            </a:r>
+            <a:r>
+              <a:rPr lang="en-US" sz="2400" dirty="0" err="1">
+                <a:latin typeface="Times New Roman" panose="02020603050405020304" pitchFamily="18" charset="0"/>
+                <a:cs typeface="Times New Roman" panose="02020603050405020304" pitchFamily="18" charset="0"/>
+              </a:rPr>
+              <a:t>thể</a:t>
+            </a:r>
+            <a:r>
+              <a:rPr lang="en-US" sz="2400" dirty="0">
+                <a:latin typeface="Times New Roman" panose="02020603050405020304" pitchFamily="18" charset="0"/>
+                <a:cs typeface="Times New Roman" panose="02020603050405020304" pitchFamily="18" charset="0"/>
+              </a:rPr>
+              <a:t> </a:t>
+            </a:r>
+            <a:r>
+              <a:rPr lang="en-US" sz="2400" dirty="0" err="1">
+                <a:latin typeface="Times New Roman" panose="02020603050405020304" pitchFamily="18" charset="0"/>
+                <a:cs typeface="Times New Roman" panose="02020603050405020304" pitchFamily="18" charset="0"/>
+              </a:rPr>
+              <a:t>truy</a:t>
+            </a:r>
+            <a:r>
+              <a:rPr lang="en-US" sz="2400" dirty="0">
+                <a:latin typeface="Times New Roman" panose="02020603050405020304" pitchFamily="18" charset="0"/>
+                <a:cs typeface="Times New Roman" panose="02020603050405020304" pitchFamily="18" charset="0"/>
+              </a:rPr>
+              <a:t> </a:t>
+            </a:r>
+            <a:r>
+              <a:rPr lang="en-US" sz="2400" dirty="0" err="1">
+                <a:latin typeface="Times New Roman" panose="02020603050405020304" pitchFamily="18" charset="0"/>
+                <a:cs typeface="Times New Roman" panose="02020603050405020304" pitchFamily="18" charset="0"/>
+              </a:rPr>
+              <a:t>cập</a:t>
+            </a:r>
+            <a:r>
+              <a:rPr lang="en-US" sz="2400" dirty="0">
+                <a:latin typeface="Times New Roman" panose="02020603050405020304" pitchFamily="18" charset="0"/>
+                <a:cs typeface="Times New Roman" panose="02020603050405020304" pitchFamily="18" charset="0"/>
+              </a:rPr>
+              <a:t> </a:t>
+            </a:r>
+            <a:r>
+              <a:rPr lang="en-US" sz="2400" dirty="0" err="1">
+                <a:latin typeface="Times New Roman" panose="02020603050405020304" pitchFamily="18" charset="0"/>
+                <a:cs typeface="Times New Roman" panose="02020603050405020304" pitchFamily="18" charset="0"/>
+              </a:rPr>
+              <a:t>nhiều</a:t>
+            </a:r>
+            <a:r>
+              <a:rPr lang="en-US" sz="2400" dirty="0">
+                <a:latin typeface="Times New Roman" panose="02020603050405020304" pitchFamily="18" charset="0"/>
+                <a:cs typeface="Times New Roman" panose="02020603050405020304" pitchFamily="18" charset="0"/>
+              </a:rPr>
+              <a:t> </a:t>
+            </a:r>
+            <a:r>
+              <a:rPr lang="en-US" sz="2400" dirty="0" err="1">
+                <a:latin typeface="Times New Roman" panose="02020603050405020304" pitchFamily="18" charset="0"/>
+                <a:cs typeface="Times New Roman" panose="02020603050405020304" pitchFamily="18" charset="0"/>
+              </a:rPr>
+              <a:t>trang</a:t>
+            </a:r>
+            <a:r>
+              <a:rPr lang="en-US" sz="2400" dirty="0">
+                <a:latin typeface="Times New Roman" panose="02020603050405020304" pitchFamily="18" charset="0"/>
+                <a:cs typeface="Times New Roman" panose="02020603050405020304" pitchFamily="18" charset="0"/>
+              </a:rPr>
+              <a:t> web, </a:t>
+            </a:r>
+            <a:r>
+              <a:rPr lang="en-US" sz="2400" dirty="0" err="1">
+                <a:latin typeface="Times New Roman" panose="02020603050405020304" pitchFamily="18" charset="0"/>
+                <a:cs typeface="Times New Roman" panose="02020603050405020304" pitchFamily="18" charset="0"/>
+              </a:rPr>
+              <a:t>ứng</a:t>
+            </a:r>
+            <a:r>
+              <a:rPr lang="en-US" sz="2400" dirty="0">
+                <a:latin typeface="Times New Roman" panose="02020603050405020304" pitchFamily="18" charset="0"/>
+                <a:cs typeface="Times New Roman" panose="02020603050405020304" pitchFamily="18" charset="0"/>
+              </a:rPr>
+              <a:t> </a:t>
+            </a:r>
+            <a:r>
+              <a:rPr lang="en-US" sz="2400" dirty="0" err="1">
+                <a:latin typeface="Times New Roman" panose="02020603050405020304" pitchFamily="18" charset="0"/>
+                <a:cs typeface="Times New Roman" panose="02020603050405020304" pitchFamily="18" charset="0"/>
+              </a:rPr>
+              <a:t>dụng</a:t>
+            </a:r>
+            <a:r>
+              <a:rPr lang="en-US" sz="2400" dirty="0">
+                <a:latin typeface="Times New Roman" panose="02020603050405020304" pitchFamily="18" charset="0"/>
+                <a:cs typeface="Times New Roman" panose="02020603050405020304" pitchFamily="18" charset="0"/>
+              </a:rPr>
+              <a:t> </a:t>
+            </a:r>
+            <a:r>
+              <a:rPr lang="en-US" sz="2400" dirty="0" err="1">
+                <a:latin typeface="Times New Roman" panose="02020603050405020304" pitchFamily="18" charset="0"/>
+                <a:cs typeface="Times New Roman" panose="02020603050405020304" pitchFamily="18" charset="0"/>
+              </a:rPr>
+              <a:t>mà</a:t>
+            </a:r>
+            <a:r>
+              <a:rPr lang="en-US" sz="2400" dirty="0">
+                <a:latin typeface="Times New Roman" panose="02020603050405020304" pitchFamily="18" charset="0"/>
+                <a:cs typeface="Times New Roman" panose="02020603050405020304" pitchFamily="18" charset="0"/>
+              </a:rPr>
+              <a:t> </a:t>
+            </a:r>
+            <a:r>
+              <a:rPr lang="en-US" sz="2400" dirty="0" err="1">
+                <a:latin typeface="Times New Roman" panose="02020603050405020304" pitchFamily="18" charset="0"/>
+                <a:cs typeface="Times New Roman" panose="02020603050405020304" pitchFamily="18" charset="0"/>
+              </a:rPr>
+              <a:t>chỉ</a:t>
+            </a:r>
+            <a:r>
+              <a:rPr lang="en-US" sz="2400" dirty="0">
+                <a:latin typeface="Times New Roman" panose="02020603050405020304" pitchFamily="18" charset="0"/>
+                <a:cs typeface="Times New Roman" panose="02020603050405020304" pitchFamily="18" charset="0"/>
+              </a:rPr>
+              <a:t> </a:t>
+            </a:r>
+            <a:r>
+              <a:rPr lang="en-US" sz="2400" dirty="0" err="1">
+                <a:latin typeface="Times New Roman" panose="02020603050405020304" pitchFamily="18" charset="0"/>
+                <a:cs typeface="Times New Roman" panose="02020603050405020304" pitchFamily="18" charset="0"/>
+              </a:rPr>
+              <a:t>cần</a:t>
+            </a:r>
+            <a:r>
+              <a:rPr lang="en-US" sz="2400" dirty="0">
+                <a:latin typeface="Times New Roman" panose="02020603050405020304" pitchFamily="18" charset="0"/>
+                <a:cs typeface="Times New Roman" panose="02020603050405020304" pitchFamily="18" charset="0"/>
+              </a:rPr>
+              <a:t> </a:t>
+            </a:r>
+            <a:r>
+              <a:rPr lang="en-US" sz="2400" dirty="0" err="1">
+                <a:latin typeface="Times New Roman" panose="02020603050405020304" pitchFamily="18" charset="0"/>
+                <a:cs typeface="Times New Roman" panose="02020603050405020304" pitchFamily="18" charset="0"/>
+              </a:rPr>
+              <a:t>đăng</a:t>
+            </a:r>
+            <a:r>
+              <a:rPr lang="en-US" sz="2400" dirty="0">
+                <a:latin typeface="Times New Roman" panose="02020603050405020304" pitchFamily="18" charset="0"/>
+                <a:cs typeface="Times New Roman" panose="02020603050405020304" pitchFamily="18" charset="0"/>
+              </a:rPr>
+              <a:t> </a:t>
+            </a:r>
+            <a:r>
+              <a:rPr lang="en-US" sz="2400" dirty="0" err="1">
+                <a:latin typeface="Times New Roman" panose="02020603050405020304" pitchFamily="18" charset="0"/>
+                <a:cs typeface="Times New Roman" panose="02020603050405020304" pitchFamily="18" charset="0"/>
+              </a:rPr>
+              <a:t>nhập</a:t>
+            </a:r>
+            <a:r>
+              <a:rPr lang="en-US" sz="2400" dirty="0">
+                <a:latin typeface="Times New Roman" panose="02020603050405020304" pitchFamily="18" charset="0"/>
+                <a:cs typeface="Times New Roman" panose="02020603050405020304" pitchFamily="18" charset="0"/>
+              </a:rPr>
+              <a:t> </a:t>
+            </a:r>
+            <a:r>
+              <a:rPr lang="en-US" sz="2400" dirty="0" err="1">
+                <a:latin typeface="Times New Roman" panose="02020603050405020304" pitchFamily="18" charset="0"/>
+                <a:cs typeface="Times New Roman" panose="02020603050405020304" pitchFamily="18" charset="0"/>
+              </a:rPr>
+              <a:t>một</a:t>
+            </a:r>
+            <a:r>
+              <a:rPr lang="en-US" sz="2400" dirty="0">
+                <a:latin typeface="Times New Roman" panose="02020603050405020304" pitchFamily="18" charset="0"/>
+                <a:cs typeface="Times New Roman" panose="02020603050405020304" pitchFamily="18" charset="0"/>
+              </a:rPr>
+              <a:t> </a:t>
+            </a:r>
+            <a:r>
+              <a:rPr lang="en-US" sz="2400" dirty="0" err="1">
+                <a:latin typeface="Times New Roman" panose="02020603050405020304" pitchFamily="18" charset="0"/>
+                <a:cs typeface="Times New Roman" panose="02020603050405020304" pitchFamily="18" charset="0"/>
+              </a:rPr>
+              <a:t>lần</a:t>
+            </a:r>
+            <a:r>
+              <a:rPr lang="en-US" sz="2400" dirty="0">
+                <a:latin typeface="Times New Roman" panose="02020603050405020304" pitchFamily="18" charset="0"/>
+                <a:cs typeface="Times New Roman" panose="02020603050405020304" pitchFamily="18" charset="0"/>
+              </a:rPr>
+              <a:t>.</a:t>
+            </a:r>
+          </a:p>
+          <a:p>
+            <a:r>
+              <a:rPr lang="en-US" sz="2400" dirty="0">
+                <a:latin typeface="Times New Roman" panose="02020603050405020304" pitchFamily="18" charset="0"/>
+                <a:cs typeface="Times New Roman" panose="02020603050405020304" pitchFamily="18" charset="0"/>
+              </a:rPr>
+              <a:t>- </a:t>
+            </a:r>
+            <a:r>
+              <a:rPr lang="en-US" sz="2400" dirty="0" err="1">
+                <a:latin typeface="Times New Roman" panose="02020603050405020304" pitchFamily="18" charset="0"/>
+                <a:cs typeface="Times New Roman" panose="02020603050405020304" pitchFamily="18" charset="0"/>
+              </a:rPr>
+              <a:t>Ưu</a:t>
+            </a:r>
+            <a:r>
+              <a:rPr lang="en-US" sz="2400" dirty="0">
+                <a:latin typeface="Times New Roman" panose="02020603050405020304" pitchFamily="18" charset="0"/>
+                <a:cs typeface="Times New Roman" panose="02020603050405020304" pitchFamily="18" charset="0"/>
+              </a:rPr>
+              <a:t> </a:t>
+            </a:r>
+            <a:r>
+              <a:rPr lang="en-US" sz="2400" dirty="0" err="1">
+                <a:latin typeface="Times New Roman" panose="02020603050405020304" pitchFamily="18" charset="0"/>
+                <a:cs typeface="Times New Roman" panose="02020603050405020304" pitchFamily="18" charset="0"/>
+              </a:rPr>
+              <a:t>điểm</a:t>
+            </a:r>
+            <a:r>
+              <a:rPr lang="en-US" sz="2400" dirty="0">
+                <a:latin typeface="Times New Roman" panose="02020603050405020304" pitchFamily="18" charset="0"/>
+                <a:cs typeface="Times New Roman" panose="02020603050405020304" pitchFamily="18" charset="0"/>
+              </a:rPr>
+              <a:t>:</a:t>
+            </a:r>
+          </a:p>
+          <a:p>
+            <a:pPr lvl="1"/>
+            <a:r>
+              <a:rPr lang="en-US" sz="2200" dirty="0" err="1">
+                <a:latin typeface="Times New Roman" panose="02020603050405020304" pitchFamily="18" charset="0"/>
+                <a:cs typeface="Times New Roman" panose="02020603050405020304" pitchFamily="18" charset="0"/>
+              </a:rPr>
+              <a:t>Giảm</a:t>
+            </a:r>
+            <a:r>
+              <a:rPr lang="en-US" sz="2200" dirty="0">
+                <a:latin typeface="Times New Roman" panose="02020603050405020304" pitchFamily="18" charset="0"/>
+                <a:cs typeface="Times New Roman" panose="02020603050405020304" pitchFamily="18" charset="0"/>
+              </a:rPr>
+              <a:t> </a:t>
+            </a:r>
+            <a:r>
+              <a:rPr lang="en-US" sz="2200" dirty="0" err="1">
+                <a:latin typeface="Times New Roman" panose="02020603050405020304" pitchFamily="18" charset="0"/>
+                <a:cs typeface="Times New Roman" panose="02020603050405020304" pitchFamily="18" charset="0"/>
+              </a:rPr>
+              <a:t>số</a:t>
+            </a:r>
+            <a:r>
+              <a:rPr lang="en-US" sz="2200" dirty="0">
+                <a:latin typeface="Times New Roman" panose="02020603050405020304" pitchFamily="18" charset="0"/>
+                <a:cs typeface="Times New Roman" panose="02020603050405020304" pitchFamily="18" charset="0"/>
+              </a:rPr>
+              <a:t> </a:t>
+            </a:r>
+            <a:r>
+              <a:rPr lang="en-US" sz="2200" dirty="0" err="1">
+                <a:latin typeface="Times New Roman" panose="02020603050405020304" pitchFamily="18" charset="0"/>
+                <a:cs typeface="Times New Roman" panose="02020603050405020304" pitchFamily="18" charset="0"/>
+              </a:rPr>
+              <a:t>lượng</a:t>
+            </a:r>
+            <a:r>
+              <a:rPr lang="en-US" sz="2200" dirty="0">
+                <a:latin typeface="Times New Roman" panose="02020603050405020304" pitchFamily="18" charset="0"/>
+                <a:cs typeface="Times New Roman" panose="02020603050405020304" pitchFamily="18" charset="0"/>
+              </a:rPr>
+              <a:t> username/password </a:t>
+            </a:r>
+            <a:r>
+              <a:rPr lang="en-US" sz="2200" dirty="0" err="1">
+                <a:latin typeface="Times New Roman" panose="02020603050405020304" pitchFamily="18" charset="0"/>
+                <a:cs typeface="Times New Roman" panose="02020603050405020304" pitchFamily="18" charset="0"/>
+              </a:rPr>
+              <a:t>mà</a:t>
+            </a:r>
+            <a:r>
+              <a:rPr lang="en-US" sz="2200" dirty="0">
+                <a:latin typeface="Times New Roman" panose="02020603050405020304" pitchFamily="18" charset="0"/>
+                <a:cs typeface="Times New Roman" panose="02020603050405020304" pitchFamily="18" charset="0"/>
+              </a:rPr>
+              <a:t> </a:t>
+            </a:r>
+            <a:r>
+              <a:rPr lang="en-US" sz="2200" dirty="0" err="1">
+                <a:latin typeface="Times New Roman" panose="02020603050405020304" pitchFamily="18" charset="0"/>
+                <a:cs typeface="Times New Roman" panose="02020603050405020304" pitchFamily="18" charset="0"/>
+              </a:rPr>
+              <a:t>người</a:t>
+            </a:r>
+            <a:r>
+              <a:rPr lang="en-US" sz="2200" dirty="0">
+                <a:latin typeface="Times New Roman" panose="02020603050405020304" pitchFamily="18" charset="0"/>
+                <a:cs typeface="Times New Roman" panose="02020603050405020304" pitchFamily="18" charset="0"/>
+              </a:rPr>
+              <a:t> </a:t>
+            </a:r>
+            <a:r>
+              <a:rPr lang="en-US" sz="2200" dirty="0" err="1">
+                <a:latin typeface="Times New Roman" panose="02020603050405020304" pitchFamily="18" charset="0"/>
+                <a:cs typeface="Times New Roman" panose="02020603050405020304" pitchFamily="18" charset="0"/>
+              </a:rPr>
+              <a:t>dùng</a:t>
+            </a:r>
+            <a:r>
+              <a:rPr lang="en-US" sz="2200" dirty="0">
+                <a:latin typeface="Times New Roman" panose="02020603050405020304" pitchFamily="18" charset="0"/>
+                <a:cs typeface="Times New Roman" panose="02020603050405020304" pitchFamily="18" charset="0"/>
+              </a:rPr>
+              <a:t> </a:t>
+            </a:r>
+            <a:r>
+              <a:rPr lang="en-US" sz="2200" dirty="0" err="1">
+                <a:latin typeface="Times New Roman" panose="02020603050405020304" pitchFamily="18" charset="0"/>
+                <a:cs typeface="Times New Roman" panose="02020603050405020304" pitchFamily="18" charset="0"/>
+              </a:rPr>
+              <a:t>cần</a:t>
+            </a:r>
+            <a:r>
+              <a:rPr lang="en-US" sz="2200" dirty="0">
+                <a:latin typeface="Times New Roman" panose="02020603050405020304" pitchFamily="18" charset="0"/>
+                <a:cs typeface="Times New Roman" panose="02020603050405020304" pitchFamily="18" charset="0"/>
+              </a:rPr>
+              <a:t> </a:t>
+            </a:r>
+            <a:r>
+              <a:rPr lang="en-US" sz="2200" dirty="0" err="1">
+                <a:latin typeface="Times New Roman" panose="02020603050405020304" pitchFamily="18" charset="0"/>
+                <a:cs typeface="Times New Roman" panose="02020603050405020304" pitchFamily="18" charset="0"/>
+              </a:rPr>
+              <a:t>ghi</a:t>
+            </a:r>
+            <a:r>
+              <a:rPr lang="en-US" sz="2200" dirty="0">
+                <a:latin typeface="Times New Roman" panose="02020603050405020304" pitchFamily="18" charset="0"/>
+                <a:cs typeface="Times New Roman" panose="02020603050405020304" pitchFamily="18" charset="0"/>
+              </a:rPr>
+              <a:t> </a:t>
+            </a:r>
+            <a:r>
+              <a:rPr lang="en-US" sz="2200" dirty="0" err="1">
+                <a:latin typeface="Times New Roman" panose="02020603050405020304" pitchFamily="18" charset="0"/>
+                <a:cs typeface="Times New Roman" panose="02020603050405020304" pitchFamily="18" charset="0"/>
+              </a:rPr>
+              <a:t>nhớ</a:t>
+            </a:r>
+            <a:endParaRPr lang="en-US" sz="2200" dirty="0">
+              <a:latin typeface="Times New Roman" panose="02020603050405020304" pitchFamily="18" charset="0"/>
+              <a:cs typeface="Times New Roman" panose="02020603050405020304" pitchFamily="18" charset="0"/>
+            </a:endParaRPr>
+          </a:p>
+          <a:p>
+            <a:pPr lvl="1"/>
+            <a:r>
+              <a:rPr lang="en-US" sz="2200" dirty="0" err="1">
+                <a:latin typeface="Times New Roman" panose="02020603050405020304" pitchFamily="18" charset="0"/>
+                <a:cs typeface="Times New Roman" panose="02020603050405020304" pitchFamily="18" charset="0"/>
+              </a:rPr>
+              <a:t>Giảm</a:t>
+            </a:r>
+            <a:r>
+              <a:rPr lang="en-US" sz="2200" dirty="0">
+                <a:latin typeface="Times New Roman" panose="02020603050405020304" pitchFamily="18" charset="0"/>
+                <a:cs typeface="Times New Roman" panose="02020603050405020304" pitchFamily="18" charset="0"/>
+              </a:rPr>
+              <a:t> </a:t>
+            </a:r>
+            <a:r>
+              <a:rPr lang="en-US" sz="2200" dirty="0" err="1">
+                <a:latin typeface="Times New Roman" panose="02020603050405020304" pitchFamily="18" charset="0"/>
+                <a:cs typeface="Times New Roman" panose="02020603050405020304" pitchFamily="18" charset="0"/>
+              </a:rPr>
+              <a:t>số</a:t>
+            </a:r>
+            <a:r>
+              <a:rPr lang="en-US" sz="2200" dirty="0">
+                <a:latin typeface="Times New Roman" panose="02020603050405020304" pitchFamily="18" charset="0"/>
+                <a:cs typeface="Times New Roman" panose="02020603050405020304" pitchFamily="18" charset="0"/>
+              </a:rPr>
+              <a:t> </a:t>
+            </a:r>
+            <a:r>
+              <a:rPr lang="en-US" sz="2200" dirty="0" err="1">
+                <a:latin typeface="Times New Roman" panose="02020603050405020304" pitchFamily="18" charset="0"/>
+                <a:cs typeface="Times New Roman" panose="02020603050405020304" pitchFamily="18" charset="0"/>
+              </a:rPr>
+              <a:t>lần</a:t>
+            </a:r>
+            <a:r>
+              <a:rPr lang="en-US" sz="2200" dirty="0">
+                <a:latin typeface="Times New Roman" panose="02020603050405020304" pitchFamily="18" charset="0"/>
+                <a:cs typeface="Times New Roman" panose="02020603050405020304" pitchFamily="18" charset="0"/>
+              </a:rPr>
+              <a:t> </a:t>
+            </a:r>
+            <a:r>
+              <a:rPr lang="en-US" sz="2200" dirty="0" err="1">
+                <a:latin typeface="Times New Roman" panose="02020603050405020304" pitchFamily="18" charset="0"/>
+                <a:cs typeface="Times New Roman" panose="02020603050405020304" pitchFamily="18" charset="0"/>
+              </a:rPr>
+              <a:t>đăng</a:t>
+            </a:r>
+            <a:r>
+              <a:rPr lang="en-US" sz="2200" dirty="0">
+                <a:latin typeface="Times New Roman" panose="02020603050405020304" pitchFamily="18" charset="0"/>
+                <a:cs typeface="Times New Roman" panose="02020603050405020304" pitchFamily="18" charset="0"/>
+              </a:rPr>
+              <a:t> </a:t>
+            </a:r>
+            <a:r>
+              <a:rPr lang="en-US" sz="2200" dirty="0" err="1">
+                <a:latin typeface="Times New Roman" panose="02020603050405020304" pitchFamily="18" charset="0"/>
+                <a:cs typeface="Times New Roman" panose="02020603050405020304" pitchFamily="18" charset="0"/>
+              </a:rPr>
+              <a:t>nhập</a:t>
+            </a:r>
+            <a:endParaRPr lang="en-US" sz="2200" dirty="0">
+              <a:latin typeface="Times New Roman" panose="02020603050405020304" pitchFamily="18" charset="0"/>
+              <a:cs typeface="Times New Roman" panose="02020603050405020304" pitchFamily="18" charset="0"/>
+            </a:endParaRPr>
+          </a:p>
+          <a:p>
+            <a:pPr lvl="1"/>
+            <a:r>
+              <a:rPr lang="en-US" sz="2200" dirty="0" err="1">
+                <a:latin typeface="Times New Roman" panose="02020603050405020304" pitchFamily="18" charset="0"/>
+                <a:cs typeface="Times New Roman" panose="02020603050405020304" pitchFamily="18" charset="0"/>
+              </a:rPr>
+              <a:t>Rủi</a:t>
+            </a:r>
+            <a:r>
+              <a:rPr lang="en-US" sz="2200" dirty="0">
+                <a:latin typeface="Times New Roman" panose="02020603050405020304" pitchFamily="18" charset="0"/>
+                <a:cs typeface="Times New Roman" panose="02020603050405020304" pitchFamily="18" charset="0"/>
+              </a:rPr>
+              <a:t> </a:t>
+            </a:r>
+            <a:r>
+              <a:rPr lang="en-US" sz="2200" dirty="0" err="1">
+                <a:latin typeface="Times New Roman" panose="02020603050405020304" pitchFamily="18" charset="0"/>
+                <a:cs typeface="Times New Roman" panose="02020603050405020304" pitchFamily="18" charset="0"/>
+              </a:rPr>
+              <a:t>ro</a:t>
+            </a:r>
+            <a:r>
+              <a:rPr lang="en-US" sz="2200" dirty="0">
+                <a:latin typeface="Times New Roman" panose="02020603050405020304" pitchFamily="18" charset="0"/>
+                <a:cs typeface="Times New Roman" panose="02020603050405020304" pitchFamily="18" charset="0"/>
+              </a:rPr>
+              <a:t> </a:t>
+            </a:r>
+            <a:r>
+              <a:rPr lang="en-US" sz="2200" dirty="0" err="1">
+                <a:latin typeface="Times New Roman" panose="02020603050405020304" pitchFamily="18" charset="0"/>
+                <a:cs typeface="Times New Roman" panose="02020603050405020304" pitchFamily="18" charset="0"/>
+              </a:rPr>
+              <a:t>về</a:t>
+            </a:r>
+            <a:r>
+              <a:rPr lang="en-US" sz="2200" dirty="0">
+                <a:latin typeface="Times New Roman" panose="02020603050405020304" pitchFamily="18" charset="0"/>
+                <a:cs typeface="Times New Roman" panose="02020603050405020304" pitchFamily="18" charset="0"/>
+              </a:rPr>
+              <a:t> </a:t>
+            </a:r>
+            <a:r>
+              <a:rPr lang="en-US" sz="2200" dirty="0" err="1">
+                <a:latin typeface="Times New Roman" panose="02020603050405020304" pitchFamily="18" charset="0"/>
+                <a:cs typeface="Times New Roman" panose="02020603050405020304" pitchFamily="18" charset="0"/>
+              </a:rPr>
+              <a:t>việc</a:t>
+            </a:r>
+            <a:r>
+              <a:rPr lang="en-US" sz="2200" dirty="0">
+                <a:latin typeface="Times New Roman" panose="02020603050405020304" pitchFamily="18" charset="0"/>
+                <a:cs typeface="Times New Roman" panose="02020603050405020304" pitchFamily="18" charset="0"/>
+              </a:rPr>
+              <a:t> </a:t>
+            </a:r>
+            <a:r>
+              <a:rPr lang="en-US" sz="2200" dirty="0" err="1">
+                <a:latin typeface="Times New Roman" panose="02020603050405020304" pitchFamily="18" charset="0"/>
+                <a:cs typeface="Times New Roman" panose="02020603050405020304" pitchFamily="18" charset="0"/>
+              </a:rPr>
+              <a:t>lộ</a:t>
+            </a:r>
+            <a:r>
+              <a:rPr lang="en-US" sz="2200" dirty="0">
+                <a:latin typeface="Times New Roman" panose="02020603050405020304" pitchFamily="18" charset="0"/>
+                <a:cs typeface="Times New Roman" panose="02020603050405020304" pitchFamily="18" charset="0"/>
+              </a:rPr>
+              <a:t> </a:t>
+            </a:r>
+            <a:r>
+              <a:rPr lang="en-US" sz="2200" dirty="0" err="1">
+                <a:latin typeface="Times New Roman" panose="02020603050405020304" pitchFamily="18" charset="0"/>
+                <a:cs typeface="Times New Roman" panose="02020603050405020304" pitchFamily="18" charset="0"/>
+              </a:rPr>
+              <a:t>thông</a:t>
+            </a:r>
+            <a:r>
+              <a:rPr lang="en-US" sz="2200" dirty="0">
+                <a:latin typeface="Times New Roman" panose="02020603050405020304" pitchFamily="18" charset="0"/>
+                <a:cs typeface="Times New Roman" panose="02020603050405020304" pitchFamily="18" charset="0"/>
+              </a:rPr>
+              <a:t> tin </a:t>
+            </a:r>
+            <a:r>
+              <a:rPr lang="en-US" sz="2200" dirty="0" err="1">
+                <a:latin typeface="Times New Roman" panose="02020603050405020304" pitchFamily="18" charset="0"/>
+                <a:cs typeface="Times New Roman" panose="02020603050405020304" pitchFamily="18" charset="0"/>
+              </a:rPr>
+              <a:t>người</a:t>
+            </a:r>
+            <a:r>
+              <a:rPr lang="en-US" sz="2200" dirty="0">
+                <a:latin typeface="Times New Roman" panose="02020603050405020304" pitchFamily="18" charset="0"/>
+                <a:cs typeface="Times New Roman" panose="02020603050405020304" pitchFamily="18" charset="0"/>
+              </a:rPr>
+              <a:t> dung </a:t>
+            </a:r>
+            <a:r>
+              <a:rPr lang="en-US" sz="2200" dirty="0" err="1">
+                <a:latin typeface="Times New Roman" panose="02020603050405020304" pitchFamily="18" charset="0"/>
+                <a:cs typeface="Times New Roman" panose="02020603050405020304" pitchFamily="18" charset="0"/>
+              </a:rPr>
+              <a:t>cũng</a:t>
+            </a:r>
+            <a:r>
+              <a:rPr lang="en-US" sz="2200" dirty="0">
+                <a:latin typeface="Times New Roman" panose="02020603050405020304" pitchFamily="18" charset="0"/>
+                <a:cs typeface="Times New Roman" panose="02020603050405020304" pitchFamily="18" charset="0"/>
+              </a:rPr>
+              <a:t> </a:t>
+            </a:r>
+            <a:r>
+              <a:rPr lang="en-US" sz="2200" dirty="0" err="1">
+                <a:latin typeface="Times New Roman" panose="02020603050405020304" pitchFamily="18" charset="0"/>
+                <a:cs typeface="Times New Roman" panose="02020603050405020304" pitchFamily="18" charset="0"/>
+              </a:rPr>
+              <a:t>được</a:t>
+            </a:r>
+            <a:r>
+              <a:rPr lang="en-US" sz="2200" dirty="0">
+                <a:latin typeface="Times New Roman" panose="02020603050405020304" pitchFamily="18" charset="0"/>
+                <a:cs typeface="Times New Roman" panose="02020603050405020304" pitchFamily="18" charset="0"/>
+              </a:rPr>
+              <a:t> </a:t>
+            </a:r>
+            <a:r>
+              <a:rPr lang="en-US" sz="2200" dirty="0" err="1">
+                <a:latin typeface="Times New Roman" panose="02020603050405020304" pitchFamily="18" charset="0"/>
+                <a:cs typeface="Times New Roman" panose="02020603050405020304" pitchFamily="18" charset="0"/>
+              </a:rPr>
+              <a:t>hạn</a:t>
+            </a:r>
+            <a:r>
+              <a:rPr lang="en-US" sz="2200" dirty="0">
+                <a:latin typeface="Times New Roman" panose="02020603050405020304" pitchFamily="18" charset="0"/>
+                <a:cs typeface="Times New Roman" panose="02020603050405020304" pitchFamily="18" charset="0"/>
+              </a:rPr>
+              <a:t> </a:t>
+            </a:r>
+            <a:r>
+              <a:rPr lang="en-US" sz="2200" dirty="0" err="1">
+                <a:latin typeface="Times New Roman" panose="02020603050405020304" pitchFamily="18" charset="0"/>
+                <a:cs typeface="Times New Roman" panose="02020603050405020304" pitchFamily="18" charset="0"/>
+              </a:rPr>
+              <a:t>chế</a:t>
+            </a:r>
+            <a:endParaRPr lang="en-US" sz="2200" dirty="0">
+              <a:latin typeface="Times New Roman" panose="02020603050405020304" pitchFamily="18" charset="0"/>
+              <a:cs typeface="Times New Roman" panose="02020603050405020304" pitchFamily="18" charset="0"/>
+            </a:endParaRPr>
+          </a:p>
+          <a:p>
+            <a:r>
+              <a:rPr lang="en-US" sz="2400" dirty="0">
+                <a:latin typeface="Times New Roman" panose="02020603050405020304" pitchFamily="18" charset="0"/>
+                <a:cs typeface="Times New Roman" panose="02020603050405020304" pitchFamily="18" charset="0"/>
+              </a:rPr>
+              <a:t>- </a:t>
+            </a:r>
+            <a:r>
+              <a:rPr lang="en-US" sz="2400" dirty="0" err="1">
+                <a:latin typeface="Times New Roman" panose="02020603050405020304" pitchFamily="18" charset="0"/>
+                <a:cs typeface="Times New Roman" panose="02020603050405020304" pitchFamily="18" charset="0"/>
+              </a:rPr>
+              <a:t>Hạn</a:t>
+            </a:r>
+            <a:r>
+              <a:rPr lang="en-US" sz="2400" dirty="0">
+                <a:latin typeface="Times New Roman" panose="02020603050405020304" pitchFamily="18" charset="0"/>
+                <a:cs typeface="Times New Roman" panose="02020603050405020304" pitchFamily="18" charset="0"/>
+              </a:rPr>
+              <a:t> </a:t>
+            </a:r>
+            <a:r>
+              <a:rPr lang="en-US" sz="2400" dirty="0" err="1">
+                <a:latin typeface="Times New Roman" panose="02020603050405020304" pitchFamily="18" charset="0"/>
+                <a:cs typeface="Times New Roman" panose="02020603050405020304" pitchFamily="18" charset="0"/>
+              </a:rPr>
+              <a:t>chế</a:t>
+            </a:r>
+            <a:r>
+              <a:rPr lang="en-US" sz="2400" dirty="0">
+                <a:latin typeface="Times New Roman" panose="02020603050405020304" pitchFamily="18" charset="0"/>
+                <a:cs typeface="Times New Roman" panose="02020603050405020304" pitchFamily="18" charset="0"/>
+              </a:rPr>
+              <a:t>:</a:t>
+            </a:r>
+          </a:p>
+          <a:p>
+            <a:pPr lvl="1"/>
+            <a:r>
+              <a:rPr lang="en-US" sz="2200" dirty="0" err="1">
+                <a:latin typeface="Times New Roman" panose="02020603050405020304" pitchFamily="18" charset="0"/>
+                <a:cs typeface="Times New Roman" panose="02020603050405020304" pitchFamily="18" charset="0"/>
+              </a:rPr>
+              <a:t>Chí</a:t>
+            </a:r>
+            <a:r>
+              <a:rPr lang="en-US" sz="2200" dirty="0">
+                <a:latin typeface="Times New Roman" panose="02020603050405020304" pitchFamily="18" charset="0"/>
+                <a:cs typeface="Times New Roman" panose="02020603050405020304" pitchFamily="18" charset="0"/>
+              </a:rPr>
+              <a:t> </a:t>
+            </a:r>
+            <a:r>
+              <a:rPr lang="en-US" sz="2200" dirty="0" err="1">
+                <a:latin typeface="Times New Roman" panose="02020603050405020304" pitchFamily="18" charset="0"/>
+                <a:cs typeface="Times New Roman" panose="02020603050405020304" pitchFamily="18" charset="0"/>
+              </a:rPr>
+              <a:t>phí</a:t>
+            </a:r>
+            <a:r>
+              <a:rPr lang="en-US" sz="2200" dirty="0">
+                <a:latin typeface="Times New Roman" panose="02020603050405020304" pitchFamily="18" charset="0"/>
+                <a:cs typeface="Times New Roman" panose="02020603050405020304" pitchFamily="18" charset="0"/>
+              </a:rPr>
+              <a:t> </a:t>
+            </a:r>
+            <a:r>
+              <a:rPr lang="en-US" sz="2200" dirty="0" err="1">
+                <a:latin typeface="Times New Roman" panose="02020603050405020304" pitchFamily="18" charset="0"/>
+                <a:cs typeface="Times New Roman" panose="02020603050405020304" pitchFamily="18" charset="0"/>
+              </a:rPr>
+              <a:t>phát</a:t>
+            </a:r>
+            <a:r>
+              <a:rPr lang="en-US" sz="2200" dirty="0">
+                <a:latin typeface="Times New Roman" panose="02020603050405020304" pitchFamily="18" charset="0"/>
+                <a:cs typeface="Times New Roman" panose="02020603050405020304" pitchFamily="18" charset="0"/>
+              </a:rPr>
+              <a:t> </a:t>
+            </a:r>
+            <a:r>
+              <a:rPr lang="en-US" sz="2200" dirty="0" err="1">
+                <a:latin typeface="Times New Roman" panose="02020603050405020304" pitchFamily="18" charset="0"/>
+                <a:cs typeface="Times New Roman" panose="02020603050405020304" pitchFamily="18" charset="0"/>
+              </a:rPr>
+              <a:t>triển</a:t>
+            </a:r>
+            <a:r>
+              <a:rPr lang="en-US" sz="2200" dirty="0">
+                <a:latin typeface="Times New Roman" panose="02020603050405020304" pitchFamily="18" charset="0"/>
+                <a:cs typeface="Times New Roman" panose="02020603050405020304" pitchFamily="18" charset="0"/>
+              </a:rPr>
+              <a:t> </a:t>
+            </a:r>
+            <a:r>
+              <a:rPr lang="en-US" sz="2200" dirty="0" err="1">
+                <a:latin typeface="Times New Roman" panose="02020603050405020304" pitchFamily="18" charset="0"/>
+                <a:cs typeface="Times New Roman" panose="02020603050405020304" pitchFamily="18" charset="0"/>
+              </a:rPr>
+              <a:t>thông</a:t>
+            </a:r>
+            <a:r>
+              <a:rPr lang="en-US" sz="2200" dirty="0">
+                <a:latin typeface="Times New Roman" panose="02020603050405020304" pitchFamily="18" charset="0"/>
+                <a:cs typeface="Times New Roman" panose="02020603050405020304" pitchFamily="18" charset="0"/>
+              </a:rPr>
+              <a:t> qua service </a:t>
+            </a:r>
+            <a:r>
+              <a:rPr lang="en-US" sz="2200" dirty="0" err="1">
+                <a:latin typeface="Times New Roman" panose="02020603050405020304" pitchFamily="18" charset="0"/>
+                <a:cs typeface="Times New Roman" panose="02020603050405020304" pitchFamily="18" charset="0"/>
+              </a:rPr>
+              <a:t>thứ</a:t>
+            </a:r>
+            <a:r>
+              <a:rPr lang="en-US" sz="2200" dirty="0">
+                <a:latin typeface="Times New Roman" panose="02020603050405020304" pitchFamily="18" charset="0"/>
+                <a:cs typeface="Times New Roman" panose="02020603050405020304" pitchFamily="18" charset="0"/>
+              </a:rPr>
+              <a:t> </a:t>
+            </a:r>
+            <a:r>
+              <a:rPr lang="en-US" sz="2200" dirty="0" err="1">
+                <a:latin typeface="Times New Roman" panose="02020603050405020304" pitchFamily="18" charset="0"/>
+                <a:cs typeface="Times New Roman" panose="02020603050405020304" pitchFamily="18" charset="0"/>
+              </a:rPr>
+              <a:t>ba</a:t>
+            </a:r>
+            <a:endParaRPr lang="en-US" sz="2200" dirty="0">
+              <a:latin typeface="Times New Roman" panose="02020603050405020304" pitchFamily="18" charset="0"/>
+              <a:cs typeface="Times New Roman" panose="02020603050405020304" pitchFamily="18" charset="0"/>
+            </a:endParaRPr>
+          </a:p>
+        </p:txBody>
+      </p:sp>
+    </p:spTree>
+    <p:extLst>
+      <p:ext uri="{BB962C8B-B14F-4D97-AF65-F5344CB8AC3E}">
+        <p14:creationId xmlns:p14="http://schemas.microsoft.com/office/powerpoint/2010/main" val="3021128579"/>
+      </p:ext>
+    </p:extLst>
+  </p:cSld>
+  <p:clrMapOvr>
+    <a:masterClrMapping/>
+  </p:clrMapOvr>
 </p:sld>
 </file>
 
@@ -4846,8 +5482,8 @@
         </p:nvSpPr>
         <p:spPr>
           <a:xfrm>
-            <a:off x="1097280" y="286603"/>
-            <a:ext cx="10058400" cy="928243"/>
+            <a:off x="1097280" y="286604"/>
+            <a:ext cx="10058400" cy="758426"/>
           </a:xfrm>
         </p:spPr>
         <p:txBody>
@@ -4856,16 +5492,12 @@
           <a:p>
             <a:pPr algn="ctr"/>
             <a:r>
-              <a:rPr lang="en-US" dirty="0" smtClean="0">
+              <a:rPr lang="en-US" dirty="0">
                 <a:latin typeface="Times New Roman" panose="02020603050405020304" pitchFamily="18" charset="0"/>
                 <a:cs typeface="Times New Roman" panose="02020603050405020304" pitchFamily="18" charset="0"/>
               </a:rPr>
               <a:t>Single Sign-On (SSO)</a:t>
             </a:r>
-            <a:endParaRPr lang="en-US" dirty="0">
-              <a:latin typeface="Times New Roman" panose="02020603050405020304" pitchFamily="18" charset="0"/>
-              <a:cs typeface="Times New Roman" panose="02020603050405020304" pitchFamily="18" charset="0"/>
-            </a:endParaRPr>
           </a:p>
         </p:txBody>
       </p:sp>
@@ -4886,863 +5518,59 @@
           </a:bodyPr>
           <a:lstStyle/>
           <a:p>
-            <a:r>
-              <a:rPr lang="en-US" sz="2400" dirty="0" smtClean="0">
-                <a:latin typeface="Times New Roman" panose="02020603050405020304" pitchFamily="18" charset="0"/>
-                <a:cs typeface="Times New Roman" panose="02020603050405020304" pitchFamily="18" charset="0"/>
-              </a:rPr>
-              <a:t>- </a:t>
-            </a:r>
-            <a:r>
-              <a:rPr lang="en-US" sz="2400" dirty="0" err="1" smtClean="0">
-                <a:latin typeface="Times New Roman" panose="02020603050405020304" pitchFamily="18" charset="0"/>
-                <a:cs typeface="Times New Roman" panose="02020603050405020304" pitchFamily="18" charset="0"/>
-              </a:rPr>
-              <a:t>Là</a:t>
-            </a:r>
-            <a:r>
-              <a:rPr lang="en-US" sz="2400" dirty="0" smtClean="0">
-                <a:latin typeface="Times New Roman" panose="02020603050405020304" pitchFamily="18" charset="0"/>
-                <a:cs typeface="Times New Roman" panose="02020603050405020304" pitchFamily="18" charset="0"/>
-              </a:rPr>
-              <a:t> </a:t>
-            </a:r>
-            <a:r>
-              <a:rPr lang="en-US" sz="2400" dirty="0" err="1" smtClean="0">
-                <a:latin typeface="Times New Roman" panose="02020603050405020304" pitchFamily="18" charset="0"/>
-                <a:cs typeface="Times New Roman" panose="02020603050405020304" pitchFamily="18" charset="0"/>
-              </a:rPr>
-              <a:t>cơ</a:t>
-            </a:r>
-            <a:r>
-              <a:rPr lang="en-US" sz="2400" dirty="0" smtClean="0">
-                <a:latin typeface="Times New Roman" panose="02020603050405020304" pitchFamily="18" charset="0"/>
-                <a:cs typeface="Times New Roman" panose="02020603050405020304" pitchFamily="18" charset="0"/>
-              </a:rPr>
-              <a:t> </a:t>
-            </a:r>
-            <a:r>
-              <a:rPr lang="en-US" sz="2400" dirty="0" err="1" smtClean="0">
-                <a:latin typeface="Times New Roman" panose="02020603050405020304" pitchFamily="18" charset="0"/>
-                <a:cs typeface="Times New Roman" panose="02020603050405020304" pitchFamily="18" charset="0"/>
-              </a:rPr>
-              <a:t>chế</a:t>
-            </a:r>
-            <a:r>
-              <a:rPr lang="en-US" sz="2400" dirty="0" smtClean="0">
-                <a:latin typeface="Times New Roman" panose="02020603050405020304" pitchFamily="18" charset="0"/>
-                <a:cs typeface="Times New Roman" panose="02020603050405020304" pitchFamily="18" charset="0"/>
-              </a:rPr>
-              <a:t> </a:t>
-            </a:r>
-            <a:r>
-              <a:rPr lang="en-US" sz="2400" dirty="0" err="1" smtClean="0">
-                <a:latin typeface="Times New Roman" panose="02020603050405020304" pitchFamily="18" charset="0"/>
-                <a:cs typeface="Times New Roman" panose="02020603050405020304" pitchFamily="18" charset="0"/>
-              </a:rPr>
-              <a:t>cho</a:t>
-            </a:r>
-            <a:r>
-              <a:rPr lang="en-US" sz="2400" dirty="0" smtClean="0">
-                <a:latin typeface="Times New Roman" panose="02020603050405020304" pitchFamily="18" charset="0"/>
-                <a:cs typeface="Times New Roman" panose="02020603050405020304" pitchFamily="18" charset="0"/>
-              </a:rPr>
-              <a:t> </a:t>
-            </a:r>
-            <a:r>
-              <a:rPr lang="en-US" sz="2400" dirty="0" err="1" smtClean="0">
-                <a:latin typeface="Times New Roman" panose="02020603050405020304" pitchFamily="18" charset="0"/>
-                <a:cs typeface="Times New Roman" panose="02020603050405020304" pitchFamily="18" charset="0"/>
-              </a:rPr>
-              <a:t>phép</a:t>
-            </a:r>
-            <a:r>
-              <a:rPr lang="en-US" sz="2400" dirty="0" smtClean="0">
-                <a:latin typeface="Times New Roman" panose="02020603050405020304" pitchFamily="18" charset="0"/>
-                <a:cs typeface="Times New Roman" panose="02020603050405020304" pitchFamily="18" charset="0"/>
-              </a:rPr>
-              <a:t> </a:t>
-            </a:r>
-            <a:r>
-              <a:rPr lang="en-US" sz="2400" dirty="0" err="1" smtClean="0">
-                <a:latin typeface="Times New Roman" panose="02020603050405020304" pitchFamily="18" charset="0"/>
-                <a:cs typeface="Times New Roman" panose="02020603050405020304" pitchFamily="18" charset="0"/>
-              </a:rPr>
-              <a:t>người</a:t>
-            </a:r>
-            <a:r>
-              <a:rPr lang="en-US" sz="2400" dirty="0" smtClean="0">
-                <a:latin typeface="Times New Roman" panose="02020603050405020304" pitchFamily="18" charset="0"/>
-                <a:cs typeface="Times New Roman" panose="02020603050405020304" pitchFamily="18" charset="0"/>
-              </a:rPr>
-              <a:t> </a:t>
-            </a:r>
-            <a:r>
-              <a:rPr lang="en-US" sz="2400" dirty="0" err="1" smtClean="0">
-                <a:latin typeface="Times New Roman" panose="02020603050405020304" pitchFamily="18" charset="0"/>
-                <a:cs typeface="Times New Roman" panose="02020603050405020304" pitchFamily="18" charset="0"/>
-              </a:rPr>
-              <a:t>dùng</a:t>
-            </a:r>
-            <a:r>
-              <a:rPr lang="en-US" sz="2400" dirty="0" smtClean="0">
-                <a:latin typeface="Times New Roman" panose="02020603050405020304" pitchFamily="18" charset="0"/>
-                <a:cs typeface="Times New Roman" panose="02020603050405020304" pitchFamily="18" charset="0"/>
-              </a:rPr>
-              <a:t> </a:t>
-            </a:r>
-            <a:r>
-              <a:rPr lang="en-US" sz="2400" dirty="0" err="1" smtClean="0">
-                <a:latin typeface="Times New Roman" panose="02020603050405020304" pitchFamily="18" charset="0"/>
-                <a:cs typeface="Times New Roman" panose="02020603050405020304" pitchFamily="18" charset="0"/>
-              </a:rPr>
-              <a:t>có</a:t>
-            </a:r>
-            <a:r>
-              <a:rPr lang="en-US" sz="2400" dirty="0" smtClean="0">
-                <a:latin typeface="Times New Roman" panose="02020603050405020304" pitchFamily="18" charset="0"/>
-                <a:cs typeface="Times New Roman" panose="02020603050405020304" pitchFamily="18" charset="0"/>
-              </a:rPr>
-              <a:t> </a:t>
-            </a:r>
-            <a:r>
-              <a:rPr lang="en-US" sz="2400" dirty="0" err="1" smtClean="0">
-                <a:latin typeface="Times New Roman" panose="02020603050405020304" pitchFamily="18" charset="0"/>
-                <a:cs typeface="Times New Roman" panose="02020603050405020304" pitchFamily="18" charset="0"/>
-              </a:rPr>
-              <a:t>thể</a:t>
-            </a:r>
-            <a:r>
-              <a:rPr lang="en-US" sz="2400" dirty="0" smtClean="0">
-                <a:latin typeface="Times New Roman" panose="02020603050405020304" pitchFamily="18" charset="0"/>
-                <a:cs typeface="Times New Roman" panose="02020603050405020304" pitchFamily="18" charset="0"/>
-              </a:rPr>
-              <a:t> </a:t>
-            </a:r>
-            <a:r>
-              <a:rPr lang="en-US" sz="2400" dirty="0" err="1" smtClean="0">
-                <a:latin typeface="Times New Roman" panose="02020603050405020304" pitchFamily="18" charset="0"/>
-                <a:cs typeface="Times New Roman" panose="02020603050405020304" pitchFamily="18" charset="0"/>
-              </a:rPr>
-              <a:t>truy</a:t>
-            </a:r>
-            <a:r>
-              <a:rPr lang="en-US" sz="2400" dirty="0" smtClean="0">
-                <a:latin typeface="Times New Roman" panose="02020603050405020304" pitchFamily="18" charset="0"/>
-                <a:cs typeface="Times New Roman" panose="02020603050405020304" pitchFamily="18" charset="0"/>
-              </a:rPr>
-              <a:t> </a:t>
-            </a:r>
-            <a:r>
-              <a:rPr lang="en-US" sz="2400" dirty="0" err="1" smtClean="0">
-                <a:latin typeface="Times New Roman" panose="02020603050405020304" pitchFamily="18" charset="0"/>
-                <a:cs typeface="Times New Roman" panose="02020603050405020304" pitchFamily="18" charset="0"/>
-              </a:rPr>
-              <a:t>cập</a:t>
-            </a:r>
-            <a:r>
-              <a:rPr lang="en-US" sz="2400" dirty="0" smtClean="0">
-                <a:latin typeface="Times New Roman" panose="02020603050405020304" pitchFamily="18" charset="0"/>
-                <a:cs typeface="Times New Roman" panose="02020603050405020304" pitchFamily="18" charset="0"/>
-              </a:rPr>
-              <a:t> </a:t>
-            </a:r>
-            <a:r>
-              <a:rPr lang="en-US" sz="2400" dirty="0" err="1" smtClean="0">
-                <a:latin typeface="Times New Roman" panose="02020603050405020304" pitchFamily="18" charset="0"/>
-                <a:cs typeface="Times New Roman" panose="02020603050405020304" pitchFamily="18" charset="0"/>
-              </a:rPr>
-              <a:t>nhiều</a:t>
-            </a:r>
-            <a:r>
-              <a:rPr lang="en-US" sz="2400" dirty="0" smtClean="0">
-                <a:latin typeface="Times New Roman" panose="02020603050405020304" pitchFamily="18" charset="0"/>
-                <a:cs typeface="Times New Roman" panose="02020603050405020304" pitchFamily="18" charset="0"/>
-              </a:rPr>
-              <a:t> </a:t>
-            </a:r>
-            <a:r>
-              <a:rPr lang="en-US" sz="2400" dirty="0" err="1" smtClean="0">
-                <a:latin typeface="Times New Roman" panose="02020603050405020304" pitchFamily="18" charset="0"/>
-                <a:cs typeface="Times New Roman" panose="02020603050405020304" pitchFamily="18" charset="0"/>
-              </a:rPr>
-              <a:t>trang</a:t>
-            </a:r>
-            <a:r>
-              <a:rPr lang="en-US" sz="2400" dirty="0" smtClean="0">
-                <a:latin typeface="Times New Roman" panose="02020603050405020304" pitchFamily="18" charset="0"/>
-                <a:cs typeface="Times New Roman" panose="02020603050405020304" pitchFamily="18" charset="0"/>
-              </a:rPr>
-              <a:t> web, </a:t>
-            </a:r>
-            <a:r>
-              <a:rPr lang="en-US" sz="2400" dirty="0" err="1" smtClean="0">
-                <a:latin typeface="Times New Roman" panose="02020603050405020304" pitchFamily="18" charset="0"/>
-                <a:cs typeface="Times New Roman" panose="02020603050405020304" pitchFamily="18" charset="0"/>
-              </a:rPr>
-              <a:t>ứng</a:t>
-            </a:r>
-            <a:r>
-              <a:rPr lang="en-US" sz="2400" dirty="0" smtClean="0">
-                <a:latin typeface="Times New Roman" panose="02020603050405020304" pitchFamily="18" charset="0"/>
-                <a:cs typeface="Times New Roman" panose="02020603050405020304" pitchFamily="18" charset="0"/>
-              </a:rPr>
-              <a:t> </a:t>
-            </a:r>
-            <a:r>
-              <a:rPr lang="en-US" sz="2400" dirty="0" err="1" smtClean="0">
-                <a:latin typeface="Times New Roman" panose="02020603050405020304" pitchFamily="18" charset="0"/>
-                <a:cs typeface="Times New Roman" panose="02020603050405020304" pitchFamily="18" charset="0"/>
-              </a:rPr>
-              <a:t>dụng</a:t>
-            </a:r>
-            <a:r>
-              <a:rPr lang="en-US" sz="2400" dirty="0" smtClean="0">
-                <a:latin typeface="Times New Roman" panose="02020603050405020304" pitchFamily="18" charset="0"/>
-                <a:cs typeface="Times New Roman" panose="02020603050405020304" pitchFamily="18" charset="0"/>
-              </a:rPr>
-              <a:t> </a:t>
-            </a:r>
-            <a:r>
-              <a:rPr lang="en-US" sz="2400" dirty="0" err="1" smtClean="0">
-                <a:latin typeface="Times New Roman" panose="02020603050405020304" pitchFamily="18" charset="0"/>
-                <a:cs typeface="Times New Roman" panose="02020603050405020304" pitchFamily="18" charset="0"/>
-              </a:rPr>
-              <a:t>mà</a:t>
-            </a:r>
-            <a:r>
-              <a:rPr lang="en-US" sz="2400" dirty="0" smtClean="0">
-                <a:latin typeface="Times New Roman" panose="02020603050405020304" pitchFamily="18" charset="0"/>
-                <a:cs typeface="Times New Roman" panose="02020603050405020304" pitchFamily="18" charset="0"/>
-              </a:rPr>
-              <a:t> </a:t>
-            </a:r>
-            <a:r>
-              <a:rPr lang="en-US" sz="2400" dirty="0" err="1" smtClean="0">
-                <a:latin typeface="Times New Roman" panose="02020603050405020304" pitchFamily="18" charset="0"/>
-                <a:cs typeface="Times New Roman" panose="02020603050405020304" pitchFamily="18" charset="0"/>
-              </a:rPr>
-              <a:t>chỉ</a:t>
-            </a:r>
-            <a:r>
-              <a:rPr lang="en-US" sz="2400" dirty="0" smtClean="0">
-                <a:latin typeface="Times New Roman" panose="02020603050405020304" pitchFamily="18" charset="0"/>
-                <a:cs typeface="Times New Roman" panose="02020603050405020304" pitchFamily="18" charset="0"/>
-              </a:rPr>
-              <a:t> </a:t>
-            </a:r>
-            <a:r>
-              <a:rPr lang="en-US" sz="2400" dirty="0" err="1" smtClean="0">
-                <a:latin typeface="Times New Roman" panose="02020603050405020304" pitchFamily="18" charset="0"/>
-                <a:cs typeface="Times New Roman" panose="02020603050405020304" pitchFamily="18" charset="0"/>
-              </a:rPr>
-              <a:t>cần</a:t>
-            </a:r>
-            <a:r>
-              <a:rPr lang="en-US" sz="2400" dirty="0" smtClean="0">
-                <a:latin typeface="Times New Roman" panose="02020603050405020304" pitchFamily="18" charset="0"/>
-                <a:cs typeface="Times New Roman" panose="02020603050405020304" pitchFamily="18" charset="0"/>
-              </a:rPr>
-              <a:t> </a:t>
-            </a:r>
-            <a:r>
-              <a:rPr lang="en-US" sz="2400" dirty="0" err="1" smtClean="0">
-                <a:latin typeface="Times New Roman" panose="02020603050405020304" pitchFamily="18" charset="0"/>
-                <a:cs typeface="Times New Roman" panose="02020603050405020304" pitchFamily="18" charset="0"/>
-              </a:rPr>
-              <a:t>đăng</a:t>
-            </a:r>
-            <a:r>
-              <a:rPr lang="en-US" sz="2400" dirty="0" smtClean="0">
-                <a:latin typeface="Times New Roman" panose="02020603050405020304" pitchFamily="18" charset="0"/>
-                <a:cs typeface="Times New Roman" panose="02020603050405020304" pitchFamily="18" charset="0"/>
-              </a:rPr>
-              <a:t> </a:t>
-            </a:r>
-            <a:r>
-              <a:rPr lang="en-US" sz="2400" dirty="0" err="1" smtClean="0">
-                <a:latin typeface="Times New Roman" panose="02020603050405020304" pitchFamily="18" charset="0"/>
-                <a:cs typeface="Times New Roman" panose="02020603050405020304" pitchFamily="18" charset="0"/>
-              </a:rPr>
-              <a:t>nhập</a:t>
-            </a:r>
-            <a:r>
-              <a:rPr lang="en-US" sz="2400" dirty="0" smtClean="0">
-                <a:latin typeface="Times New Roman" panose="02020603050405020304" pitchFamily="18" charset="0"/>
-                <a:cs typeface="Times New Roman" panose="02020603050405020304" pitchFamily="18" charset="0"/>
-              </a:rPr>
-              <a:t> </a:t>
-            </a:r>
-            <a:r>
-              <a:rPr lang="en-US" sz="2400" dirty="0" err="1" smtClean="0">
-                <a:latin typeface="Times New Roman" panose="02020603050405020304" pitchFamily="18" charset="0"/>
-                <a:cs typeface="Times New Roman" panose="02020603050405020304" pitchFamily="18" charset="0"/>
-              </a:rPr>
-              <a:t>một</a:t>
-            </a:r>
-            <a:r>
-              <a:rPr lang="en-US" sz="2400" dirty="0" smtClean="0">
-                <a:latin typeface="Times New Roman" panose="02020603050405020304" pitchFamily="18" charset="0"/>
-                <a:cs typeface="Times New Roman" panose="02020603050405020304" pitchFamily="18" charset="0"/>
-              </a:rPr>
-              <a:t> </a:t>
-            </a:r>
-            <a:r>
-              <a:rPr lang="en-US" sz="2400" dirty="0" err="1" smtClean="0">
-                <a:latin typeface="Times New Roman" panose="02020603050405020304" pitchFamily="18" charset="0"/>
-                <a:cs typeface="Times New Roman" panose="02020603050405020304" pitchFamily="18" charset="0"/>
-              </a:rPr>
-              <a:t>lần</a:t>
-            </a:r>
-            <a:r>
-              <a:rPr lang="en-US" sz="2400" dirty="0" smtClean="0">
-                <a:latin typeface="Times New Roman" panose="02020603050405020304" pitchFamily="18" charset="0"/>
-                <a:cs typeface="Times New Roman" panose="02020603050405020304" pitchFamily="18" charset="0"/>
-              </a:rPr>
-              <a:t>.</a:t>
-            </a:r>
-          </a:p>
-          <a:p>
-            <a:r>
-              <a:rPr lang="en-US" sz="2400" dirty="0" smtClean="0">
-                <a:latin typeface="Times New Roman" panose="02020603050405020304" pitchFamily="18" charset="0"/>
-                <a:cs typeface="Times New Roman" panose="02020603050405020304" pitchFamily="18" charset="0"/>
-              </a:rPr>
-              <a:t>- </a:t>
-            </a:r>
-            <a:r>
-              <a:rPr lang="en-US" sz="2400" dirty="0" err="1" smtClean="0">
-                <a:latin typeface="Times New Roman" panose="02020603050405020304" pitchFamily="18" charset="0"/>
-                <a:cs typeface="Times New Roman" panose="02020603050405020304" pitchFamily="18" charset="0"/>
-              </a:rPr>
-              <a:t>Ưu</a:t>
-            </a:r>
-            <a:r>
-              <a:rPr lang="en-US" sz="2400" dirty="0" smtClean="0">
-                <a:latin typeface="Times New Roman" panose="02020603050405020304" pitchFamily="18" charset="0"/>
-                <a:cs typeface="Times New Roman" panose="02020603050405020304" pitchFamily="18" charset="0"/>
-              </a:rPr>
-              <a:t> </a:t>
-            </a:r>
-            <a:r>
-              <a:rPr lang="en-US" sz="2400" dirty="0" err="1" smtClean="0">
-                <a:latin typeface="Times New Roman" panose="02020603050405020304" pitchFamily="18" charset="0"/>
-                <a:cs typeface="Times New Roman" panose="02020603050405020304" pitchFamily="18" charset="0"/>
-              </a:rPr>
-              <a:t>điểm</a:t>
-            </a:r>
-            <a:r>
-              <a:rPr lang="en-US" sz="2400" dirty="0" smtClean="0">
-                <a:latin typeface="Times New Roman" panose="02020603050405020304" pitchFamily="18" charset="0"/>
-                <a:cs typeface="Times New Roman" panose="02020603050405020304" pitchFamily="18" charset="0"/>
-              </a:rPr>
-              <a:t>:</a:t>
-            </a:r>
-          </a:p>
-          <a:p>
-            <a:pPr lvl="1"/>
-            <a:r>
-              <a:rPr lang="en-US" sz="2200" dirty="0" err="1">
-                <a:latin typeface="Times New Roman" panose="02020603050405020304" pitchFamily="18" charset="0"/>
-                <a:cs typeface="Times New Roman" panose="02020603050405020304" pitchFamily="18" charset="0"/>
-              </a:rPr>
-              <a:t>Giảm</a:t>
-            </a:r>
-            <a:r>
-              <a:rPr lang="en-US" sz="2200" dirty="0">
-                <a:latin typeface="Times New Roman" panose="02020603050405020304" pitchFamily="18" charset="0"/>
-                <a:cs typeface="Times New Roman" panose="02020603050405020304" pitchFamily="18" charset="0"/>
-              </a:rPr>
-              <a:t> </a:t>
-            </a:r>
-            <a:r>
-              <a:rPr lang="en-US" sz="2200" dirty="0" err="1">
-                <a:latin typeface="Times New Roman" panose="02020603050405020304" pitchFamily="18" charset="0"/>
-                <a:cs typeface="Times New Roman" panose="02020603050405020304" pitchFamily="18" charset="0"/>
-              </a:rPr>
-              <a:t>số</a:t>
-            </a:r>
-            <a:r>
-              <a:rPr lang="en-US" sz="2200" dirty="0">
-                <a:latin typeface="Times New Roman" panose="02020603050405020304" pitchFamily="18" charset="0"/>
-                <a:cs typeface="Times New Roman" panose="02020603050405020304" pitchFamily="18" charset="0"/>
-              </a:rPr>
-              <a:t> </a:t>
-            </a:r>
-            <a:r>
-              <a:rPr lang="en-US" sz="2200" dirty="0" err="1">
-                <a:latin typeface="Times New Roman" panose="02020603050405020304" pitchFamily="18" charset="0"/>
-                <a:cs typeface="Times New Roman" panose="02020603050405020304" pitchFamily="18" charset="0"/>
-              </a:rPr>
-              <a:t>lượng</a:t>
-            </a:r>
-            <a:r>
-              <a:rPr lang="en-US" sz="2200" dirty="0">
-                <a:latin typeface="Times New Roman" panose="02020603050405020304" pitchFamily="18" charset="0"/>
-                <a:cs typeface="Times New Roman" panose="02020603050405020304" pitchFamily="18" charset="0"/>
-              </a:rPr>
-              <a:t> username/password </a:t>
-            </a:r>
-            <a:r>
-              <a:rPr lang="en-US" sz="2200" dirty="0" err="1">
-                <a:latin typeface="Times New Roman" panose="02020603050405020304" pitchFamily="18" charset="0"/>
-                <a:cs typeface="Times New Roman" panose="02020603050405020304" pitchFamily="18" charset="0"/>
-              </a:rPr>
-              <a:t>mà</a:t>
-            </a:r>
-            <a:r>
-              <a:rPr lang="en-US" sz="2200" dirty="0">
-                <a:latin typeface="Times New Roman" panose="02020603050405020304" pitchFamily="18" charset="0"/>
-                <a:cs typeface="Times New Roman" panose="02020603050405020304" pitchFamily="18" charset="0"/>
-              </a:rPr>
-              <a:t> </a:t>
-            </a:r>
-            <a:r>
-              <a:rPr lang="en-US" sz="2200" dirty="0" err="1">
-                <a:latin typeface="Times New Roman" panose="02020603050405020304" pitchFamily="18" charset="0"/>
-                <a:cs typeface="Times New Roman" panose="02020603050405020304" pitchFamily="18" charset="0"/>
-              </a:rPr>
-              <a:t>người</a:t>
-            </a:r>
-            <a:r>
-              <a:rPr lang="en-US" sz="2200" dirty="0">
-                <a:latin typeface="Times New Roman" panose="02020603050405020304" pitchFamily="18" charset="0"/>
-                <a:cs typeface="Times New Roman" panose="02020603050405020304" pitchFamily="18" charset="0"/>
-              </a:rPr>
-              <a:t> </a:t>
-            </a:r>
-            <a:r>
-              <a:rPr lang="en-US" sz="2200" dirty="0" err="1">
-                <a:latin typeface="Times New Roman" panose="02020603050405020304" pitchFamily="18" charset="0"/>
-                <a:cs typeface="Times New Roman" panose="02020603050405020304" pitchFamily="18" charset="0"/>
-              </a:rPr>
-              <a:t>dùng</a:t>
-            </a:r>
-            <a:r>
-              <a:rPr lang="en-US" sz="2200" dirty="0">
-                <a:latin typeface="Times New Roman" panose="02020603050405020304" pitchFamily="18" charset="0"/>
-                <a:cs typeface="Times New Roman" panose="02020603050405020304" pitchFamily="18" charset="0"/>
-              </a:rPr>
-              <a:t> </a:t>
-            </a:r>
-            <a:r>
-              <a:rPr lang="en-US" sz="2200" dirty="0" err="1">
-                <a:latin typeface="Times New Roman" panose="02020603050405020304" pitchFamily="18" charset="0"/>
-                <a:cs typeface="Times New Roman" panose="02020603050405020304" pitchFamily="18" charset="0"/>
-              </a:rPr>
-              <a:t>cần</a:t>
-            </a:r>
-            <a:r>
-              <a:rPr lang="en-US" sz="2200" dirty="0">
-                <a:latin typeface="Times New Roman" panose="02020603050405020304" pitchFamily="18" charset="0"/>
-                <a:cs typeface="Times New Roman" panose="02020603050405020304" pitchFamily="18" charset="0"/>
-              </a:rPr>
-              <a:t> </a:t>
-            </a:r>
-            <a:r>
-              <a:rPr lang="en-US" sz="2200" dirty="0" err="1">
-                <a:latin typeface="Times New Roman" panose="02020603050405020304" pitchFamily="18" charset="0"/>
-                <a:cs typeface="Times New Roman" panose="02020603050405020304" pitchFamily="18" charset="0"/>
-              </a:rPr>
-              <a:t>ghi</a:t>
-            </a:r>
-            <a:r>
-              <a:rPr lang="en-US" sz="2200" dirty="0">
-                <a:latin typeface="Times New Roman" panose="02020603050405020304" pitchFamily="18" charset="0"/>
-                <a:cs typeface="Times New Roman" panose="02020603050405020304" pitchFamily="18" charset="0"/>
-              </a:rPr>
-              <a:t> </a:t>
-            </a:r>
-            <a:r>
-              <a:rPr lang="en-US" sz="2200" dirty="0" err="1">
-                <a:latin typeface="Times New Roman" panose="02020603050405020304" pitchFamily="18" charset="0"/>
-                <a:cs typeface="Times New Roman" panose="02020603050405020304" pitchFamily="18" charset="0"/>
-              </a:rPr>
-              <a:t>nhớ</a:t>
-            </a:r>
-            <a:endParaRPr lang="en-US" sz="2200" dirty="0">
+            <a:endParaRPr lang="en-US" sz="2400" dirty="0">
               <a:latin typeface="Times New Roman" panose="02020603050405020304" pitchFamily="18" charset="0"/>
               <a:cs typeface="Times New Roman" panose="02020603050405020304" pitchFamily="18" charset="0"/>
             </a:endParaRPr>
           </a:p>
           <a:p>
-            <a:pPr lvl="1"/>
-            <a:r>
-              <a:rPr lang="en-US" sz="2200" dirty="0" err="1">
-                <a:latin typeface="Times New Roman" panose="02020603050405020304" pitchFamily="18" charset="0"/>
-                <a:cs typeface="Times New Roman" panose="02020603050405020304" pitchFamily="18" charset="0"/>
-              </a:rPr>
-              <a:t>Giảm</a:t>
-            </a:r>
-            <a:r>
-              <a:rPr lang="en-US" sz="2200" dirty="0">
-                <a:latin typeface="Times New Roman" panose="02020603050405020304" pitchFamily="18" charset="0"/>
-                <a:cs typeface="Times New Roman" panose="02020603050405020304" pitchFamily="18" charset="0"/>
-              </a:rPr>
-              <a:t> </a:t>
-            </a:r>
-            <a:r>
-              <a:rPr lang="en-US" sz="2200" dirty="0" err="1">
-                <a:latin typeface="Times New Roman" panose="02020603050405020304" pitchFamily="18" charset="0"/>
-                <a:cs typeface="Times New Roman" panose="02020603050405020304" pitchFamily="18" charset="0"/>
-              </a:rPr>
-              <a:t>số</a:t>
-            </a:r>
-            <a:r>
-              <a:rPr lang="en-US" sz="2200" dirty="0">
-                <a:latin typeface="Times New Roman" panose="02020603050405020304" pitchFamily="18" charset="0"/>
-                <a:cs typeface="Times New Roman" panose="02020603050405020304" pitchFamily="18" charset="0"/>
-              </a:rPr>
-              <a:t> </a:t>
-            </a:r>
-            <a:r>
-              <a:rPr lang="en-US" sz="2200" dirty="0" err="1">
-                <a:latin typeface="Times New Roman" panose="02020603050405020304" pitchFamily="18" charset="0"/>
-                <a:cs typeface="Times New Roman" panose="02020603050405020304" pitchFamily="18" charset="0"/>
-              </a:rPr>
-              <a:t>lần</a:t>
-            </a:r>
-            <a:r>
-              <a:rPr lang="en-US" sz="2200" dirty="0">
-                <a:latin typeface="Times New Roman" panose="02020603050405020304" pitchFamily="18" charset="0"/>
-                <a:cs typeface="Times New Roman" panose="02020603050405020304" pitchFamily="18" charset="0"/>
-              </a:rPr>
-              <a:t> </a:t>
-            </a:r>
-            <a:r>
-              <a:rPr lang="en-US" sz="2200" dirty="0" err="1">
-                <a:latin typeface="Times New Roman" panose="02020603050405020304" pitchFamily="18" charset="0"/>
-                <a:cs typeface="Times New Roman" panose="02020603050405020304" pitchFamily="18" charset="0"/>
-              </a:rPr>
-              <a:t>đăng</a:t>
-            </a:r>
-            <a:r>
-              <a:rPr lang="en-US" sz="2200" dirty="0">
-                <a:latin typeface="Times New Roman" panose="02020603050405020304" pitchFamily="18" charset="0"/>
-                <a:cs typeface="Times New Roman" panose="02020603050405020304" pitchFamily="18" charset="0"/>
-              </a:rPr>
-              <a:t> </a:t>
-            </a:r>
-            <a:r>
-              <a:rPr lang="en-US" sz="2200" dirty="0" err="1">
-                <a:latin typeface="Times New Roman" panose="02020603050405020304" pitchFamily="18" charset="0"/>
-                <a:cs typeface="Times New Roman" panose="02020603050405020304" pitchFamily="18" charset="0"/>
-              </a:rPr>
-              <a:t>nhập</a:t>
-            </a:r>
-            <a:endParaRPr lang="en-US" sz="2200" dirty="0">
+            <a:endParaRPr lang="en-US" sz="2400" dirty="0">
               <a:latin typeface="Times New Roman" panose="02020603050405020304" pitchFamily="18" charset="0"/>
               <a:cs typeface="Times New Roman" panose="02020603050405020304" pitchFamily="18" charset="0"/>
             </a:endParaRPr>
           </a:p>
-          <a:p>
-            <a:pPr lvl="1"/>
-            <a:r>
-              <a:rPr lang="en-US" sz="2200" dirty="0" err="1">
-                <a:latin typeface="Times New Roman" panose="02020603050405020304" pitchFamily="18" charset="0"/>
-                <a:cs typeface="Times New Roman" panose="02020603050405020304" pitchFamily="18" charset="0"/>
-              </a:rPr>
-              <a:t>Rủi</a:t>
-            </a:r>
-            <a:r>
-              <a:rPr lang="en-US" sz="2200" dirty="0">
-                <a:latin typeface="Times New Roman" panose="02020603050405020304" pitchFamily="18" charset="0"/>
-                <a:cs typeface="Times New Roman" panose="02020603050405020304" pitchFamily="18" charset="0"/>
-              </a:rPr>
-              <a:t> </a:t>
-            </a:r>
-            <a:r>
-              <a:rPr lang="en-US" sz="2200" dirty="0" err="1">
-                <a:latin typeface="Times New Roman" panose="02020603050405020304" pitchFamily="18" charset="0"/>
-                <a:cs typeface="Times New Roman" panose="02020603050405020304" pitchFamily="18" charset="0"/>
-              </a:rPr>
-              <a:t>ro</a:t>
-            </a:r>
-            <a:r>
-              <a:rPr lang="en-US" sz="2200" dirty="0">
-                <a:latin typeface="Times New Roman" panose="02020603050405020304" pitchFamily="18" charset="0"/>
-                <a:cs typeface="Times New Roman" panose="02020603050405020304" pitchFamily="18" charset="0"/>
-              </a:rPr>
-              <a:t> </a:t>
-            </a:r>
-            <a:r>
-              <a:rPr lang="en-US" sz="2200" dirty="0" err="1">
-                <a:latin typeface="Times New Roman" panose="02020603050405020304" pitchFamily="18" charset="0"/>
-                <a:cs typeface="Times New Roman" panose="02020603050405020304" pitchFamily="18" charset="0"/>
-              </a:rPr>
-              <a:t>về</a:t>
-            </a:r>
-            <a:r>
-              <a:rPr lang="en-US" sz="2200" dirty="0">
-                <a:latin typeface="Times New Roman" panose="02020603050405020304" pitchFamily="18" charset="0"/>
-                <a:cs typeface="Times New Roman" panose="02020603050405020304" pitchFamily="18" charset="0"/>
-              </a:rPr>
-              <a:t> </a:t>
-            </a:r>
-            <a:r>
-              <a:rPr lang="en-US" sz="2200" dirty="0" err="1">
-                <a:latin typeface="Times New Roman" panose="02020603050405020304" pitchFamily="18" charset="0"/>
-                <a:cs typeface="Times New Roman" panose="02020603050405020304" pitchFamily="18" charset="0"/>
-              </a:rPr>
-              <a:t>việc</a:t>
-            </a:r>
-            <a:r>
-              <a:rPr lang="en-US" sz="2200" dirty="0">
-                <a:latin typeface="Times New Roman" panose="02020603050405020304" pitchFamily="18" charset="0"/>
-                <a:cs typeface="Times New Roman" panose="02020603050405020304" pitchFamily="18" charset="0"/>
-              </a:rPr>
-              <a:t> </a:t>
-            </a:r>
-            <a:r>
-              <a:rPr lang="en-US" sz="2200" dirty="0" err="1">
-                <a:latin typeface="Times New Roman" panose="02020603050405020304" pitchFamily="18" charset="0"/>
-                <a:cs typeface="Times New Roman" panose="02020603050405020304" pitchFamily="18" charset="0"/>
-              </a:rPr>
-              <a:t>lộ</a:t>
-            </a:r>
-            <a:r>
-              <a:rPr lang="en-US" sz="2200" dirty="0">
-                <a:latin typeface="Times New Roman" panose="02020603050405020304" pitchFamily="18" charset="0"/>
-                <a:cs typeface="Times New Roman" panose="02020603050405020304" pitchFamily="18" charset="0"/>
-              </a:rPr>
-              <a:t> </a:t>
-            </a:r>
-            <a:r>
-              <a:rPr lang="en-US" sz="2200" dirty="0" err="1">
-                <a:latin typeface="Times New Roman" panose="02020603050405020304" pitchFamily="18" charset="0"/>
-                <a:cs typeface="Times New Roman" panose="02020603050405020304" pitchFamily="18" charset="0"/>
-              </a:rPr>
-              <a:t>thông</a:t>
-            </a:r>
-            <a:r>
-              <a:rPr lang="en-US" sz="2200" dirty="0">
-                <a:latin typeface="Times New Roman" panose="02020603050405020304" pitchFamily="18" charset="0"/>
-                <a:cs typeface="Times New Roman" panose="02020603050405020304" pitchFamily="18" charset="0"/>
-              </a:rPr>
-              <a:t> tin </a:t>
-            </a:r>
-            <a:r>
-              <a:rPr lang="en-US" sz="2200" dirty="0" err="1">
-                <a:latin typeface="Times New Roman" panose="02020603050405020304" pitchFamily="18" charset="0"/>
-                <a:cs typeface="Times New Roman" panose="02020603050405020304" pitchFamily="18" charset="0"/>
-              </a:rPr>
-              <a:t>người</a:t>
-            </a:r>
-            <a:r>
-              <a:rPr lang="en-US" sz="2200" dirty="0">
-                <a:latin typeface="Times New Roman" panose="02020603050405020304" pitchFamily="18" charset="0"/>
-                <a:cs typeface="Times New Roman" panose="02020603050405020304" pitchFamily="18" charset="0"/>
-              </a:rPr>
-              <a:t> dung </a:t>
-            </a:r>
-            <a:r>
-              <a:rPr lang="en-US" sz="2200" dirty="0" err="1">
-                <a:latin typeface="Times New Roman" panose="02020603050405020304" pitchFamily="18" charset="0"/>
-                <a:cs typeface="Times New Roman" panose="02020603050405020304" pitchFamily="18" charset="0"/>
-              </a:rPr>
-              <a:t>cũng</a:t>
-            </a:r>
-            <a:r>
-              <a:rPr lang="en-US" sz="2200" dirty="0">
-                <a:latin typeface="Times New Roman" panose="02020603050405020304" pitchFamily="18" charset="0"/>
-                <a:cs typeface="Times New Roman" panose="02020603050405020304" pitchFamily="18" charset="0"/>
-              </a:rPr>
-              <a:t> </a:t>
-            </a:r>
-            <a:r>
-              <a:rPr lang="en-US" sz="2200" dirty="0" err="1">
-                <a:latin typeface="Times New Roman" panose="02020603050405020304" pitchFamily="18" charset="0"/>
-                <a:cs typeface="Times New Roman" panose="02020603050405020304" pitchFamily="18" charset="0"/>
-              </a:rPr>
-              <a:t>được</a:t>
-            </a:r>
-            <a:r>
-              <a:rPr lang="en-US" sz="2200" dirty="0">
-                <a:latin typeface="Times New Roman" panose="02020603050405020304" pitchFamily="18" charset="0"/>
-                <a:cs typeface="Times New Roman" panose="02020603050405020304" pitchFamily="18" charset="0"/>
-              </a:rPr>
-              <a:t> </a:t>
-            </a:r>
-            <a:r>
-              <a:rPr lang="en-US" sz="2200" dirty="0" err="1">
-                <a:latin typeface="Times New Roman" panose="02020603050405020304" pitchFamily="18" charset="0"/>
-                <a:cs typeface="Times New Roman" panose="02020603050405020304" pitchFamily="18" charset="0"/>
-              </a:rPr>
-              <a:t>hạn</a:t>
-            </a:r>
-            <a:r>
-              <a:rPr lang="en-US" sz="2200" dirty="0">
-                <a:latin typeface="Times New Roman" panose="02020603050405020304" pitchFamily="18" charset="0"/>
-                <a:cs typeface="Times New Roman" panose="02020603050405020304" pitchFamily="18" charset="0"/>
-              </a:rPr>
-              <a:t> </a:t>
-            </a:r>
-            <a:r>
-              <a:rPr lang="en-US" sz="2200" dirty="0" err="1" smtClean="0">
-                <a:latin typeface="Times New Roman" panose="02020603050405020304" pitchFamily="18" charset="0"/>
-                <a:cs typeface="Times New Roman" panose="02020603050405020304" pitchFamily="18" charset="0"/>
-              </a:rPr>
-              <a:t>chế</a:t>
-            </a:r>
-            <a:endParaRPr lang="en-US" sz="2200" dirty="0" smtClean="0">
-              <a:latin typeface="Times New Roman" panose="02020603050405020304" pitchFamily="18" charset="0"/>
-              <a:cs typeface="Times New Roman" panose="02020603050405020304" pitchFamily="18" charset="0"/>
-            </a:endParaRPr>
-          </a:p>
-          <a:p>
-            <a:r>
-              <a:rPr lang="en-US" sz="2400" dirty="0" smtClean="0">
-                <a:latin typeface="Times New Roman" panose="02020603050405020304" pitchFamily="18" charset="0"/>
-                <a:cs typeface="Times New Roman" panose="02020603050405020304" pitchFamily="18" charset="0"/>
-              </a:rPr>
-              <a:t>- </a:t>
-            </a:r>
-            <a:r>
-              <a:rPr lang="en-US" sz="2400" dirty="0" err="1" smtClean="0">
-                <a:latin typeface="Times New Roman" panose="02020603050405020304" pitchFamily="18" charset="0"/>
-                <a:cs typeface="Times New Roman" panose="02020603050405020304" pitchFamily="18" charset="0"/>
-              </a:rPr>
-              <a:t>Hạn</a:t>
-            </a:r>
-            <a:r>
-              <a:rPr lang="en-US" sz="2400" dirty="0" smtClean="0">
-                <a:latin typeface="Times New Roman" panose="02020603050405020304" pitchFamily="18" charset="0"/>
-                <a:cs typeface="Times New Roman" panose="02020603050405020304" pitchFamily="18" charset="0"/>
-              </a:rPr>
-              <a:t> </a:t>
-            </a:r>
-            <a:r>
-              <a:rPr lang="en-US" sz="2400" dirty="0" err="1" smtClean="0">
-                <a:latin typeface="Times New Roman" panose="02020603050405020304" pitchFamily="18" charset="0"/>
-                <a:cs typeface="Times New Roman" panose="02020603050405020304" pitchFamily="18" charset="0"/>
-              </a:rPr>
-              <a:t>chế</a:t>
-            </a:r>
-            <a:r>
-              <a:rPr lang="en-US" sz="2400" dirty="0" smtClean="0">
-                <a:latin typeface="Times New Roman" panose="02020603050405020304" pitchFamily="18" charset="0"/>
-                <a:cs typeface="Times New Roman" panose="02020603050405020304" pitchFamily="18" charset="0"/>
-              </a:rPr>
-              <a:t>:</a:t>
-            </a:r>
-          </a:p>
-          <a:p>
-            <a:pPr lvl="1"/>
-            <a:r>
-              <a:rPr lang="en-US" sz="2200" dirty="0" err="1" smtClean="0">
-                <a:latin typeface="Times New Roman" panose="02020603050405020304" pitchFamily="18" charset="0"/>
-                <a:cs typeface="Times New Roman" panose="02020603050405020304" pitchFamily="18" charset="0"/>
-              </a:rPr>
-              <a:t>Chí</a:t>
-            </a:r>
-            <a:r>
-              <a:rPr lang="en-US" sz="2200" dirty="0" smtClean="0">
-                <a:latin typeface="Times New Roman" panose="02020603050405020304" pitchFamily="18" charset="0"/>
-                <a:cs typeface="Times New Roman" panose="02020603050405020304" pitchFamily="18" charset="0"/>
-              </a:rPr>
-              <a:t> </a:t>
-            </a:r>
-            <a:r>
-              <a:rPr lang="en-US" sz="2200" dirty="0" err="1" smtClean="0">
-                <a:latin typeface="Times New Roman" panose="02020603050405020304" pitchFamily="18" charset="0"/>
-                <a:cs typeface="Times New Roman" panose="02020603050405020304" pitchFamily="18" charset="0"/>
-              </a:rPr>
-              <a:t>phí</a:t>
-            </a:r>
-            <a:r>
-              <a:rPr lang="en-US" sz="2200" dirty="0" smtClean="0">
-                <a:latin typeface="Times New Roman" panose="02020603050405020304" pitchFamily="18" charset="0"/>
-                <a:cs typeface="Times New Roman" panose="02020603050405020304" pitchFamily="18" charset="0"/>
-              </a:rPr>
-              <a:t> </a:t>
-            </a:r>
-            <a:r>
-              <a:rPr lang="en-US" sz="2200" dirty="0" err="1" smtClean="0">
-                <a:latin typeface="Times New Roman" panose="02020603050405020304" pitchFamily="18" charset="0"/>
-                <a:cs typeface="Times New Roman" panose="02020603050405020304" pitchFamily="18" charset="0"/>
-              </a:rPr>
-              <a:t>phát</a:t>
-            </a:r>
-            <a:r>
-              <a:rPr lang="en-US" sz="2200" dirty="0" smtClean="0">
-                <a:latin typeface="Times New Roman" panose="02020603050405020304" pitchFamily="18" charset="0"/>
-                <a:cs typeface="Times New Roman" panose="02020603050405020304" pitchFamily="18" charset="0"/>
-              </a:rPr>
-              <a:t> </a:t>
-            </a:r>
-            <a:r>
-              <a:rPr lang="en-US" sz="2200" dirty="0" err="1" smtClean="0">
-                <a:latin typeface="Times New Roman" panose="02020603050405020304" pitchFamily="18" charset="0"/>
-                <a:cs typeface="Times New Roman" panose="02020603050405020304" pitchFamily="18" charset="0"/>
-              </a:rPr>
-              <a:t>triển</a:t>
-            </a:r>
-            <a:r>
-              <a:rPr lang="en-US" sz="2200" dirty="0" smtClean="0">
-                <a:latin typeface="Times New Roman" panose="02020603050405020304" pitchFamily="18" charset="0"/>
-                <a:cs typeface="Times New Roman" panose="02020603050405020304" pitchFamily="18" charset="0"/>
-              </a:rPr>
-              <a:t> </a:t>
-            </a:r>
-            <a:r>
-              <a:rPr lang="en-US" sz="2200" dirty="0" err="1" smtClean="0">
-                <a:latin typeface="Times New Roman" panose="02020603050405020304" pitchFamily="18" charset="0"/>
-                <a:cs typeface="Times New Roman" panose="02020603050405020304" pitchFamily="18" charset="0"/>
-              </a:rPr>
-              <a:t>thông</a:t>
-            </a:r>
-            <a:r>
-              <a:rPr lang="en-US" sz="2200" dirty="0" smtClean="0">
-                <a:latin typeface="Times New Roman" panose="02020603050405020304" pitchFamily="18" charset="0"/>
-                <a:cs typeface="Times New Roman" panose="02020603050405020304" pitchFamily="18" charset="0"/>
-              </a:rPr>
-              <a:t> qua service </a:t>
-            </a:r>
-            <a:r>
-              <a:rPr lang="en-US" sz="2200" dirty="0" err="1" smtClean="0">
-                <a:latin typeface="Times New Roman" panose="02020603050405020304" pitchFamily="18" charset="0"/>
-                <a:cs typeface="Times New Roman" panose="02020603050405020304" pitchFamily="18" charset="0"/>
-              </a:rPr>
-              <a:t>thứ</a:t>
-            </a:r>
-            <a:r>
-              <a:rPr lang="en-US" sz="2200" dirty="0" smtClean="0">
-                <a:latin typeface="Times New Roman" panose="02020603050405020304" pitchFamily="18" charset="0"/>
-                <a:cs typeface="Times New Roman" panose="02020603050405020304" pitchFamily="18" charset="0"/>
-              </a:rPr>
-              <a:t> </a:t>
-            </a:r>
-            <a:r>
-              <a:rPr lang="en-US" sz="2200" dirty="0" err="1" smtClean="0">
-                <a:latin typeface="Times New Roman" panose="02020603050405020304" pitchFamily="18" charset="0"/>
-                <a:cs typeface="Times New Roman" panose="02020603050405020304" pitchFamily="18" charset="0"/>
-              </a:rPr>
-              <a:t>ba</a:t>
-            </a:r>
-            <a:endParaRPr lang="en-US" sz="2200" dirty="0" smtClean="0">
-              <a:latin typeface="Times New Roman" panose="02020603050405020304" pitchFamily="18" charset="0"/>
-              <a:cs typeface="Times New Roman" panose="02020603050405020304" pitchFamily="18" charset="0"/>
-            </a:endParaRPr>
-          </a:p>
-        </p:txBody>
-      </p:sp>
+        </p:txBody>
+      </p:sp>
+      <p:pic>
+        <p:nvPicPr>
+          <p:cNvPr id="5" name="Picture 4"/>
+          <p:cNvPicPr>
+            <a:picLocks noChangeAspect="1"/>
+          </p:cNvPicPr>
+          <p:nvPr/>
+        </p:nvPicPr>
+        <p:blipFill>
+          <a:blip r:embed="rId2">
+            <a:extLst>
+              <a:ext uri="{28A0092B-C50C-407E-A947-70E740481C1C}">
+                <a14:useLocalDpi xmlns:a14="http://schemas.microsoft.com/office/drawing/2010/main" val="0"/>
+              </a:ext>
+            </a:extLst>
+          </a:blip>
+          <a:stretch>
+            <a:fillRect/>
+          </a:stretch>
+        </p:blipFill>
+        <p:spPr>
+          <a:xfrm>
+            <a:off x="2024743" y="1045030"/>
+            <a:ext cx="8415150" cy="5545584"/>
+          </a:xfrm>
+          <a:prstGeom prst="rect">
+            <a:avLst/>
+          </a:prstGeom>
+        </p:spPr>
+      </p:pic>
     </p:spTree>
     <p:extLst>
       <p:ext uri="{BB962C8B-B14F-4D97-AF65-F5344CB8AC3E}">
-        <p14:creationId xmlns:p14="http://schemas.microsoft.com/office/powerpoint/2010/main" val="3021128579"/>
+        <p14:creationId xmlns:p14="http://schemas.microsoft.com/office/powerpoint/2010/main" val="834103143"/>
       </p:ext>
     </p:extLst>
   </p:cSld>
   <p:clrMapOvr>
     <a:masterClrMapping/>
   </p:clrMapOvr>
-  <p:timing>
-    <p:tnLst>
-      <p:par>
-        <p:cTn id="1" dur="indefinite" restart="never" nodeType="tmRoot"/>
-      </p:par>
-    </p:tnLst>
-  </p:timing>
 </p:sld>
 </file>
 
@@ -5775,21 +5603,36 @@
         </p:nvSpPr>
         <p:spPr>
           <a:xfrm>
-            <a:off x="1097280" y="286604"/>
-            <a:ext cx="10058400" cy="758426"/>
-          </a:xfrm>
-        </p:spPr>
-        <p:txBody>
-          <a:bodyPr/>
+            <a:off x="1097280" y="286603"/>
+            <a:ext cx="10058400" cy="1294003"/>
+          </a:xfrm>
+        </p:spPr>
+        <p:txBody>
+          <a:bodyPr>
+            <a:normAutofit/>
+          </a:bodyPr>
           <a:lstStyle/>
           <a:p>
             <a:pPr algn="ctr"/>
             <a:r>
-              <a:rPr lang="en-US" dirty="0" smtClean="0">
-                <a:latin typeface="Times New Roman" panose="02020603050405020304" pitchFamily="18" charset="0"/>
-                <a:cs typeface="Times New Roman" panose="02020603050405020304" pitchFamily="18" charset="0"/>
-              </a:rPr>
-              <a:t>Single Sign-On (SSO)</a:t>
+              <a:rPr lang="en-US" dirty="0">
+                <a:latin typeface="Times New Roman" panose="02020603050405020304" pitchFamily="18" charset="0"/>
+                <a:cs typeface="Times New Roman" panose="02020603050405020304" pitchFamily="18" charset="0"/>
+              </a:rPr>
+              <a:t>Implement SSO Service</a:t>
+            </a:r>
+            <a:br>
+              <a:rPr lang="en-US" dirty="0">
+                <a:latin typeface="Times New Roman" panose="02020603050405020304" pitchFamily="18" charset="0"/>
+                <a:cs typeface="Times New Roman" panose="02020603050405020304" pitchFamily="18" charset="0"/>
+              </a:rPr>
+            </a:br>
+            <a:r>
+              <a:rPr lang="en-US" sz="3200" dirty="0">
+                <a:latin typeface="Times New Roman" panose="02020603050405020304" pitchFamily="18" charset="0"/>
+                <a:cs typeface="Times New Roman" panose="02020603050405020304" pitchFamily="18" charset="0"/>
+              </a:rPr>
+              <a:t>Spring security</a:t>
             </a:r>
             <a:endParaRPr lang="en-US" dirty="0">
               <a:latin typeface="Times New Roman" panose="02020603050405020304" pitchFamily="18" charset="0"/>
@@ -5798,43 +5641,15 @@
           </a:p>
         </p:txBody>
       </p:sp>
-      <p:sp>
-        <p:nvSpPr>
-          <p:cNvPr id="3" name="Content Placeholder 2"/>
-          <p:cNvSpPr>
-            <a:spLocks noGrp="1"/>
-          </p:cNvSpPr>
-          <p:nvPr>
-            <p:ph idx="1"/>
-          </p:nvPr>
-        </p:nvSpPr>
-        <p:spPr/>
-        <p:txBody>
-          <a:bodyPr>
-            <a:normAutofit/>
-          </a:bodyPr>
-          <a:lstStyle/>
-          <a:p>
-            <a:endParaRPr lang="en-US" sz="2400" dirty="0" smtClean="0">
-              <a:latin typeface="Times New Roman" panose="02020603050405020304" pitchFamily="18" charset="0"/>
-              <a:cs typeface="Times New Roman" panose="02020603050405020304" pitchFamily="18" charset="0"/>
-            </a:endParaRPr>
-          </a:p>
-          <a:p>
-            <a:endParaRPr lang="en-US" sz="2400" dirty="0">
-              <a:latin typeface="Times New Roman" panose="02020603050405020304" pitchFamily="18" charset="0"/>
-              <a:cs typeface="Times New Roman" panose="02020603050405020304" pitchFamily="18" charset="0"/>
-            </a:endParaRPr>
-          </a:p>
-        </p:txBody>
-      </p:sp>
       <p:pic>
         <p:nvPicPr>
-          <p:cNvPr id="5" name="Picture 4"/>
+          <p:cNvPr id="4" name="Content Placeholder 3"/>
           <p:cNvPicPr>
-            <a:picLocks noChangeAspect="1"/>
+            <a:picLocks noGrp="1" noChangeAspect="1"/>
           </p:cNvPicPr>
-          <p:nvPr/>
+          <p:nvPr>
+            <p:ph idx="1"/>
+          </p:nvPr>
         </p:nvPicPr>
         <p:blipFill>
           <a:blip r:embed="rId2">
@@ -5850,31 +5665,122 @@
         </p:blipFill>
         <p:spPr>
           <a:xfrm>
-            <a:off x="2024743" y="1045030"/>
-            <a:ext cx="8415150" cy="5545584"/>
+            <a:off x="2611381" y="1580606"/>
+            <a:ext cx="7030198" cy="4703203"/>
+          </a:xfrm>
+        </p:spPr>
+      </p:pic>
+      <p:sp>
+        <p:nvSpPr>
+          <p:cNvPr id="5" name="TextBox 4"/>
+          <p:cNvSpPr txBox="1"/>
+          <p:nvPr/>
+        </p:nvSpPr>
+        <p:spPr>
+          <a:xfrm>
+            <a:off x="770709" y="3609041"/>
+            <a:ext cx="2879634" cy="646331"/>
           </a:xfrm>
           <a:prstGeom prst="rect">
             <a:avLst/>
           </a:prstGeom>
-        </p:spPr>
-      </p:pic>
+          <a:noFill/>
+        </p:spPr>
+        <p:txBody>
+          <a:bodyPr wrap="none" rtlCol="0">
+            <a:spAutoFit/>
+          </a:bodyPr>
+          <a:lstStyle/>
+          <a:p>
+            <a:r>
+              <a:rPr lang="en-US" dirty="0" err="1">
+                <a:latin typeface="Times New Roman" panose="02020603050405020304" pitchFamily="18" charset="0"/>
+                <a:cs typeface="Times New Roman" panose="02020603050405020304" pitchFamily="18" charset="0"/>
+              </a:rPr>
+              <a:t>Quy</a:t>
+            </a:r>
+            <a:r>
+              <a:rPr lang="en-US" dirty="0">
+                <a:latin typeface="Times New Roman" panose="02020603050405020304" pitchFamily="18" charset="0"/>
+                <a:cs typeface="Times New Roman" panose="02020603050405020304" pitchFamily="18" charset="0"/>
+              </a:rPr>
+              <a:t> </a:t>
+            </a:r>
+            <a:r>
+              <a:rPr lang="en-US" dirty="0" err="1">
+                <a:latin typeface="Times New Roman" panose="02020603050405020304" pitchFamily="18" charset="0"/>
+                <a:cs typeface="Times New Roman" panose="02020603050405020304" pitchFamily="18" charset="0"/>
+              </a:rPr>
+              <a:t>trình</a:t>
+            </a:r>
+            <a:r>
+              <a:rPr lang="en-US" dirty="0">
+                <a:latin typeface="Times New Roman" panose="02020603050405020304" pitchFamily="18" charset="0"/>
+                <a:cs typeface="Times New Roman" panose="02020603050405020304" pitchFamily="18" charset="0"/>
+              </a:rPr>
+              <a:t> </a:t>
+            </a:r>
+            <a:r>
+              <a:rPr lang="en-US" dirty="0" err="1">
+                <a:latin typeface="Times New Roman" panose="02020603050405020304" pitchFamily="18" charset="0"/>
+                <a:cs typeface="Times New Roman" panose="02020603050405020304" pitchFamily="18" charset="0"/>
+              </a:rPr>
+              <a:t>xử</a:t>
+            </a:r>
+            <a:r>
+              <a:rPr lang="en-US" dirty="0">
+                <a:latin typeface="Times New Roman" panose="02020603050405020304" pitchFamily="18" charset="0"/>
+                <a:cs typeface="Times New Roman" panose="02020603050405020304" pitchFamily="18" charset="0"/>
+              </a:rPr>
+              <a:t> </a:t>
+            </a:r>
+            <a:r>
+              <a:rPr lang="en-US" dirty="0" err="1">
+                <a:latin typeface="Times New Roman" panose="02020603050405020304" pitchFamily="18" charset="0"/>
+                <a:cs typeface="Times New Roman" panose="02020603050405020304" pitchFamily="18" charset="0"/>
+              </a:rPr>
+              <a:t>lý</a:t>
+            </a:r>
+            <a:endParaRPr lang="en-US" dirty="0">
+              <a:latin typeface="Times New Roman" panose="02020603050405020304" pitchFamily="18" charset="0"/>
+              <a:cs typeface="Times New Roman" panose="02020603050405020304" pitchFamily="18" charset="0"/>
+            </a:endParaRPr>
+          </a:p>
+          <a:p>
+            <a:r>
+              <a:rPr lang="en-US" dirty="0">
+                <a:latin typeface="Times New Roman" panose="02020603050405020304" pitchFamily="18" charset="0"/>
+                <a:cs typeface="Times New Roman" panose="02020603050405020304" pitchFamily="18" charset="0"/>
+              </a:rPr>
+              <a:t>request </a:t>
+            </a:r>
+            <a:r>
+              <a:rPr lang="en-US" dirty="0" err="1">
+                <a:latin typeface="Times New Roman" panose="02020603050405020304" pitchFamily="18" charset="0"/>
+                <a:cs typeface="Times New Roman" panose="02020603050405020304" pitchFamily="18" charset="0"/>
+              </a:rPr>
+              <a:t>trong</a:t>
+            </a:r>
+            <a:r>
+              <a:rPr lang="en-US" dirty="0">
+                <a:latin typeface="Times New Roman" panose="02020603050405020304" pitchFamily="18" charset="0"/>
+                <a:cs typeface="Times New Roman" panose="02020603050405020304" pitchFamily="18" charset="0"/>
+              </a:rPr>
+              <a:t> spring security</a:t>
+            </a:r>
+          </a:p>
+        </p:txBody>
+      </p:sp>
     </p:spTree>
     <p:extLst>
       <p:ext uri="{BB962C8B-B14F-4D97-AF65-F5344CB8AC3E}">
-        <p14:creationId xmlns:p14="http://schemas.microsoft.com/office/powerpoint/2010/main" val="834103143"/>
+        <p14:creationId xmlns:p14="http://schemas.microsoft.com/office/powerpoint/2010/main" val="2016027935"/>
       </p:ext>
     </p:extLst>
   </p:cSld>
   <p:clrMapOvr>
     <a:masterClrMapping/>
   </p:clrMapOvr>
-  <p:timing>
-    <p:tnLst>
-      <p:par>
-        <p:cTn id="1" dur="indefinite" restart="never" nodeType="tmRoot"/>
-      </p:par>
-    </p:tnLst>
-  </p:timing>
 </p:sld>
 </file>
 
@@ -5905,186 +5811,1195 @@
             <p:ph type="title"/>
           </p:nvPr>
         </p:nvSpPr>
-        <p:spPr>
-          <a:xfrm>
-            <a:off x="1097280" y="286603"/>
-            <a:ext cx="10058400" cy="1294003"/>
-          </a:xfrm>
-        </p:spPr>
+        <p:spPr/>
+        <p:txBody>
+          <a:bodyPr/>
+          <a:lstStyle/>
+          <a:p>
+            <a:pPr algn="ctr"/>
+            <a:r>
+              <a:rPr lang="en-US" dirty="0">
+                <a:latin typeface="Times New Roman" panose="02020603050405020304" pitchFamily="18" charset="0"/>
+                <a:cs typeface="Times New Roman" panose="02020603050405020304" pitchFamily="18" charset="0"/>
+              </a:rPr>
+              <a:t>Spring security</a:t>
+            </a:r>
+          </a:p>
+        </p:txBody>
+      </p:sp>
+      <p:sp>
+        <p:nvSpPr>
+          <p:cNvPr id="3" name="Content Placeholder 2"/>
+          <p:cNvSpPr>
+            <a:spLocks noGrp="1"/>
+          </p:cNvSpPr>
+          <p:nvPr>
+            <p:ph idx="1"/>
+          </p:nvPr>
+        </p:nvSpPr>
+        <p:spPr/>
         <p:txBody>
           <a:bodyPr>
-            <a:normAutofit/>
+            <a:noAutofit/>
           </a:bodyPr>
           <a:lstStyle/>
           <a:p>
-            <a:pPr algn="ctr"/>
-            <a:r>
-              <a:rPr lang="en-US" dirty="0">
-                <a:latin typeface="Times New Roman" panose="02020603050405020304" pitchFamily="18" charset="0"/>
-                <a:cs typeface="Times New Roman" panose="02020603050405020304" pitchFamily="18" charset="0"/>
-              </a:rPr>
-              <a:t>Implement SSO </a:t>
-            </a:r>
-            <a:r>
-              <a:rPr lang="en-US" dirty="0" smtClean="0">
-                <a:latin typeface="Times New Roman" panose="02020603050405020304" pitchFamily="18" charset="0"/>
-                <a:cs typeface="Times New Roman" panose="02020603050405020304" pitchFamily="18" charset="0"/>
-              </a:rPr>
-              <a:t>Service</a:t>
-            </a:r>
-            <a:br>
-              <a:rPr lang="en-US" dirty="0" smtClean="0">
-                <a:latin typeface="Times New Roman" panose="02020603050405020304" pitchFamily="18" charset="0"/>
-                <a:cs typeface="Times New Roman" panose="02020603050405020304" pitchFamily="18" charset="0"/>
-              </a:rPr>
-            </a:br>
-            <a:r>
-              <a:rPr lang="en-US" sz="3200" dirty="0" smtClean="0">
-                <a:latin typeface="Times New Roman" panose="02020603050405020304" pitchFamily="18" charset="0"/>
-                <a:cs typeface="Times New Roman" panose="02020603050405020304" pitchFamily="18" charset="0"/>
-              </a:rPr>
-              <a:t>Spring security</a:t>
+            <a:r>
+              <a:rPr lang="en-US" dirty="0">
+                <a:latin typeface="Times New Roman" panose="02020603050405020304" pitchFamily="18" charset="0"/>
+                <a:cs typeface="Times New Roman" panose="02020603050405020304" pitchFamily="18" charset="0"/>
+              </a:rPr>
+              <a:t>- </a:t>
+            </a:r>
+            <a:r>
+              <a:rPr lang="en-US" dirty="0" err="1">
+                <a:latin typeface="Times New Roman" panose="02020603050405020304" pitchFamily="18" charset="0"/>
+                <a:cs typeface="Times New Roman" panose="02020603050405020304" pitchFamily="18" charset="0"/>
+              </a:rPr>
+              <a:t>WebSecurityConfigurerAdapter</a:t>
+            </a:r>
+            <a:r>
+              <a:rPr lang="en-US" dirty="0">
+                <a:latin typeface="Times New Roman" panose="02020603050405020304" pitchFamily="18" charset="0"/>
+                <a:cs typeface="Times New Roman" panose="02020603050405020304" pitchFamily="18" charset="0"/>
+              </a:rPr>
+              <a:t>: </a:t>
+            </a:r>
+            <a:r>
+              <a:rPr lang="en-US" dirty="0" err="1">
+                <a:latin typeface="Times New Roman" panose="02020603050405020304" pitchFamily="18" charset="0"/>
+                <a:cs typeface="Times New Roman" panose="02020603050405020304" pitchFamily="18" charset="0"/>
+              </a:rPr>
+              <a:t>lớp</a:t>
+            </a:r>
+            <a:r>
+              <a:rPr lang="en-US" dirty="0">
+                <a:latin typeface="Times New Roman" panose="02020603050405020304" pitchFamily="18" charset="0"/>
+                <a:cs typeface="Times New Roman" panose="02020603050405020304" pitchFamily="18" charset="0"/>
+              </a:rPr>
+              <a:t> </a:t>
+            </a:r>
+            <a:r>
+              <a:rPr lang="en-US" dirty="0" err="1">
+                <a:latin typeface="Times New Roman" panose="02020603050405020304" pitchFamily="18" charset="0"/>
+                <a:cs typeface="Times New Roman" panose="02020603050405020304" pitchFamily="18" charset="0"/>
+              </a:rPr>
+              <a:t>cấu</a:t>
+            </a:r>
+            <a:r>
+              <a:rPr lang="en-US" dirty="0">
+                <a:latin typeface="Times New Roman" panose="02020603050405020304" pitchFamily="18" charset="0"/>
+                <a:cs typeface="Times New Roman" panose="02020603050405020304" pitchFamily="18" charset="0"/>
+              </a:rPr>
+              <a:t> </a:t>
+            </a:r>
+            <a:r>
+              <a:rPr lang="en-US" dirty="0" err="1">
+                <a:latin typeface="Times New Roman" panose="02020603050405020304" pitchFamily="18" charset="0"/>
+                <a:cs typeface="Times New Roman" panose="02020603050405020304" pitchFamily="18" charset="0"/>
+              </a:rPr>
+              <a:t>hình</a:t>
+            </a:r>
+            <a:r>
+              <a:rPr lang="en-US" dirty="0">
+                <a:latin typeface="Times New Roman" panose="02020603050405020304" pitchFamily="18" charset="0"/>
+                <a:cs typeface="Times New Roman" panose="02020603050405020304" pitchFamily="18" charset="0"/>
+              </a:rPr>
+              <a:t> </a:t>
+            </a:r>
+            <a:r>
+              <a:rPr lang="en-US" dirty="0" err="1">
+                <a:latin typeface="Times New Roman" panose="02020603050405020304" pitchFamily="18" charset="0"/>
+                <a:cs typeface="Times New Roman" panose="02020603050405020304" pitchFamily="18" charset="0"/>
+              </a:rPr>
+              <a:t>triển</a:t>
+            </a:r>
+            <a:r>
+              <a:rPr lang="en-US" dirty="0">
+                <a:latin typeface="Times New Roman" panose="02020603050405020304" pitchFamily="18" charset="0"/>
+                <a:cs typeface="Times New Roman" panose="02020603050405020304" pitchFamily="18" charset="0"/>
+              </a:rPr>
+              <a:t> </a:t>
+            </a:r>
+            <a:r>
+              <a:rPr lang="en-US" dirty="0" err="1">
+                <a:latin typeface="Times New Roman" panose="02020603050405020304" pitchFamily="18" charset="0"/>
+                <a:cs typeface="Times New Roman" panose="02020603050405020304" pitchFamily="18" charset="0"/>
+              </a:rPr>
+              <a:t>khai</a:t>
+            </a:r>
+            <a:r>
+              <a:rPr lang="en-US" dirty="0">
+                <a:latin typeface="Times New Roman" panose="02020603050405020304" pitchFamily="18" charset="0"/>
+                <a:cs typeface="Times New Roman" panose="02020603050405020304" pitchFamily="18" charset="0"/>
+              </a:rPr>
+              <a:t> </a:t>
+            </a:r>
+            <a:r>
+              <a:rPr lang="en-US" dirty="0" err="1">
+                <a:latin typeface="Times New Roman" panose="02020603050405020304" pitchFamily="18" charset="0"/>
+                <a:cs typeface="Times New Roman" panose="02020603050405020304" pitchFamily="18" charset="0"/>
+              </a:rPr>
+              <a:t>bảo</a:t>
+            </a:r>
+            <a:r>
+              <a:rPr lang="en-US" dirty="0">
+                <a:latin typeface="Times New Roman" panose="02020603050405020304" pitchFamily="18" charset="0"/>
+                <a:cs typeface="Times New Roman" panose="02020603050405020304" pitchFamily="18" charset="0"/>
+              </a:rPr>
+              <a:t> </a:t>
+            </a:r>
+            <a:r>
+              <a:rPr lang="en-US" dirty="0" err="1">
+                <a:latin typeface="Times New Roman" panose="02020603050405020304" pitchFamily="18" charset="0"/>
+                <a:cs typeface="Times New Roman" panose="02020603050405020304" pitchFamily="18" charset="0"/>
+              </a:rPr>
+              <a:t>mật</a:t>
+            </a:r>
+            <a:r>
+              <a:rPr lang="en-US" dirty="0">
+                <a:latin typeface="Times New Roman" panose="02020603050405020304" pitchFamily="18" charset="0"/>
+                <a:cs typeface="Times New Roman" panose="02020603050405020304" pitchFamily="18" charset="0"/>
+              </a:rPr>
+              <a:t>: </a:t>
+            </a:r>
+            <a:r>
+              <a:rPr lang="en-US" dirty="0" err="1">
+                <a:latin typeface="Times New Roman" panose="02020603050405020304" pitchFamily="18" charset="0"/>
+                <a:cs typeface="Times New Roman" panose="02020603050405020304" pitchFamily="18" charset="0"/>
+              </a:rPr>
+              <a:t>cấu</a:t>
+            </a:r>
+            <a:r>
+              <a:rPr lang="en-US" dirty="0">
+                <a:latin typeface="Times New Roman" panose="02020603050405020304" pitchFamily="18" charset="0"/>
+                <a:cs typeface="Times New Roman" panose="02020603050405020304" pitchFamily="18" charset="0"/>
+              </a:rPr>
+              <a:t> </a:t>
+            </a:r>
+            <a:r>
+              <a:rPr lang="en-US" dirty="0" err="1">
+                <a:latin typeface="Times New Roman" panose="02020603050405020304" pitchFamily="18" charset="0"/>
+                <a:cs typeface="Times New Roman" panose="02020603050405020304" pitchFamily="18" charset="0"/>
+              </a:rPr>
+              <a:t>hình</a:t>
+            </a:r>
+            <a:r>
+              <a:rPr lang="en-US" dirty="0">
+                <a:latin typeface="Times New Roman" panose="02020603050405020304" pitchFamily="18" charset="0"/>
+                <a:cs typeface="Times New Roman" panose="02020603050405020304" pitchFamily="18" charset="0"/>
+              </a:rPr>
+              <a:t> </a:t>
+            </a:r>
+            <a:r>
+              <a:rPr lang="en-US" dirty="0" err="1">
+                <a:latin typeface="Times New Roman" panose="02020603050405020304" pitchFamily="18" charset="0"/>
+                <a:cs typeface="Times New Roman" panose="02020603050405020304" pitchFamily="18" charset="0"/>
+              </a:rPr>
+              <a:t>cors</a:t>
+            </a:r>
+            <a:r>
+              <a:rPr lang="en-US" dirty="0">
+                <a:latin typeface="Times New Roman" panose="02020603050405020304" pitchFamily="18" charset="0"/>
+                <a:cs typeface="Times New Roman" panose="02020603050405020304" pitchFamily="18" charset="0"/>
+              </a:rPr>
+              <a:t>, </a:t>
+            </a:r>
+            <a:r>
+              <a:rPr lang="en-US" dirty="0" err="1">
+                <a:latin typeface="Times New Roman" panose="02020603050405020304" pitchFamily="18" charset="0"/>
+                <a:cs typeface="Times New Roman" panose="02020603050405020304" pitchFamily="18" charset="0"/>
+              </a:rPr>
+              <a:t>csrf</a:t>
+            </a:r>
+            <a:r>
+              <a:rPr lang="en-US" dirty="0">
+                <a:latin typeface="Times New Roman" panose="02020603050405020304" pitchFamily="18" charset="0"/>
+                <a:cs typeface="Times New Roman" panose="02020603050405020304" pitchFamily="18" charset="0"/>
+              </a:rPr>
+              <a:t>, </a:t>
+            </a:r>
+            <a:r>
+              <a:rPr lang="en-US" dirty="0" err="1">
+                <a:latin typeface="Times New Roman" panose="02020603050405020304" pitchFamily="18" charset="0"/>
+                <a:cs typeface="Times New Roman" panose="02020603050405020304" pitchFamily="18" charset="0"/>
+              </a:rPr>
+              <a:t>quản</a:t>
+            </a:r>
+            <a:r>
+              <a:rPr lang="en-US" dirty="0">
+                <a:latin typeface="Times New Roman" panose="02020603050405020304" pitchFamily="18" charset="0"/>
+                <a:cs typeface="Times New Roman" panose="02020603050405020304" pitchFamily="18" charset="0"/>
+              </a:rPr>
+              <a:t> </a:t>
+            </a:r>
+            <a:r>
+              <a:rPr lang="en-US" dirty="0" err="1">
+                <a:latin typeface="Times New Roman" panose="02020603050405020304" pitchFamily="18" charset="0"/>
+                <a:cs typeface="Times New Roman" panose="02020603050405020304" pitchFamily="18" charset="0"/>
+              </a:rPr>
+              <a:t>lý</a:t>
+            </a:r>
+            <a:r>
+              <a:rPr lang="en-US" dirty="0">
+                <a:latin typeface="Times New Roman" panose="02020603050405020304" pitchFamily="18" charset="0"/>
+                <a:cs typeface="Times New Roman" panose="02020603050405020304" pitchFamily="18" charset="0"/>
+              </a:rPr>
+              <a:t> </a:t>
+            </a:r>
+            <a:r>
+              <a:rPr lang="en-US" dirty="0" err="1">
+                <a:latin typeface="Times New Roman" panose="02020603050405020304" pitchFamily="18" charset="0"/>
+                <a:cs typeface="Times New Roman" panose="02020603050405020304" pitchFamily="18" charset="0"/>
+              </a:rPr>
+              <a:t>phiên</a:t>
+            </a:r>
+            <a:r>
+              <a:rPr lang="en-US" dirty="0">
+                <a:latin typeface="Times New Roman" panose="02020603050405020304" pitchFamily="18" charset="0"/>
+                <a:cs typeface="Times New Roman" panose="02020603050405020304" pitchFamily="18" charset="0"/>
+              </a:rPr>
+              <a:t>, …</a:t>
+            </a:r>
+          </a:p>
+          <a:p>
+            <a:r>
+              <a:rPr lang="en-US" dirty="0">
+                <a:latin typeface="Times New Roman" panose="02020603050405020304" pitchFamily="18" charset="0"/>
+                <a:cs typeface="Times New Roman" panose="02020603050405020304" pitchFamily="18" charset="0"/>
+              </a:rPr>
+              <a:t>- </a:t>
+            </a:r>
+            <a:r>
+              <a:rPr lang="en-US" dirty="0" err="1">
+                <a:latin typeface="Times New Roman" panose="02020603050405020304" pitchFamily="18" charset="0"/>
+                <a:cs typeface="Times New Roman" panose="02020603050405020304" pitchFamily="18" charset="0"/>
+              </a:rPr>
+              <a:t>UserDetailService</a:t>
+            </a:r>
+            <a:r>
+              <a:rPr lang="en-US" dirty="0">
+                <a:latin typeface="Times New Roman" panose="02020603050405020304" pitchFamily="18" charset="0"/>
+                <a:cs typeface="Times New Roman" panose="02020603050405020304" pitchFamily="18" charset="0"/>
+              </a:rPr>
+              <a:t>: </a:t>
+            </a:r>
+            <a:r>
+              <a:rPr lang="en-US" dirty="0" err="1">
+                <a:latin typeface="Times New Roman" panose="02020603050405020304" pitchFamily="18" charset="0"/>
+                <a:cs typeface="Times New Roman" panose="02020603050405020304" pitchFamily="18" charset="0"/>
+              </a:rPr>
+              <a:t>sử</a:t>
+            </a:r>
+            <a:r>
+              <a:rPr lang="en-US" dirty="0">
+                <a:latin typeface="Times New Roman" panose="02020603050405020304" pitchFamily="18" charset="0"/>
+                <a:cs typeface="Times New Roman" panose="02020603050405020304" pitchFamily="18" charset="0"/>
+              </a:rPr>
+              <a:t> </a:t>
+            </a:r>
+            <a:r>
+              <a:rPr lang="en-US" dirty="0" err="1">
+                <a:latin typeface="Times New Roman" panose="02020603050405020304" pitchFamily="18" charset="0"/>
+                <a:cs typeface="Times New Roman" panose="02020603050405020304" pitchFamily="18" charset="0"/>
+              </a:rPr>
+              <a:t>dụng</a:t>
+            </a:r>
+            <a:r>
+              <a:rPr lang="en-US" dirty="0">
+                <a:latin typeface="Times New Roman" panose="02020603050405020304" pitchFamily="18" charset="0"/>
+                <a:cs typeface="Times New Roman" panose="02020603050405020304" pitchFamily="18" charset="0"/>
+              </a:rPr>
+              <a:t> username </a:t>
+            </a:r>
+            <a:r>
+              <a:rPr lang="en-US" dirty="0" err="1">
+                <a:latin typeface="Times New Roman" panose="02020603050405020304" pitchFamily="18" charset="0"/>
+                <a:cs typeface="Times New Roman" panose="02020603050405020304" pitchFamily="18" charset="0"/>
+              </a:rPr>
+              <a:t>và</a:t>
+            </a:r>
+            <a:r>
+              <a:rPr lang="en-US" dirty="0">
+                <a:latin typeface="Times New Roman" panose="02020603050405020304" pitchFamily="18" charset="0"/>
+                <a:cs typeface="Times New Roman" panose="02020603050405020304" pitchFamily="18" charset="0"/>
+              </a:rPr>
+              <a:t> </a:t>
+            </a:r>
+            <a:r>
+              <a:rPr lang="en-US" dirty="0" err="1">
+                <a:latin typeface="Times New Roman" panose="02020603050405020304" pitchFamily="18" charset="0"/>
+                <a:cs typeface="Times New Roman" panose="02020603050405020304" pitchFamily="18" charset="0"/>
+              </a:rPr>
+              <a:t>phương</a:t>
+            </a:r>
+            <a:r>
+              <a:rPr lang="en-US" dirty="0">
+                <a:latin typeface="Times New Roman" panose="02020603050405020304" pitchFamily="18" charset="0"/>
+                <a:cs typeface="Times New Roman" panose="02020603050405020304" pitchFamily="18" charset="0"/>
+              </a:rPr>
+              <a:t> </a:t>
+            </a:r>
+            <a:r>
+              <a:rPr lang="en-US" dirty="0" err="1">
+                <a:latin typeface="Times New Roman" panose="02020603050405020304" pitchFamily="18" charset="0"/>
+                <a:cs typeface="Times New Roman" panose="02020603050405020304" pitchFamily="18" charset="0"/>
+              </a:rPr>
+              <a:t>thức</a:t>
+            </a:r>
+            <a:r>
+              <a:rPr lang="en-US" dirty="0">
+                <a:latin typeface="Times New Roman" panose="02020603050405020304" pitchFamily="18" charset="0"/>
+                <a:cs typeface="Times New Roman" panose="02020603050405020304" pitchFamily="18" charset="0"/>
+              </a:rPr>
+              <a:t> </a:t>
+            </a:r>
+            <a:r>
+              <a:rPr lang="en-US" dirty="0" err="1">
+                <a:latin typeface="Times New Roman" panose="02020603050405020304" pitchFamily="18" charset="0"/>
+                <a:cs typeface="Times New Roman" panose="02020603050405020304" pitchFamily="18" charset="0"/>
+              </a:rPr>
+              <a:t>loadUserByUsername</a:t>
+            </a:r>
+            <a:r>
+              <a:rPr lang="en-US" dirty="0">
+                <a:latin typeface="Times New Roman" panose="02020603050405020304" pitchFamily="18" charset="0"/>
+                <a:cs typeface="Times New Roman" panose="02020603050405020304" pitchFamily="18" charset="0"/>
+              </a:rPr>
+              <a:t> </a:t>
+            </a:r>
+            <a:r>
+              <a:rPr lang="en-US" dirty="0" err="1">
+                <a:latin typeface="Times New Roman" panose="02020603050405020304" pitchFamily="18" charset="0"/>
+                <a:cs typeface="Times New Roman" panose="02020603050405020304" pitchFamily="18" charset="0"/>
+              </a:rPr>
+              <a:t>để</a:t>
+            </a:r>
+            <a:r>
+              <a:rPr lang="en-US" dirty="0">
+                <a:latin typeface="Times New Roman" panose="02020603050405020304" pitchFamily="18" charset="0"/>
+                <a:cs typeface="Times New Roman" panose="02020603050405020304" pitchFamily="18" charset="0"/>
+              </a:rPr>
+              <a:t> </a:t>
+            </a:r>
+            <a:r>
+              <a:rPr lang="en-US" dirty="0" err="1">
+                <a:latin typeface="Times New Roman" panose="02020603050405020304" pitchFamily="18" charset="0"/>
+                <a:cs typeface="Times New Roman" panose="02020603050405020304" pitchFamily="18" charset="0"/>
+              </a:rPr>
+              <a:t>trả</a:t>
+            </a:r>
+            <a:r>
+              <a:rPr lang="en-US" dirty="0">
+                <a:latin typeface="Times New Roman" panose="02020603050405020304" pitchFamily="18" charset="0"/>
+                <a:cs typeface="Times New Roman" panose="02020603050405020304" pitchFamily="18" charset="0"/>
+              </a:rPr>
+              <a:t> </a:t>
+            </a:r>
+            <a:r>
+              <a:rPr lang="en-US" dirty="0" err="1">
+                <a:latin typeface="Times New Roman" panose="02020603050405020304" pitchFamily="18" charset="0"/>
+                <a:cs typeface="Times New Roman" panose="02020603050405020304" pitchFamily="18" charset="0"/>
+              </a:rPr>
+              <a:t>về</a:t>
+            </a:r>
+            <a:r>
+              <a:rPr lang="en-US" dirty="0">
+                <a:latin typeface="Times New Roman" panose="02020603050405020304" pitchFamily="18" charset="0"/>
+                <a:cs typeface="Times New Roman" panose="02020603050405020304" pitchFamily="18" charset="0"/>
+              </a:rPr>
+              <a:t> </a:t>
+            </a:r>
+            <a:r>
+              <a:rPr lang="en-US" dirty="0" err="1">
+                <a:latin typeface="Times New Roman" panose="02020603050405020304" pitchFamily="18" charset="0"/>
+                <a:cs typeface="Times New Roman" panose="02020603050405020304" pitchFamily="18" charset="0"/>
+              </a:rPr>
+              <a:t>một</a:t>
+            </a:r>
+            <a:r>
+              <a:rPr lang="en-US" dirty="0">
+                <a:latin typeface="Times New Roman" panose="02020603050405020304" pitchFamily="18" charset="0"/>
+                <a:cs typeface="Times New Roman" panose="02020603050405020304" pitchFamily="18" charset="0"/>
+              </a:rPr>
+              <a:t> </a:t>
+            </a:r>
+            <a:r>
+              <a:rPr lang="en-US" dirty="0" err="1">
+                <a:latin typeface="Times New Roman" panose="02020603050405020304" pitchFamily="18" charset="0"/>
+                <a:cs typeface="Times New Roman" panose="02020603050405020304" pitchFamily="18" charset="0"/>
+              </a:rPr>
+              <a:t>đối</a:t>
+            </a:r>
+            <a:r>
+              <a:rPr lang="en-US" dirty="0">
+                <a:latin typeface="Times New Roman" panose="02020603050405020304" pitchFamily="18" charset="0"/>
+                <a:cs typeface="Times New Roman" panose="02020603050405020304" pitchFamily="18" charset="0"/>
+              </a:rPr>
+              <a:t> </a:t>
+            </a:r>
+            <a:r>
+              <a:rPr lang="en-US" dirty="0" err="1">
+                <a:latin typeface="Times New Roman" panose="02020603050405020304" pitchFamily="18" charset="0"/>
+                <a:cs typeface="Times New Roman" panose="02020603050405020304" pitchFamily="18" charset="0"/>
+              </a:rPr>
+              <a:t>tượng</a:t>
+            </a:r>
+            <a:r>
+              <a:rPr lang="en-US" dirty="0">
+                <a:latin typeface="Times New Roman" panose="02020603050405020304" pitchFamily="18" charset="0"/>
+                <a:cs typeface="Times New Roman" panose="02020603050405020304" pitchFamily="18" charset="0"/>
+              </a:rPr>
+              <a:t> </a:t>
+            </a:r>
+            <a:r>
+              <a:rPr lang="en-US" dirty="0" err="1">
+                <a:latin typeface="Times New Roman" panose="02020603050405020304" pitchFamily="18" charset="0"/>
+                <a:cs typeface="Times New Roman" panose="02020603050405020304" pitchFamily="18" charset="0"/>
+              </a:rPr>
+              <a:t>UserDetails</a:t>
+            </a:r>
+            <a:r>
+              <a:rPr lang="en-US" dirty="0">
+                <a:latin typeface="Times New Roman" panose="02020603050405020304" pitchFamily="18" charset="0"/>
+                <a:cs typeface="Times New Roman" panose="02020603050405020304" pitchFamily="18" charset="0"/>
+              </a:rPr>
+              <a:t> </a:t>
+            </a:r>
+            <a:r>
+              <a:rPr lang="en-US" dirty="0" err="1">
+                <a:latin typeface="Times New Roman" panose="02020603050405020304" pitchFamily="18" charset="0"/>
+                <a:cs typeface="Times New Roman" panose="02020603050405020304" pitchFamily="18" charset="0"/>
+              </a:rPr>
+              <a:t>để</a:t>
+            </a:r>
+            <a:r>
+              <a:rPr lang="en-US" dirty="0">
+                <a:latin typeface="Times New Roman" panose="02020603050405020304" pitchFamily="18" charset="0"/>
+                <a:cs typeface="Times New Roman" panose="02020603050405020304" pitchFamily="18" charset="0"/>
+              </a:rPr>
+              <a:t> spring security </a:t>
+            </a:r>
+            <a:r>
+              <a:rPr lang="en-US" dirty="0" err="1">
+                <a:latin typeface="Times New Roman" panose="02020603050405020304" pitchFamily="18" charset="0"/>
+                <a:cs typeface="Times New Roman" panose="02020603050405020304" pitchFamily="18" charset="0"/>
+              </a:rPr>
+              <a:t>sử</a:t>
+            </a:r>
+            <a:r>
+              <a:rPr lang="en-US" dirty="0">
+                <a:latin typeface="Times New Roman" panose="02020603050405020304" pitchFamily="18" charset="0"/>
+                <a:cs typeface="Times New Roman" panose="02020603050405020304" pitchFamily="18" charset="0"/>
+              </a:rPr>
+              <a:t> </a:t>
+            </a:r>
+            <a:r>
+              <a:rPr lang="en-US" dirty="0" err="1">
+                <a:latin typeface="Times New Roman" panose="02020603050405020304" pitchFamily="18" charset="0"/>
+                <a:cs typeface="Times New Roman" panose="02020603050405020304" pitchFamily="18" charset="0"/>
+              </a:rPr>
+              <a:t>dụng</a:t>
+            </a:r>
+            <a:r>
+              <a:rPr lang="en-US" dirty="0">
+                <a:latin typeface="Times New Roman" panose="02020603050405020304" pitchFamily="18" charset="0"/>
+                <a:cs typeface="Times New Roman" panose="02020603050405020304" pitchFamily="18" charset="0"/>
+              </a:rPr>
+              <a:t> </a:t>
+            </a:r>
+            <a:r>
+              <a:rPr lang="en-US" dirty="0" err="1">
+                <a:latin typeface="Times New Roman" panose="02020603050405020304" pitchFamily="18" charset="0"/>
+                <a:cs typeface="Times New Roman" panose="02020603050405020304" pitchFamily="18" charset="0"/>
+              </a:rPr>
+              <a:t>để</a:t>
+            </a:r>
+            <a:r>
+              <a:rPr lang="en-US" dirty="0">
+                <a:latin typeface="Times New Roman" panose="02020603050405020304" pitchFamily="18" charset="0"/>
+                <a:cs typeface="Times New Roman" panose="02020603050405020304" pitchFamily="18" charset="0"/>
+              </a:rPr>
+              <a:t> </a:t>
+            </a:r>
+            <a:r>
+              <a:rPr lang="en-US" dirty="0" err="1">
+                <a:latin typeface="Times New Roman" panose="02020603050405020304" pitchFamily="18" charset="0"/>
+                <a:cs typeface="Times New Roman" panose="02020603050405020304" pitchFamily="18" charset="0"/>
+              </a:rPr>
+              <a:t>xác</a:t>
+            </a:r>
+            <a:r>
+              <a:rPr lang="en-US" dirty="0">
+                <a:latin typeface="Times New Roman" panose="02020603050405020304" pitchFamily="18" charset="0"/>
+                <a:cs typeface="Times New Roman" panose="02020603050405020304" pitchFamily="18" charset="0"/>
+              </a:rPr>
+              <a:t> </a:t>
+            </a:r>
+            <a:r>
+              <a:rPr lang="en-US" dirty="0" err="1">
+                <a:latin typeface="Times New Roman" panose="02020603050405020304" pitchFamily="18" charset="0"/>
+                <a:cs typeface="Times New Roman" panose="02020603050405020304" pitchFamily="18" charset="0"/>
+              </a:rPr>
+              <a:t>thực</a:t>
+            </a:r>
+            <a:r>
+              <a:rPr lang="en-US" dirty="0">
+                <a:latin typeface="Times New Roman" panose="02020603050405020304" pitchFamily="18" charset="0"/>
+                <a:cs typeface="Times New Roman" panose="02020603050405020304" pitchFamily="18" charset="0"/>
+              </a:rPr>
+              <a:t>.</a:t>
+            </a:r>
+          </a:p>
+          <a:p>
+            <a:r>
+              <a:rPr lang="en-US" dirty="0">
+                <a:latin typeface="Times New Roman" panose="02020603050405020304" pitchFamily="18" charset="0"/>
+                <a:cs typeface="Times New Roman" panose="02020603050405020304" pitchFamily="18" charset="0"/>
+              </a:rPr>
+              <a:t>- </a:t>
+            </a:r>
+            <a:r>
+              <a:rPr lang="en-US" dirty="0" err="1">
+                <a:latin typeface="Times New Roman" panose="02020603050405020304" pitchFamily="18" charset="0"/>
+                <a:cs typeface="Times New Roman" panose="02020603050405020304" pitchFamily="18" charset="0"/>
+              </a:rPr>
+              <a:t>UserDetails</a:t>
+            </a:r>
+            <a:r>
+              <a:rPr lang="en-US" dirty="0">
+                <a:latin typeface="Times New Roman" panose="02020603050405020304" pitchFamily="18" charset="0"/>
+                <a:cs typeface="Times New Roman" panose="02020603050405020304" pitchFamily="18" charset="0"/>
+              </a:rPr>
+              <a:t>: </a:t>
+            </a:r>
+            <a:r>
+              <a:rPr lang="en-US" dirty="0" err="1">
+                <a:latin typeface="Times New Roman" panose="02020603050405020304" pitchFamily="18" charset="0"/>
+                <a:cs typeface="Times New Roman" panose="02020603050405020304" pitchFamily="18" charset="0"/>
+              </a:rPr>
+              <a:t>chứa</a:t>
+            </a:r>
+            <a:r>
+              <a:rPr lang="en-US" dirty="0">
+                <a:latin typeface="Times New Roman" panose="02020603050405020304" pitchFamily="18" charset="0"/>
+                <a:cs typeface="Times New Roman" panose="02020603050405020304" pitchFamily="18" charset="0"/>
+              </a:rPr>
+              <a:t> </a:t>
+            </a:r>
+            <a:r>
+              <a:rPr lang="en-US" dirty="0" err="1">
+                <a:latin typeface="Times New Roman" panose="02020603050405020304" pitchFamily="18" charset="0"/>
+                <a:cs typeface="Times New Roman" panose="02020603050405020304" pitchFamily="18" charset="0"/>
+              </a:rPr>
+              <a:t>những</a:t>
+            </a:r>
+            <a:r>
+              <a:rPr lang="en-US" dirty="0">
+                <a:latin typeface="Times New Roman" panose="02020603050405020304" pitchFamily="18" charset="0"/>
+                <a:cs typeface="Times New Roman" panose="02020603050405020304" pitchFamily="18" charset="0"/>
+              </a:rPr>
+              <a:t> </a:t>
+            </a:r>
+            <a:r>
+              <a:rPr lang="en-US" dirty="0" err="1">
+                <a:latin typeface="Times New Roman" panose="02020603050405020304" pitchFamily="18" charset="0"/>
+                <a:cs typeface="Times New Roman" panose="02020603050405020304" pitchFamily="18" charset="0"/>
+              </a:rPr>
+              <a:t>thông</a:t>
+            </a:r>
+            <a:r>
+              <a:rPr lang="en-US" dirty="0">
+                <a:latin typeface="Times New Roman" panose="02020603050405020304" pitchFamily="18" charset="0"/>
+                <a:cs typeface="Times New Roman" panose="02020603050405020304" pitchFamily="18" charset="0"/>
+              </a:rPr>
+              <a:t> tin (username, password, enable, </a:t>
+            </a:r>
+            <a:r>
+              <a:rPr lang="en-US" dirty="0" err="1">
+                <a:latin typeface="Times New Roman" panose="02020603050405020304" pitchFamily="18" charset="0"/>
+                <a:cs typeface="Times New Roman" panose="02020603050405020304" pitchFamily="18" charset="0"/>
+              </a:rPr>
+              <a:t>accountNonExpired</a:t>
+            </a:r>
+            <a:r>
+              <a:rPr lang="en-US" dirty="0">
+                <a:latin typeface="Times New Roman" panose="02020603050405020304" pitchFamily="18" charset="0"/>
+                <a:cs typeface="Times New Roman" panose="02020603050405020304" pitchFamily="18" charset="0"/>
+              </a:rPr>
+              <a:t>, </a:t>
+            </a:r>
+            <a:r>
+              <a:rPr lang="en-US" dirty="0" err="1">
+                <a:latin typeface="Times New Roman" panose="02020603050405020304" pitchFamily="18" charset="0"/>
+                <a:cs typeface="Times New Roman" panose="02020603050405020304" pitchFamily="18" charset="0"/>
+              </a:rPr>
+              <a:t>credentialsNonExpired</a:t>
+            </a:r>
+            <a:r>
+              <a:rPr lang="en-US" dirty="0">
+                <a:latin typeface="Times New Roman" panose="02020603050405020304" pitchFamily="18" charset="0"/>
+                <a:cs typeface="Times New Roman" panose="02020603050405020304" pitchFamily="18" charset="0"/>
+              </a:rPr>
+              <a:t>, </a:t>
+            </a:r>
+            <a:r>
+              <a:rPr lang="en-US" dirty="0" err="1">
+                <a:latin typeface="Times New Roman" panose="02020603050405020304" pitchFamily="18" charset="0"/>
+                <a:cs typeface="Times New Roman" panose="02020603050405020304" pitchFamily="18" charset="0"/>
+              </a:rPr>
+              <a:t>accountNonLocked</a:t>
+            </a:r>
+            <a:r>
+              <a:rPr lang="en-US" dirty="0">
+                <a:latin typeface="Times New Roman" panose="02020603050405020304" pitchFamily="18" charset="0"/>
+                <a:cs typeface="Times New Roman" panose="02020603050405020304" pitchFamily="18" charset="0"/>
+              </a:rPr>
+              <a:t>, authorities)</a:t>
+            </a:r>
+          </a:p>
+          <a:p>
+            <a:r>
+              <a:rPr lang="en-US" dirty="0">
+                <a:latin typeface="Times New Roman" panose="02020603050405020304" pitchFamily="18" charset="0"/>
+                <a:cs typeface="Times New Roman" panose="02020603050405020304" pitchFamily="18" charset="0"/>
+              </a:rPr>
+              <a:t>- </a:t>
+            </a:r>
+            <a:r>
+              <a:rPr lang="en-US" dirty="0" err="1">
+                <a:latin typeface="Times New Roman" panose="02020603050405020304" pitchFamily="18" charset="0"/>
+                <a:cs typeface="Times New Roman" panose="02020603050405020304" pitchFamily="18" charset="0"/>
+              </a:rPr>
+              <a:t>UsernamePasswordAuthenticationToken</a:t>
+            </a:r>
+            <a:r>
+              <a:rPr lang="en-US" dirty="0">
+                <a:latin typeface="Times New Roman" panose="02020603050405020304" pitchFamily="18" charset="0"/>
+                <a:cs typeface="Times New Roman" panose="02020603050405020304" pitchFamily="18" charset="0"/>
+              </a:rPr>
+              <a:t>: </a:t>
+            </a:r>
+            <a:r>
+              <a:rPr lang="en-US" dirty="0" err="1">
+                <a:latin typeface="Times New Roman" panose="02020603050405020304" pitchFamily="18" charset="0"/>
+                <a:cs typeface="Times New Roman" panose="02020603050405020304" pitchFamily="18" charset="0"/>
+              </a:rPr>
+              <a:t>chứa</a:t>
+            </a:r>
+            <a:r>
+              <a:rPr lang="en-US" dirty="0">
+                <a:latin typeface="Times New Roman" panose="02020603050405020304" pitchFamily="18" charset="0"/>
+                <a:cs typeface="Times New Roman" panose="02020603050405020304" pitchFamily="18" charset="0"/>
+              </a:rPr>
+              <a:t> </a:t>
+            </a:r>
+            <a:r>
+              <a:rPr lang="en-US" dirty="0" err="1">
+                <a:latin typeface="Times New Roman" panose="02020603050405020304" pitchFamily="18" charset="0"/>
+                <a:cs typeface="Times New Roman" panose="02020603050405020304" pitchFamily="18" charset="0"/>
+              </a:rPr>
+              <a:t>thông</a:t>
+            </a:r>
+            <a:r>
+              <a:rPr lang="en-US" dirty="0">
+                <a:latin typeface="Times New Roman" panose="02020603050405020304" pitchFamily="18" charset="0"/>
+                <a:cs typeface="Times New Roman" panose="02020603050405020304" pitchFamily="18" charset="0"/>
+              </a:rPr>
+              <a:t> tin username, password</a:t>
+            </a:r>
+          </a:p>
+          <a:p>
+            <a:r>
+              <a:rPr lang="en-US" dirty="0">
+                <a:latin typeface="Times New Roman" panose="02020603050405020304" pitchFamily="18" charset="0"/>
+                <a:cs typeface="Times New Roman" panose="02020603050405020304" pitchFamily="18" charset="0"/>
+              </a:rPr>
+              <a:t>- </a:t>
+            </a:r>
+            <a:r>
+              <a:rPr lang="en-US" dirty="0" err="1">
+                <a:latin typeface="Times New Roman" panose="02020603050405020304" pitchFamily="18" charset="0"/>
+                <a:cs typeface="Times New Roman" panose="02020603050405020304" pitchFamily="18" charset="0"/>
+              </a:rPr>
+              <a:t>AuthenticationManager</a:t>
+            </a:r>
+            <a:r>
+              <a:rPr lang="en-US" dirty="0">
+                <a:latin typeface="Times New Roman" panose="02020603050405020304" pitchFamily="18" charset="0"/>
+                <a:cs typeface="Times New Roman" panose="02020603050405020304" pitchFamily="18" charset="0"/>
+              </a:rPr>
+              <a:t>: </a:t>
+            </a:r>
+            <a:r>
+              <a:rPr lang="en-US" dirty="0" err="1">
+                <a:latin typeface="Times New Roman" panose="02020603050405020304" pitchFamily="18" charset="0"/>
+                <a:cs typeface="Times New Roman" panose="02020603050405020304" pitchFamily="18" charset="0"/>
+              </a:rPr>
+              <a:t>sử</a:t>
+            </a:r>
+            <a:r>
+              <a:rPr lang="en-US" dirty="0">
+                <a:latin typeface="Times New Roman" panose="02020603050405020304" pitchFamily="18" charset="0"/>
+                <a:cs typeface="Times New Roman" panose="02020603050405020304" pitchFamily="18" charset="0"/>
+              </a:rPr>
+              <a:t> </a:t>
+            </a:r>
+            <a:r>
+              <a:rPr lang="en-US" dirty="0" err="1">
+                <a:latin typeface="Times New Roman" panose="02020603050405020304" pitchFamily="18" charset="0"/>
+                <a:cs typeface="Times New Roman" panose="02020603050405020304" pitchFamily="18" charset="0"/>
+              </a:rPr>
+              <a:t>dụng</a:t>
+            </a:r>
+            <a:r>
+              <a:rPr lang="en-US" dirty="0">
+                <a:latin typeface="Times New Roman" panose="02020603050405020304" pitchFamily="18" charset="0"/>
+                <a:cs typeface="Times New Roman" panose="02020603050405020304" pitchFamily="18" charset="0"/>
+              </a:rPr>
+              <a:t> </a:t>
+            </a:r>
+            <a:r>
+              <a:rPr lang="en-US" dirty="0" err="1">
+                <a:latin typeface="Times New Roman" panose="02020603050405020304" pitchFamily="18" charset="0"/>
+                <a:cs typeface="Times New Roman" panose="02020603050405020304" pitchFamily="18" charset="0"/>
+              </a:rPr>
+              <a:t>UserDetailsService</a:t>
+            </a:r>
+            <a:r>
+              <a:rPr lang="en-US" dirty="0">
+                <a:latin typeface="Times New Roman" panose="02020603050405020304" pitchFamily="18" charset="0"/>
+                <a:cs typeface="Times New Roman" panose="02020603050405020304" pitchFamily="18" charset="0"/>
+              </a:rPr>
+              <a:t> </a:t>
+            </a:r>
+            <a:r>
+              <a:rPr lang="en-US" dirty="0" err="1">
+                <a:latin typeface="Times New Roman" panose="02020603050405020304" pitchFamily="18" charset="0"/>
+                <a:cs typeface="Times New Roman" panose="02020603050405020304" pitchFamily="18" charset="0"/>
+              </a:rPr>
+              <a:t>và</a:t>
+            </a:r>
+            <a:r>
+              <a:rPr lang="en-US" dirty="0">
+                <a:latin typeface="Times New Roman" panose="02020603050405020304" pitchFamily="18" charset="0"/>
+                <a:cs typeface="Times New Roman" panose="02020603050405020304" pitchFamily="18" charset="0"/>
+              </a:rPr>
+              <a:t> </a:t>
+            </a:r>
+            <a:r>
+              <a:rPr lang="en-US" dirty="0" err="1">
+                <a:latin typeface="Times New Roman" panose="02020603050405020304" pitchFamily="18" charset="0"/>
+                <a:cs typeface="Times New Roman" panose="02020603050405020304" pitchFamily="18" charset="0"/>
+              </a:rPr>
+              <a:t>PasswordEncoder</a:t>
+            </a:r>
+            <a:r>
+              <a:rPr lang="en-US" dirty="0">
+                <a:latin typeface="Times New Roman" panose="02020603050405020304" pitchFamily="18" charset="0"/>
+                <a:cs typeface="Times New Roman" panose="02020603050405020304" pitchFamily="18" charset="0"/>
+              </a:rPr>
+              <a:t> </a:t>
+            </a:r>
+            <a:r>
+              <a:rPr lang="en-US" dirty="0" err="1">
+                <a:latin typeface="Times New Roman" panose="02020603050405020304" pitchFamily="18" charset="0"/>
+                <a:cs typeface="Times New Roman" panose="02020603050405020304" pitchFamily="18" charset="0"/>
+              </a:rPr>
+              <a:t>xác</a:t>
+            </a:r>
+            <a:r>
+              <a:rPr lang="en-US" dirty="0">
+                <a:latin typeface="Times New Roman" panose="02020603050405020304" pitchFamily="18" charset="0"/>
+                <a:cs typeface="Times New Roman" panose="02020603050405020304" pitchFamily="18" charset="0"/>
+              </a:rPr>
+              <a:t> </a:t>
+            </a:r>
+            <a:r>
+              <a:rPr lang="en-US" dirty="0" err="1">
+                <a:latin typeface="Times New Roman" panose="02020603050405020304" pitchFamily="18" charset="0"/>
+                <a:cs typeface="Times New Roman" panose="02020603050405020304" pitchFamily="18" charset="0"/>
+              </a:rPr>
+              <a:t>thực</a:t>
+            </a:r>
+            <a:r>
+              <a:rPr lang="en-US" dirty="0">
+                <a:latin typeface="Times New Roman" panose="02020603050405020304" pitchFamily="18" charset="0"/>
+                <a:cs typeface="Times New Roman" panose="02020603050405020304" pitchFamily="18" charset="0"/>
+              </a:rPr>
+              <a:t> </a:t>
+            </a:r>
+            <a:r>
+              <a:rPr lang="en-US" dirty="0" err="1">
+                <a:latin typeface="Times New Roman" panose="02020603050405020304" pitchFamily="18" charset="0"/>
+                <a:cs typeface="Times New Roman" panose="02020603050405020304" pitchFamily="18" charset="0"/>
+              </a:rPr>
+              <a:t>đối</a:t>
+            </a:r>
+            <a:r>
+              <a:rPr lang="en-US" dirty="0">
+                <a:latin typeface="Times New Roman" panose="02020603050405020304" pitchFamily="18" charset="0"/>
+                <a:cs typeface="Times New Roman" panose="02020603050405020304" pitchFamily="18" charset="0"/>
+              </a:rPr>
+              <a:t> </a:t>
+            </a:r>
+            <a:r>
+              <a:rPr lang="en-US" dirty="0" err="1">
+                <a:latin typeface="Times New Roman" panose="02020603050405020304" pitchFamily="18" charset="0"/>
+                <a:cs typeface="Times New Roman" panose="02020603050405020304" pitchFamily="18" charset="0"/>
+              </a:rPr>
+              <a:t>tượng</a:t>
+            </a:r>
+            <a:r>
+              <a:rPr lang="en-US" dirty="0">
+                <a:latin typeface="Times New Roman" panose="02020603050405020304" pitchFamily="18" charset="0"/>
+                <a:cs typeface="Times New Roman" panose="02020603050405020304" pitchFamily="18" charset="0"/>
+              </a:rPr>
+              <a:t> </a:t>
+            </a:r>
+            <a:r>
+              <a:rPr lang="en-US" dirty="0" err="1">
+                <a:latin typeface="Times New Roman" panose="02020603050405020304" pitchFamily="18" charset="0"/>
+                <a:cs typeface="Times New Roman" panose="02020603050405020304" pitchFamily="18" charset="0"/>
+              </a:rPr>
+              <a:t>UsernamePasswordAuthenticationToken</a:t>
             </a:r>
             <a:endParaRPr lang="en-US" dirty="0">
               <a:latin typeface="Times New Roman" panose="02020603050405020304" pitchFamily="18" charset="0"/>
               <a:cs typeface="Times New Roman" panose="02020603050405020304" pitchFamily="18" charset="0"/>
             </a:endParaRPr>
           </a:p>
-        </p:txBody>
-      </p:sp>
-      <p:pic>
-        <p:nvPicPr>
-          <p:cNvPr id="4" name="Content Placeholder 3"/>
-          <p:cNvPicPr>
-            <a:picLocks noGrp="1" noChangeAspect="1"/>
-          </p:cNvPicPr>
-          <p:nvPr>
-            <p:ph idx="1"/>
-          </p:nvPr>
-        </p:nvPicPr>
-        <p:blipFill>
-          <a:blip r:embed="rId2">
-            <a:extLst>
-              <a:ext uri="{28A0092B-C50C-407E-A947-70E740481C1C}">
-                <a14:useLocalDpi xmlns:a14="http://schemas.microsoft.com/office/drawing/2010/main" val="0"/>
-              </a:ext>
-            </a:extLst>
-          </a:blip>
-          <a:stretch>
-            <a:fillRect/>
-          </a:stretch>
-        </p:blipFill>
-        <p:spPr>
-          <a:xfrm>
-            <a:off x="2611381" y="1580606"/>
-            <a:ext cx="7030198" cy="4703203"/>
-          </a:xfrm>
-        </p:spPr>
-      </p:pic>
-      <p:sp>
-        <p:nvSpPr>
-          <p:cNvPr id="5" name="TextBox 4"/>
-          <p:cNvSpPr txBox="1"/>
-          <p:nvPr/>
-        </p:nvSpPr>
-        <p:spPr>
-          <a:xfrm>
-            <a:off x="770709" y="3609041"/>
-            <a:ext cx="2879634" cy="646331"/>
-          </a:xfrm>
-          <a:prstGeom prst="rect">
-            <a:avLst/>
-          </a:prstGeom>
-          <a:noFill/>
-        </p:spPr>
-        <p:txBody>
-          <a:bodyPr wrap="none" rtlCol="0">
-            <a:spAutoFit/>
-          </a:bodyPr>
-          <a:lstStyle/>
-          <a:p>
-            <a:r>
-              <a:rPr lang="en-US" dirty="0" err="1" smtClean="0">
-                <a:latin typeface="Times New Roman" panose="02020603050405020304" pitchFamily="18" charset="0"/>
-                <a:cs typeface="Times New Roman" panose="02020603050405020304" pitchFamily="18" charset="0"/>
-              </a:rPr>
-              <a:t>Quy</a:t>
-            </a:r>
-            <a:r>
-              <a:rPr lang="en-US" dirty="0" smtClean="0">
-                <a:latin typeface="Times New Roman" panose="02020603050405020304" pitchFamily="18" charset="0"/>
-                <a:cs typeface="Times New Roman" panose="02020603050405020304" pitchFamily="18" charset="0"/>
-              </a:rPr>
-              <a:t> </a:t>
-            </a:r>
-            <a:r>
-              <a:rPr lang="en-US" dirty="0" err="1" smtClean="0">
-                <a:latin typeface="Times New Roman" panose="02020603050405020304" pitchFamily="18" charset="0"/>
-                <a:cs typeface="Times New Roman" panose="02020603050405020304" pitchFamily="18" charset="0"/>
-              </a:rPr>
-              <a:t>trình</a:t>
-            </a:r>
-            <a:r>
-              <a:rPr lang="en-US" dirty="0" smtClean="0">
-                <a:latin typeface="Times New Roman" panose="02020603050405020304" pitchFamily="18" charset="0"/>
-                <a:cs typeface="Times New Roman" panose="02020603050405020304" pitchFamily="18" charset="0"/>
-              </a:rPr>
-              <a:t> </a:t>
-            </a:r>
-            <a:r>
-              <a:rPr lang="en-US" dirty="0" err="1" smtClean="0">
-                <a:latin typeface="Times New Roman" panose="02020603050405020304" pitchFamily="18" charset="0"/>
-                <a:cs typeface="Times New Roman" panose="02020603050405020304" pitchFamily="18" charset="0"/>
-              </a:rPr>
-              <a:t>xử</a:t>
-            </a:r>
-            <a:r>
-              <a:rPr lang="en-US" dirty="0" smtClean="0">
-                <a:latin typeface="Times New Roman" panose="02020603050405020304" pitchFamily="18" charset="0"/>
-                <a:cs typeface="Times New Roman" panose="02020603050405020304" pitchFamily="18" charset="0"/>
-              </a:rPr>
-              <a:t> </a:t>
-            </a:r>
-            <a:r>
-              <a:rPr lang="en-US" dirty="0" err="1" smtClean="0">
-                <a:latin typeface="Times New Roman" panose="02020603050405020304" pitchFamily="18" charset="0"/>
-                <a:cs typeface="Times New Roman" panose="02020603050405020304" pitchFamily="18" charset="0"/>
-              </a:rPr>
-              <a:t>lý</a:t>
-            </a:r>
-            <a:endParaRPr lang="en-US" dirty="0" smtClean="0">
-              <a:latin typeface="Times New Roman" panose="02020603050405020304" pitchFamily="18" charset="0"/>
-              <a:cs typeface="Times New Roman" panose="02020603050405020304" pitchFamily="18" charset="0"/>
-            </a:endParaRPr>
-          </a:p>
-          <a:p>
-            <a:r>
-              <a:rPr lang="en-US" dirty="0">
-                <a:latin typeface="Times New Roman" panose="02020603050405020304" pitchFamily="18" charset="0"/>
-                <a:cs typeface="Times New Roman" panose="02020603050405020304" pitchFamily="18" charset="0"/>
-              </a:rPr>
-              <a:t>r</a:t>
-            </a:r>
-            <a:r>
-              <a:rPr lang="en-US" dirty="0" smtClean="0">
-                <a:latin typeface="Times New Roman" panose="02020603050405020304" pitchFamily="18" charset="0"/>
-                <a:cs typeface="Times New Roman" panose="02020603050405020304" pitchFamily="18" charset="0"/>
-              </a:rPr>
-              <a:t>equest </a:t>
-            </a:r>
-            <a:r>
-              <a:rPr lang="en-US" dirty="0" err="1" smtClean="0">
-                <a:latin typeface="Times New Roman" panose="02020603050405020304" pitchFamily="18" charset="0"/>
-                <a:cs typeface="Times New Roman" panose="02020603050405020304" pitchFamily="18" charset="0"/>
-              </a:rPr>
-              <a:t>trong</a:t>
-            </a:r>
-            <a:r>
-              <a:rPr lang="en-US" dirty="0" smtClean="0">
-                <a:latin typeface="Times New Roman" panose="02020603050405020304" pitchFamily="18" charset="0"/>
-                <a:cs typeface="Times New Roman" panose="02020603050405020304" pitchFamily="18" charset="0"/>
-              </a:rPr>
-              <a:t> spring security</a:t>
+          <a:p>
+            <a:r>
+              <a:rPr lang="en-US" dirty="0">
+                <a:latin typeface="Times New Roman" panose="02020603050405020304" pitchFamily="18" charset="0"/>
+                <a:cs typeface="Times New Roman" panose="02020603050405020304" pitchFamily="18" charset="0"/>
+              </a:rPr>
+              <a:t>- </a:t>
+            </a:r>
+            <a:r>
+              <a:rPr lang="en-US" dirty="0" err="1">
+                <a:latin typeface="Times New Roman" panose="02020603050405020304" pitchFamily="18" charset="0"/>
+                <a:cs typeface="Times New Roman" panose="02020603050405020304" pitchFamily="18" charset="0"/>
+              </a:rPr>
+              <a:t>OncePerRequestFilter</a:t>
+            </a:r>
+            <a:r>
+              <a:rPr lang="en-US" dirty="0">
+                <a:latin typeface="Times New Roman" panose="02020603050405020304" pitchFamily="18" charset="0"/>
+                <a:cs typeface="Times New Roman" panose="02020603050405020304" pitchFamily="18" charset="0"/>
+              </a:rPr>
+              <a:t>: </a:t>
+            </a:r>
+            <a:r>
+              <a:rPr lang="en-US" dirty="0" err="1">
+                <a:latin typeface="Times New Roman" panose="02020603050405020304" pitchFamily="18" charset="0"/>
+                <a:cs typeface="Times New Roman" panose="02020603050405020304" pitchFamily="18" charset="0"/>
+              </a:rPr>
+              <a:t>kiểm</a:t>
+            </a:r>
+            <a:r>
+              <a:rPr lang="en-US" dirty="0">
+                <a:latin typeface="Times New Roman" panose="02020603050405020304" pitchFamily="18" charset="0"/>
+                <a:cs typeface="Times New Roman" panose="02020603050405020304" pitchFamily="18" charset="0"/>
+              </a:rPr>
+              <a:t> </a:t>
+            </a:r>
+            <a:r>
+              <a:rPr lang="en-US" dirty="0" err="1">
+                <a:latin typeface="Times New Roman" panose="02020603050405020304" pitchFamily="18" charset="0"/>
+                <a:cs typeface="Times New Roman" panose="02020603050405020304" pitchFamily="18" charset="0"/>
+              </a:rPr>
+              <a:t>tra</a:t>
+            </a:r>
+            <a:r>
+              <a:rPr lang="en-US" dirty="0">
+                <a:latin typeface="Times New Roman" panose="02020603050405020304" pitchFamily="18" charset="0"/>
+                <a:cs typeface="Times New Roman" panose="02020603050405020304" pitchFamily="18" charset="0"/>
+              </a:rPr>
+              <a:t> </a:t>
+            </a:r>
+            <a:r>
+              <a:rPr lang="en-US" dirty="0" err="1">
+                <a:latin typeface="Times New Roman" panose="02020603050405020304" pitchFamily="18" charset="0"/>
+                <a:cs typeface="Times New Roman" panose="02020603050405020304" pitchFamily="18" charset="0"/>
+              </a:rPr>
+              <a:t>mỗi</a:t>
+            </a:r>
+            <a:r>
+              <a:rPr lang="en-US" dirty="0">
+                <a:latin typeface="Times New Roman" panose="02020603050405020304" pitchFamily="18" charset="0"/>
+                <a:cs typeface="Times New Roman" panose="02020603050405020304" pitchFamily="18" charset="0"/>
+              </a:rPr>
+              <a:t> request </a:t>
+            </a:r>
+            <a:r>
+              <a:rPr lang="en-US" dirty="0" err="1">
+                <a:latin typeface="Times New Roman" panose="02020603050405020304" pitchFamily="18" charset="0"/>
+                <a:cs typeface="Times New Roman" panose="02020603050405020304" pitchFamily="18" charset="0"/>
+              </a:rPr>
+              <a:t>được</a:t>
+            </a:r>
+            <a:r>
+              <a:rPr lang="en-US" dirty="0">
+                <a:latin typeface="Times New Roman" panose="02020603050405020304" pitchFamily="18" charset="0"/>
+                <a:cs typeface="Times New Roman" panose="02020603050405020304" pitchFamily="18" charset="0"/>
+              </a:rPr>
+              <a:t> </a:t>
+            </a:r>
+            <a:r>
+              <a:rPr lang="en-US" dirty="0" err="1">
+                <a:latin typeface="Times New Roman" panose="02020603050405020304" pitchFamily="18" charset="0"/>
+                <a:cs typeface="Times New Roman" panose="02020603050405020304" pitchFamily="18" charset="0"/>
+              </a:rPr>
+              <a:t>gửi</a:t>
+            </a:r>
+            <a:r>
+              <a:rPr lang="en-US" dirty="0">
+                <a:latin typeface="Times New Roman" panose="02020603050405020304" pitchFamily="18" charset="0"/>
+                <a:cs typeface="Times New Roman" panose="02020603050405020304" pitchFamily="18" charset="0"/>
+              </a:rPr>
+              <a:t> </a:t>
+            </a:r>
+            <a:r>
+              <a:rPr lang="en-US" dirty="0" err="1">
+                <a:latin typeface="Times New Roman" panose="02020603050405020304" pitchFamily="18" charset="0"/>
+                <a:cs typeface="Times New Roman" panose="02020603050405020304" pitchFamily="18" charset="0"/>
+              </a:rPr>
+              <a:t>tới</a:t>
+            </a:r>
+            <a:r>
+              <a:rPr lang="en-US" dirty="0">
+                <a:latin typeface="Times New Roman" panose="02020603050405020304" pitchFamily="18" charset="0"/>
+                <a:cs typeface="Times New Roman" panose="02020603050405020304" pitchFamily="18" charset="0"/>
+              </a:rPr>
+              <a:t> (</a:t>
+            </a:r>
+            <a:r>
+              <a:rPr lang="en-US" dirty="0" err="1">
+                <a:latin typeface="Times New Roman" panose="02020603050405020304" pitchFamily="18" charset="0"/>
+                <a:cs typeface="Times New Roman" panose="02020603050405020304" pitchFamily="18" charset="0"/>
+              </a:rPr>
+              <a:t>kiểm</a:t>
+            </a:r>
+            <a:r>
+              <a:rPr lang="en-US" dirty="0">
+                <a:latin typeface="Times New Roman" panose="02020603050405020304" pitchFamily="18" charset="0"/>
+                <a:cs typeface="Times New Roman" panose="02020603050405020304" pitchFamily="18" charset="0"/>
+              </a:rPr>
+              <a:t> </a:t>
+            </a:r>
+            <a:r>
+              <a:rPr lang="en-US" dirty="0" err="1">
+                <a:latin typeface="Times New Roman" panose="02020603050405020304" pitchFamily="18" charset="0"/>
+                <a:cs typeface="Times New Roman" panose="02020603050405020304" pitchFamily="18" charset="0"/>
+              </a:rPr>
+              <a:t>tra</a:t>
+            </a:r>
+            <a:r>
+              <a:rPr lang="en-US" dirty="0">
+                <a:latin typeface="Times New Roman" panose="02020603050405020304" pitchFamily="18" charset="0"/>
+                <a:cs typeface="Times New Roman" panose="02020603050405020304" pitchFamily="18" charset="0"/>
+              </a:rPr>
+              <a:t> token </a:t>
+            </a:r>
+            <a:r>
+              <a:rPr lang="en-US" dirty="0" err="1">
+                <a:latin typeface="Times New Roman" panose="02020603050405020304" pitchFamily="18" charset="0"/>
+                <a:cs typeface="Times New Roman" panose="02020603050405020304" pitchFamily="18" charset="0"/>
+              </a:rPr>
+              <a:t>đối</a:t>
+            </a:r>
+            <a:r>
+              <a:rPr lang="en-US" dirty="0">
+                <a:latin typeface="Times New Roman" panose="02020603050405020304" pitchFamily="18" charset="0"/>
+                <a:cs typeface="Times New Roman" panose="02020603050405020304" pitchFamily="18" charset="0"/>
+              </a:rPr>
+              <a:t> </a:t>
+            </a:r>
+            <a:r>
+              <a:rPr lang="en-US" dirty="0" err="1">
+                <a:latin typeface="Times New Roman" panose="02020603050405020304" pitchFamily="18" charset="0"/>
+                <a:cs typeface="Times New Roman" panose="02020603050405020304" pitchFamily="18" charset="0"/>
+              </a:rPr>
+              <a:t>với</a:t>
+            </a:r>
+            <a:r>
+              <a:rPr lang="en-US" dirty="0">
+                <a:latin typeface="Times New Roman" panose="02020603050405020304" pitchFamily="18" charset="0"/>
+                <a:cs typeface="Times New Roman" panose="02020603050405020304" pitchFamily="18" charset="0"/>
+              </a:rPr>
+              <a:t> </a:t>
+            </a:r>
+            <a:r>
+              <a:rPr lang="en-US" dirty="0" err="1">
+                <a:latin typeface="Times New Roman" panose="02020603050405020304" pitchFamily="18" charset="0"/>
+                <a:cs typeface="Times New Roman" panose="02020603050405020304" pitchFamily="18" charset="0"/>
+              </a:rPr>
+              <a:t>các</a:t>
+            </a:r>
+            <a:r>
+              <a:rPr lang="en-US" dirty="0">
+                <a:latin typeface="Times New Roman" panose="02020603050405020304" pitchFamily="18" charset="0"/>
+                <a:cs typeface="Times New Roman" panose="02020603050405020304" pitchFamily="18" charset="0"/>
+              </a:rPr>
+              <a:t> API </a:t>
+            </a:r>
+            <a:r>
+              <a:rPr lang="en-US" dirty="0" err="1">
+                <a:latin typeface="Times New Roman" panose="02020603050405020304" pitchFamily="18" charset="0"/>
+                <a:cs typeface="Times New Roman" panose="02020603050405020304" pitchFamily="18" charset="0"/>
+              </a:rPr>
+              <a:t>cần</a:t>
+            </a:r>
+            <a:r>
+              <a:rPr lang="en-US" dirty="0">
+                <a:latin typeface="Times New Roman" panose="02020603050405020304" pitchFamily="18" charset="0"/>
+                <a:cs typeface="Times New Roman" panose="02020603050405020304" pitchFamily="18" charset="0"/>
+              </a:rPr>
+              <a:t> </a:t>
+            </a:r>
+            <a:r>
+              <a:rPr lang="en-US" dirty="0" err="1">
+                <a:latin typeface="Times New Roman" panose="02020603050405020304" pitchFamily="18" charset="0"/>
+                <a:cs typeface="Times New Roman" panose="02020603050405020304" pitchFamily="18" charset="0"/>
+              </a:rPr>
+              <a:t>xác</a:t>
+            </a:r>
+            <a:r>
+              <a:rPr lang="en-US" dirty="0">
+                <a:latin typeface="Times New Roman" panose="02020603050405020304" pitchFamily="18" charset="0"/>
+                <a:cs typeface="Times New Roman" panose="02020603050405020304" pitchFamily="18" charset="0"/>
+              </a:rPr>
+              <a:t> </a:t>
+            </a:r>
+            <a:r>
+              <a:rPr lang="en-US" dirty="0" err="1">
+                <a:latin typeface="Times New Roman" panose="02020603050405020304" pitchFamily="18" charset="0"/>
+                <a:cs typeface="Times New Roman" panose="02020603050405020304" pitchFamily="18" charset="0"/>
+              </a:rPr>
+              <a:t>thực</a:t>
+            </a:r>
+            <a:r>
+              <a:rPr lang="en-US" dirty="0">
+                <a:latin typeface="Times New Roman" panose="02020603050405020304" pitchFamily="18" charset="0"/>
+                <a:cs typeface="Times New Roman" panose="02020603050405020304" pitchFamily="18" charset="0"/>
+              </a:rPr>
+              <a:t>)</a:t>
+            </a:r>
+          </a:p>
+          <a:p>
+            <a:r>
+              <a:rPr lang="en-US" dirty="0">
+                <a:latin typeface="Times New Roman" panose="02020603050405020304" pitchFamily="18" charset="0"/>
+                <a:cs typeface="Times New Roman" panose="02020603050405020304" pitchFamily="18" charset="0"/>
+              </a:rPr>
+              <a:t>- </a:t>
+            </a:r>
+            <a:r>
+              <a:rPr lang="en-US" dirty="0" err="1">
+                <a:latin typeface="Times New Roman" panose="02020603050405020304" pitchFamily="18" charset="0"/>
+                <a:cs typeface="Times New Roman" panose="02020603050405020304" pitchFamily="18" charset="0"/>
+              </a:rPr>
+              <a:t>AuthenticationEntryPoint</a:t>
+            </a:r>
+            <a:r>
+              <a:rPr lang="en-US" dirty="0">
+                <a:latin typeface="Times New Roman" panose="02020603050405020304" pitchFamily="18" charset="0"/>
+                <a:cs typeface="Times New Roman" panose="02020603050405020304" pitchFamily="18" charset="0"/>
+              </a:rPr>
+              <a:t>: </a:t>
+            </a:r>
+            <a:r>
+              <a:rPr lang="en-US" dirty="0" err="1">
+                <a:latin typeface="Times New Roman" panose="02020603050405020304" pitchFamily="18" charset="0"/>
+                <a:cs typeface="Times New Roman" panose="02020603050405020304" pitchFamily="18" charset="0"/>
+              </a:rPr>
+              <a:t>sẽ</a:t>
+            </a:r>
+            <a:r>
+              <a:rPr lang="en-US" dirty="0">
+                <a:latin typeface="Times New Roman" panose="02020603050405020304" pitchFamily="18" charset="0"/>
+                <a:cs typeface="Times New Roman" panose="02020603050405020304" pitchFamily="18" charset="0"/>
+              </a:rPr>
+              <a:t> </a:t>
+            </a:r>
+            <a:r>
+              <a:rPr lang="en-US" dirty="0" err="1">
+                <a:latin typeface="Times New Roman" panose="02020603050405020304" pitchFamily="18" charset="0"/>
+                <a:cs typeface="Times New Roman" panose="02020603050405020304" pitchFamily="18" charset="0"/>
+              </a:rPr>
+              <a:t>gọi</a:t>
+            </a:r>
+            <a:r>
+              <a:rPr lang="en-US" dirty="0">
+                <a:latin typeface="Times New Roman" panose="02020603050405020304" pitchFamily="18" charset="0"/>
+                <a:cs typeface="Times New Roman" panose="02020603050405020304" pitchFamily="18" charset="0"/>
+              </a:rPr>
+              <a:t> </a:t>
+            </a:r>
+            <a:r>
+              <a:rPr lang="en-US" dirty="0" err="1">
+                <a:latin typeface="Times New Roman" panose="02020603050405020304" pitchFamily="18" charset="0"/>
+                <a:cs typeface="Times New Roman" panose="02020603050405020304" pitchFamily="18" charset="0"/>
+              </a:rPr>
+              <a:t>khi</a:t>
+            </a:r>
+            <a:r>
+              <a:rPr lang="en-US" dirty="0">
+                <a:latin typeface="Times New Roman" panose="02020603050405020304" pitchFamily="18" charset="0"/>
+                <a:cs typeface="Times New Roman" panose="02020603050405020304" pitchFamily="18" charset="0"/>
+              </a:rPr>
+              <a:t> </a:t>
+            </a:r>
+            <a:r>
+              <a:rPr lang="en-US" dirty="0" err="1">
+                <a:latin typeface="Times New Roman" panose="02020603050405020304" pitchFamily="18" charset="0"/>
+                <a:cs typeface="Times New Roman" panose="02020603050405020304" pitchFamily="18" charset="0"/>
+              </a:rPr>
+              <a:t>xác</a:t>
+            </a:r>
+            <a:r>
+              <a:rPr lang="en-US" dirty="0">
+                <a:latin typeface="Times New Roman" panose="02020603050405020304" pitchFamily="18" charset="0"/>
+                <a:cs typeface="Times New Roman" panose="02020603050405020304" pitchFamily="18" charset="0"/>
+              </a:rPr>
+              <a:t> </a:t>
+            </a:r>
+            <a:r>
+              <a:rPr lang="en-US" dirty="0" err="1">
+                <a:latin typeface="Times New Roman" panose="02020603050405020304" pitchFamily="18" charset="0"/>
+                <a:cs typeface="Times New Roman" panose="02020603050405020304" pitchFamily="18" charset="0"/>
+              </a:rPr>
+              <a:t>thực</a:t>
+            </a:r>
+            <a:r>
+              <a:rPr lang="en-US" dirty="0">
+                <a:latin typeface="Times New Roman" panose="02020603050405020304" pitchFamily="18" charset="0"/>
+                <a:cs typeface="Times New Roman" panose="02020603050405020304" pitchFamily="18" charset="0"/>
+              </a:rPr>
+              <a:t> </a:t>
+            </a:r>
+            <a:r>
+              <a:rPr lang="en-US" dirty="0" err="1">
+                <a:latin typeface="Times New Roman" panose="02020603050405020304" pitchFamily="18" charset="0"/>
+                <a:cs typeface="Times New Roman" panose="02020603050405020304" pitchFamily="18" charset="0"/>
+              </a:rPr>
+              <a:t>thất</a:t>
+            </a:r>
+            <a:r>
+              <a:rPr lang="en-US" dirty="0">
+                <a:latin typeface="Times New Roman" panose="02020603050405020304" pitchFamily="18" charset="0"/>
+                <a:cs typeface="Times New Roman" panose="02020603050405020304" pitchFamily="18" charset="0"/>
+              </a:rPr>
+              <a:t> </a:t>
+            </a:r>
+            <a:r>
+              <a:rPr lang="en-US" dirty="0" err="1">
+                <a:latin typeface="Times New Roman" panose="02020603050405020304" pitchFamily="18" charset="0"/>
+                <a:cs typeface="Times New Roman" panose="02020603050405020304" pitchFamily="18" charset="0"/>
+              </a:rPr>
+              <a:t>bại</a:t>
             </a:r>
             <a:endParaRPr lang="en-US" dirty="0">
               <a:latin typeface="Times New Roman" panose="02020603050405020304" pitchFamily="18" charset="0"/>
@@ -6096,20 +7011,13 @@
     </p:spTree>
     <p:extLst>
       <p:ext uri="{BB962C8B-B14F-4D97-AF65-F5344CB8AC3E}">
-        <p14:creationId xmlns:p14="http://schemas.microsoft.com/office/powerpoint/2010/main" val="2016027935"/>
+        <p14:creationId xmlns:p14="http://schemas.microsoft.com/office/powerpoint/2010/main" val="398738479"/>
       </p:ext>
     </p:extLst>
   </p:cSld>
   <p:clrMapOvr>
     <a:masterClrMapping/>
   </p:clrMapOvr>
-  <p:timing>
-    <p:tnLst>
-      <p:par>
-        <p:cTn id="1" dur="indefinite" restart="never" nodeType="tmRoot"/>
-      </p:par>
-    </p:tnLst>
-  </p:timing>
 </p:sld>
 </file>
 
@@ -6140,1231 +7048,66 @@
             <p:ph type="title"/>
           </p:nvPr>
         </p:nvSpPr>
-        <p:spPr/>
+        <p:spPr>
+          <a:xfrm>
+            <a:off x="1097280" y="286603"/>
+            <a:ext cx="10058400" cy="875991"/>
+          </a:xfrm>
+        </p:spPr>
         <p:txBody>
           <a:bodyPr/>
           <a:lstStyle/>
           <a:p>
             <a:pPr algn="ctr"/>
             <a:r>
-              <a:rPr lang="en-US" dirty="0" smtClean="0">
-                <a:latin typeface="Times New Roman" panose="02020603050405020304" pitchFamily="18" charset="0"/>
-                <a:cs typeface="Times New Roman" panose="02020603050405020304" pitchFamily="18" charset="0"/>
-              </a:rPr>
-              <a:t>Spring security</a:t>
-            </a:r>
-            <a:endParaRPr lang="en-US" dirty="0">
-              <a:latin typeface="Times New Roman" panose="02020603050405020304" pitchFamily="18" charset="0"/>
-              <a:cs typeface="Times New Roman" panose="02020603050405020304" pitchFamily="18" charset="0"/>
-            </a:endParaRPr>
-          </a:p>
-        </p:txBody>
-      </p:sp>
-      <p:sp>
-        <p:nvSpPr>
-          <p:cNvPr id="3" name="Content Placeholder 2"/>
-          <p:cNvSpPr>
-            <a:spLocks noGrp="1"/>
-          </p:cNvSpPr>
+              <a:rPr lang="en-US" dirty="0">
+                <a:latin typeface="Times New Roman" panose="02020603050405020304" pitchFamily="18" charset="0"/>
+                <a:cs typeface="Times New Roman" panose="02020603050405020304" pitchFamily="18" charset="0"/>
+              </a:rPr>
+              <a:t>Activity diagram</a:t>
+            </a:r>
+          </a:p>
+        </p:txBody>
+      </p:sp>
+      <p:pic>
+        <p:nvPicPr>
+          <p:cNvPr id="5" name="Content Placeholder 4"/>
+          <p:cNvPicPr>
+            <a:picLocks noGrp="1" noChangeAspect="1"/>
+          </p:cNvPicPr>
           <p:nvPr>
             <p:ph idx="1"/>
           </p:nvPr>
-        </p:nvSpPr>
-        <p:spPr/>
-        <p:txBody>
-          <a:bodyPr>
-            <a:noAutofit/>
-          </a:bodyPr>
-          <a:lstStyle/>
-          <a:p>
-            <a:r>
-              <a:rPr lang="en-US" dirty="0" smtClean="0">
-                <a:latin typeface="Times New Roman" panose="02020603050405020304" pitchFamily="18" charset="0"/>
-                <a:cs typeface="Times New Roman" panose="02020603050405020304" pitchFamily="18" charset="0"/>
-              </a:rPr>
-              <a:t>- </a:t>
-            </a:r>
-            <a:r>
-              <a:rPr lang="en-US" dirty="0" err="1" smtClean="0">
-                <a:latin typeface="Times New Roman" panose="02020603050405020304" pitchFamily="18" charset="0"/>
-                <a:cs typeface="Times New Roman" panose="02020603050405020304" pitchFamily="18" charset="0"/>
-              </a:rPr>
-              <a:t>WebSecurityConfigurerAdapter</a:t>
-            </a:r>
-            <a:r>
-              <a:rPr lang="en-US" dirty="0" smtClean="0">
-                <a:latin typeface="Times New Roman" panose="02020603050405020304" pitchFamily="18" charset="0"/>
-                <a:cs typeface="Times New Roman" panose="02020603050405020304" pitchFamily="18" charset="0"/>
-              </a:rPr>
-              <a:t>: </a:t>
-            </a:r>
-            <a:r>
-              <a:rPr lang="en-US" dirty="0" err="1" smtClean="0">
-                <a:latin typeface="Times New Roman" panose="02020603050405020304" pitchFamily="18" charset="0"/>
-                <a:cs typeface="Times New Roman" panose="02020603050405020304" pitchFamily="18" charset="0"/>
-              </a:rPr>
-              <a:t>lớp</a:t>
-            </a:r>
-            <a:r>
-              <a:rPr lang="en-US" dirty="0" smtClean="0">
-                <a:latin typeface="Times New Roman" panose="02020603050405020304" pitchFamily="18" charset="0"/>
-                <a:cs typeface="Times New Roman" panose="02020603050405020304" pitchFamily="18" charset="0"/>
-              </a:rPr>
-              <a:t> </a:t>
-            </a:r>
-            <a:r>
-              <a:rPr lang="en-US" dirty="0" err="1" smtClean="0">
-                <a:latin typeface="Times New Roman" panose="02020603050405020304" pitchFamily="18" charset="0"/>
-                <a:cs typeface="Times New Roman" panose="02020603050405020304" pitchFamily="18" charset="0"/>
-              </a:rPr>
-              <a:t>cấu</a:t>
-            </a:r>
-            <a:r>
-              <a:rPr lang="en-US" dirty="0" smtClean="0">
-                <a:latin typeface="Times New Roman" panose="02020603050405020304" pitchFamily="18" charset="0"/>
-                <a:cs typeface="Times New Roman" panose="02020603050405020304" pitchFamily="18" charset="0"/>
-              </a:rPr>
-              <a:t> </a:t>
-            </a:r>
-            <a:r>
-              <a:rPr lang="en-US" dirty="0" err="1" smtClean="0">
-                <a:latin typeface="Times New Roman" panose="02020603050405020304" pitchFamily="18" charset="0"/>
-                <a:cs typeface="Times New Roman" panose="02020603050405020304" pitchFamily="18" charset="0"/>
-              </a:rPr>
-              <a:t>hình</a:t>
-            </a:r>
-            <a:r>
-              <a:rPr lang="en-US" dirty="0" smtClean="0">
-                <a:latin typeface="Times New Roman" panose="02020603050405020304" pitchFamily="18" charset="0"/>
-                <a:cs typeface="Times New Roman" panose="02020603050405020304" pitchFamily="18" charset="0"/>
-              </a:rPr>
-              <a:t> </a:t>
-            </a:r>
-            <a:r>
-              <a:rPr lang="en-US" dirty="0" err="1" smtClean="0">
-                <a:latin typeface="Times New Roman" panose="02020603050405020304" pitchFamily="18" charset="0"/>
-                <a:cs typeface="Times New Roman" panose="02020603050405020304" pitchFamily="18" charset="0"/>
-              </a:rPr>
-              <a:t>triển</a:t>
-            </a:r>
-            <a:r>
-              <a:rPr lang="en-US" dirty="0" smtClean="0">
-                <a:latin typeface="Times New Roman" panose="02020603050405020304" pitchFamily="18" charset="0"/>
-                <a:cs typeface="Times New Roman" panose="02020603050405020304" pitchFamily="18" charset="0"/>
-              </a:rPr>
-              <a:t> </a:t>
-            </a:r>
-            <a:r>
-              <a:rPr lang="en-US" dirty="0" err="1" smtClean="0">
-                <a:latin typeface="Times New Roman" panose="02020603050405020304" pitchFamily="18" charset="0"/>
-                <a:cs typeface="Times New Roman" panose="02020603050405020304" pitchFamily="18" charset="0"/>
-              </a:rPr>
-              <a:t>khai</a:t>
-            </a:r>
-            <a:r>
-              <a:rPr lang="en-US" dirty="0" smtClean="0">
-                <a:latin typeface="Times New Roman" panose="02020603050405020304" pitchFamily="18" charset="0"/>
-                <a:cs typeface="Times New Roman" panose="02020603050405020304" pitchFamily="18" charset="0"/>
-              </a:rPr>
-              <a:t> </a:t>
-            </a:r>
-            <a:r>
-              <a:rPr lang="en-US" dirty="0" err="1" smtClean="0">
-                <a:latin typeface="Times New Roman" panose="02020603050405020304" pitchFamily="18" charset="0"/>
-                <a:cs typeface="Times New Roman" panose="02020603050405020304" pitchFamily="18" charset="0"/>
-              </a:rPr>
-              <a:t>bảo</a:t>
-            </a:r>
-            <a:r>
-              <a:rPr lang="en-US" dirty="0" smtClean="0">
-                <a:latin typeface="Times New Roman" panose="02020603050405020304" pitchFamily="18" charset="0"/>
-                <a:cs typeface="Times New Roman" panose="02020603050405020304" pitchFamily="18" charset="0"/>
-              </a:rPr>
-              <a:t> </a:t>
-            </a:r>
-            <a:r>
-              <a:rPr lang="en-US" dirty="0" err="1" smtClean="0">
-                <a:latin typeface="Times New Roman" panose="02020603050405020304" pitchFamily="18" charset="0"/>
-                <a:cs typeface="Times New Roman" panose="02020603050405020304" pitchFamily="18" charset="0"/>
-              </a:rPr>
-              <a:t>mật</a:t>
-            </a:r>
-            <a:r>
-              <a:rPr lang="en-US" dirty="0" smtClean="0">
-                <a:latin typeface="Times New Roman" panose="02020603050405020304" pitchFamily="18" charset="0"/>
-                <a:cs typeface="Times New Roman" panose="02020603050405020304" pitchFamily="18" charset="0"/>
-              </a:rPr>
-              <a:t>: </a:t>
-            </a:r>
-            <a:r>
-              <a:rPr lang="en-US" dirty="0" err="1" smtClean="0">
-                <a:latin typeface="Times New Roman" panose="02020603050405020304" pitchFamily="18" charset="0"/>
-                <a:cs typeface="Times New Roman" panose="02020603050405020304" pitchFamily="18" charset="0"/>
-              </a:rPr>
-              <a:t>cấu</a:t>
-            </a:r>
-            <a:r>
-              <a:rPr lang="en-US" dirty="0" smtClean="0">
-                <a:latin typeface="Times New Roman" panose="02020603050405020304" pitchFamily="18" charset="0"/>
-                <a:cs typeface="Times New Roman" panose="02020603050405020304" pitchFamily="18" charset="0"/>
-              </a:rPr>
-              <a:t> </a:t>
-            </a:r>
-            <a:r>
-              <a:rPr lang="en-US" dirty="0" err="1" smtClean="0">
-                <a:latin typeface="Times New Roman" panose="02020603050405020304" pitchFamily="18" charset="0"/>
-                <a:cs typeface="Times New Roman" panose="02020603050405020304" pitchFamily="18" charset="0"/>
-              </a:rPr>
-              <a:t>hình</a:t>
-            </a:r>
-            <a:r>
-              <a:rPr lang="en-US" dirty="0" smtClean="0">
-                <a:latin typeface="Times New Roman" panose="02020603050405020304" pitchFamily="18" charset="0"/>
-                <a:cs typeface="Times New Roman" panose="02020603050405020304" pitchFamily="18" charset="0"/>
-              </a:rPr>
-              <a:t> </a:t>
-            </a:r>
-            <a:r>
-              <a:rPr lang="en-US" dirty="0" err="1">
-                <a:latin typeface="Times New Roman" panose="02020603050405020304" pitchFamily="18" charset="0"/>
-                <a:cs typeface="Times New Roman" panose="02020603050405020304" pitchFamily="18" charset="0"/>
-              </a:rPr>
-              <a:t>c</a:t>
-            </a:r>
-            <a:r>
-              <a:rPr lang="en-US" dirty="0" err="1" smtClean="0">
-                <a:latin typeface="Times New Roman" panose="02020603050405020304" pitchFamily="18" charset="0"/>
-                <a:cs typeface="Times New Roman" panose="02020603050405020304" pitchFamily="18" charset="0"/>
-              </a:rPr>
-              <a:t>ors</a:t>
-            </a:r>
-            <a:r>
-              <a:rPr lang="en-US" dirty="0" smtClean="0">
-                <a:latin typeface="Times New Roman" panose="02020603050405020304" pitchFamily="18" charset="0"/>
-                <a:cs typeface="Times New Roman" panose="02020603050405020304" pitchFamily="18" charset="0"/>
-              </a:rPr>
-              <a:t>, </a:t>
-            </a:r>
-            <a:r>
-              <a:rPr lang="en-US" dirty="0" err="1" smtClean="0">
-                <a:latin typeface="Times New Roman" panose="02020603050405020304" pitchFamily="18" charset="0"/>
-                <a:cs typeface="Times New Roman" panose="02020603050405020304" pitchFamily="18" charset="0"/>
-              </a:rPr>
-              <a:t>csrf</a:t>
-            </a:r>
-            <a:r>
-              <a:rPr lang="en-US" dirty="0" smtClean="0">
-                <a:latin typeface="Times New Roman" panose="02020603050405020304" pitchFamily="18" charset="0"/>
-                <a:cs typeface="Times New Roman" panose="02020603050405020304" pitchFamily="18" charset="0"/>
-              </a:rPr>
-              <a:t>, </a:t>
-            </a:r>
-            <a:r>
-              <a:rPr lang="en-US" dirty="0" err="1" smtClean="0">
-                <a:latin typeface="Times New Roman" panose="02020603050405020304" pitchFamily="18" charset="0"/>
-                <a:cs typeface="Times New Roman" panose="02020603050405020304" pitchFamily="18" charset="0"/>
-              </a:rPr>
-              <a:t>quản</a:t>
-            </a:r>
-            <a:r>
-              <a:rPr lang="en-US" dirty="0" smtClean="0">
-                <a:latin typeface="Times New Roman" panose="02020603050405020304" pitchFamily="18" charset="0"/>
-                <a:cs typeface="Times New Roman" panose="02020603050405020304" pitchFamily="18" charset="0"/>
-              </a:rPr>
-              <a:t> </a:t>
-            </a:r>
-            <a:r>
-              <a:rPr lang="en-US" dirty="0" err="1" smtClean="0">
-                <a:latin typeface="Times New Roman" panose="02020603050405020304" pitchFamily="18" charset="0"/>
-                <a:cs typeface="Times New Roman" panose="02020603050405020304" pitchFamily="18" charset="0"/>
-              </a:rPr>
-              <a:t>lý</a:t>
-            </a:r>
-            <a:r>
-              <a:rPr lang="en-US" dirty="0" smtClean="0">
-                <a:latin typeface="Times New Roman" panose="02020603050405020304" pitchFamily="18" charset="0"/>
-                <a:cs typeface="Times New Roman" panose="02020603050405020304" pitchFamily="18" charset="0"/>
-              </a:rPr>
-              <a:t> </a:t>
-            </a:r>
-            <a:r>
-              <a:rPr lang="en-US" dirty="0" err="1" smtClean="0">
-                <a:latin typeface="Times New Roman" panose="02020603050405020304" pitchFamily="18" charset="0"/>
-                <a:cs typeface="Times New Roman" panose="02020603050405020304" pitchFamily="18" charset="0"/>
-              </a:rPr>
-              <a:t>phiên</a:t>
-            </a:r>
-            <a:r>
-              <a:rPr lang="en-US" dirty="0" smtClean="0">
-                <a:latin typeface="Times New Roman" panose="02020603050405020304" pitchFamily="18" charset="0"/>
-                <a:cs typeface="Times New Roman" panose="02020603050405020304" pitchFamily="18" charset="0"/>
-              </a:rPr>
-              <a:t>, …</a:t>
-            </a:r>
-          </a:p>
-          <a:p>
-            <a:r>
-              <a:rPr lang="en-US" dirty="0" smtClean="0">
-                <a:latin typeface="Times New Roman" panose="02020603050405020304" pitchFamily="18" charset="0"/>
-                <a:cs typeface="Times New Roman" panose="02020603050405020304" pitchFamily="18" charset="0"/>
-              </a:rPr>
-              <a:t>- </a:t>
-            </a:r>
-            <a:r>
-              <a:rPr lang="en-US" dirty="0" err="1" smtClean="0">
-                <a:latin typeface="Times New Roman" panose="02020603050405020304" pitchFamily="18" charset="0"/>
-                <a:cs typeface="Times New Roman" panose="02020603050405020304" pitchFamily="18" charset="0"/>
-              </a:rPr>
-              <a:t>UserDetailService</a:t>
-            </a:r>
-            <a:r>
-              <a:rPr lang="en-US" dirty="0" smtClean="0">
-                <a:latin typeface="Times New Roman" panose="02020603050405020304" pitchFamily="18" charset="0"/>
-                <a:cs typeface="Times New Roman" panose="02020603050405020304" pitchFamily="18" charset="0"/>
-              </a:rPr>
-              <a:t>: </a:t>
-            </a:r>
-            <a:r>
-              <a:rPr lang="en-US" dirty="0" err="1" smtClean="0">
-                <a:latin typeface="Times New Roman" panose="02020603050405020304" pitchFamily="18" charset="0"/>
-                <a:cs typeface="Times New Roman" panose="02020603050405020304" pitchFamily="18" charset="0"/>
-              </a:rPr>
-              <a:t>sử</a:t>
-            </a:r>
-            <a:r>
-              <a:rPr lang="en-US" dirty="0" smtClean="0">
-                <a:latin typeface="Times New Roman" panose="02020603050405020304" pitchFamily="18" charset="0"/>
-                <a:cs typeface="Times New Roman" panose="02020603050405020304" pitchFamily="18" charset="0"/>
-              </a:rPr>
-              <a:t> </a:t>
-            </a:r>
-            <a:r>
-              <a:rPr lang="en-US" dirty="0" err="1" smtClean="0">
-                <a:latin typeface="Times New Roman" panose="02020603050405020304" pitchFamily="18" charset="0"/>
-                <a:cs typeface="Times New Roman" panose="02020603050405020304" pitchFamily="18" charset="0"/>
-              </a:rPr>
-              <a:t>dụng</a:t>
-            </a:r>
-            <a:r>
-              <a:rPr lang="en-US" dirty="0" smtClean="0">
-                <a:latin typeface="Times New Roman" panose="02020603050405020304" pitchFamily="18" charset="0"/>
-                <a:cs typeface="Times New Roman" panose="02020603050405020304" pitchFamily="18" charset="0"/>
-              </a:rPr>
-              <a:t> username </a:t>
-            </a:r>
-            <a:r>
-              <a:rPr lang="en-US" dirty="0" err="1" smtClean="0">
-                <a:latin typeface="Times New Roman" panose="02020603050405020304" pitchFamily="18" charset="0"/>
-                <a:cs typeface="Times New Roman" panose="02020603050405020304" pitchFamily="18" charset="0"/>
-              </a:rPr>
-              <a:t>và</a:t>
-            </a:r>
-            <a:r>
-              <a:rPr lang="en-US" dirty="0" smtClean="0">
-                <a:latin typeface="Times New Roman" panose="02020603050405020304" pitchFamily="18" charset="0"/>
-                <a:cs typeface="Times New Roman" panose="02020603050405020304" pitchFamily="18" charset="0"/>
-              </a:rPr>
-              <a:t> </a:t>
-            </a:r>
-            <a:r>
-              <a:rPr lang="en-US" dirty="0" err="1" smtClean="0">
-                <a:latin typeface="Times New Roman" panose="02020603050405020304" pitchFamily="18" charset="0"/>
-                <a:cs typeface="Times New Roman" panose="02020603050405020304" pitchFamily="18" charset="0"/>
-              </a:rPr>
-              <a:t>phương</a:t>
-            </a:r>
-            <a:r>
-              <a:rPr lang="en-US" dirty="0" smtClean="0">
-                <a:latin typeface="Times New Roman" panose="02020603050405020304" pitchFamily="18" charset="0"/>
-                <a:cs typeface="Times New Roman" panose="02020603050405020304" pitchFamily="18" charset="0"/>
-              </a:rPr>
-              <a:t> </a:t>
-            </a:r>
-            <a:r>
-              <a:rPr lang="en-US" dirty="0" err="1" smtClean="0">
-                <a:latin typeface="Times New Roman" panose="02020603050405020304" pitchFamily="18" charset="0"/>
-                <a:cs typeface="Times New Roman" panose="02020603050405020304" pitchFamily="18" charset="0"/>
-              </a:rPr>
-              <a:t>thức</a:t>
-            </a:r>
-            <a:r>
-              <a:rPr lang="en-US" dirty="0" smtClean="0">
-                <a:latin typeface="Times New Roman" panose="02020603050405020304" pitchFamily="18" charset="0"/>
-                <a:cs typeface="Times New Roman" panose="02020603050405020304" pitchFamily="18" charset="0"/>
-              </a:rPr>
-              <a:t> </a:t>
-            </a:r>
-            <a:r>
-              <a:rPr lang="en-US" dirty="0" err="1" smtClean="0">
-                <a:latin typeface="Times New Roman" panose="02020603050405020304" pitchFamily="18" charset="0"/>
-                <a:cs typeface="Times New Roman" panose="02020603050405020304" pitchFamily="18" charset="0"/>
-              </a:rPr>
-              <a:t>loadUserByUsername</a:t>
-            </a:r>
-            <a:r>
-              <a:rPr lang="en-US" dirty="0" smtClean="0">
-                <a:latin typeface="Times New Roman" panose="02020603050405020304" pitchFamily="18" charset="0"/>
-                <a:cs typeface="Times New Roman" panose="02020603050405020304" pitchFamily="18" charset="0"/>
-              </a:rPr>
-              <a:t> </a:t>
-            </a:r>
-            <a:r>
-              <a:rPr lang="en-US" dirty="0" err="1" smtClean="0">
-                <a:latin typeface="Times New Roman" panose="02020603050405020304" pitchFamily="18" charset="0"/>
-                <a:cs typeface="Times New Roman" panose="02020603050405020304" pitchFamily="18" charset="0"/>
-              </a:rPr>
-              <a:t>để</a:t>
-            </a:r>
-            <a:r>
-              <a:rPr lang="en-US" dirty="0" smtClean="0">
-                <a:latin typeface="Times New Roman" panose="02020603050405020304" pitchFamily="18" charset="0"/>
-                <a:cs typeface="Times New Roman" panose="02020603050405020304" pitchFamily="18" charset="0"/>
-              </a:rPr>
-              <a:t> </a:t>
-            </a:r>
-            <a:r>
-              <a:rPr lang="en-US" dirty="0" err="1" smtClean="0">
-                <a:latin typeface="Times New Roman" panose="02020603050405020304" pitchFamily="18" charset="0"/>
-                <a:cs typeface="Times New Roman" panose="02020603050405020304" pitchFamily="18" charset="0"/>
-              </a:rPr>
-              <a:t>trả</a:t>
-            </a:r>
-            <a:r>
-              <a:rPr lang="en-US" dirty="0" smtClean="0">
-                <a:latin typeface="Times New Roman" panose="02020603050405020304" pitchFamily="18" charset="0"/>
-                <a:cs typeface="Times New Roman" panose="02020603050405020304" pitchFamily="18" charset="0"/>
-              </a:rPr>
-              <a:t> </a:t>
-            </a:r>
-            <a:r>
-              <a:rPr lang="en-US" dirty="0" err="1" smtClean="0">
-                <a:latin typeface="Times New Roman" panose="02020603050405020304" pitchFamily="18" charset="0"/>
-                <a:cs typeface="Times New Roman" panose="02020603050405020304" pitchFamily="18" charset="0"/>
-              </a:rPr>
-              <a:t>về</a:t>
-            </a:r>
-            <a:r>
-              <a:rPr lang="en-US" dirty="0" smtClean="0">
-                <a:latin typeface="Times New Roman" panose="02020603050405020304" pitchFamily="18" charset="0"/>
-                <a:cs typeface="Times New Roman" panose="02020603050405020304" pitchFamily="18" charset="0"/>
-              </a:rPr>
-              <a:t> </a:t>
-            </a:r>
-            <a:r>
-              <a:rPr lang="en-US" dirty="0" err="1" smtClean="0">
-                <a:latin typeface="Times New Roman" panose="02020603050405020304" pitchFamily="18" charset="0"/>
-                <a:cs typeface="Times New Roman" panose="02020603050405020304" pitchFamily="18" charset="0"/>
-              </a:rPr>
-              <a:t>một</a:t>
-            </a:r>
-            <a:r>
-              <a:rPr lang="en-US" dirty="0" smtClean="0">
-                <a:latin typeface="Times New Roman" panose="02020603050405020304" pitchFamily="18" charset="0"/>
-                <a:cs typeface="Times New Roman" panose="02020603050405020304" pitchFamily="18" charset="0"/>
-              </a:rPr>
-              <a:t> </a:t>
-            </a:r>
-            <a:r>
-              <a:rPr lang="en-US" dirty="0" err="1" smtClean="0">
-                <a:latin typeface="Times New Roman" panose="02020603050405020304" pitchFamily="18" charset="0"/>
-                <a:cs typeface="Times New Roman" panose="02020603050405020304" pitchFamily="18" charset="0"/>
-              </a:rPr>
-              <a:t>đối</a:t>
-            </a:r>
-            <a:r>
-              <a:rPr lang="en-US" dirty="0" smtClean="0">
-                <a:latin typeface="Times New Roman" panose="02020603050405020304" pitchFamily="18" charset="0"/>
-                <a:cs typeface="Times New Roman" panose="02020603050405020304" pitchFamily="18" charset="0"/>
-              </a:rPr>
-              <a:t> </a:t>
-            </a:r>
-            <a:r>
-              <a:rPr lang="en-US" dirty="0" err="1" smtClean="0">
-                <a:latin typeface="Times New Roman" panose="02020603050405020304" pitchFamily="18" charset="0"/>
-                <a:cs typeface="Times New Roman" panose="02020603050405020304" pitchFamily="18" charset="0"/>
-              </a:rPr>
-              <a:t>tượng</a:t>
-            </a:r>
-            <a:r>
-              <a:rPr lang="en-US" dirty="0" smtClean="0">
-                <a:latin typeface="Times New Roman" panose="02020603050405020304" pitchFamily="18" charset="0"/>
-                <a:cs typeface="Times New Roman" panose="02020603050405020304" pitchFamily="18" charset="0"/>
-              </a:rPr>
-              <a:t> </a:t>
-            </a:r>
-            <a:r>
-              <a:rPr lang="en-US" dirty="0" err="1" smtClean="0">
-                <a:latin typeface="Times New Roman" panose="02020603050405020304" pitchFamily="18" charset="0"/>
-                <a:cs typeface="Times New Roman" panose="02020603050405020304" pitchFamily="18" charset="0"/>
-              </a:rPr>
-              <a:t>UserDetails</a:t>
-            </a:r>
-            <a:r>
-              <a:rPr lang="en-US" dirty="0" smtClean="0">
-                <a:latin typeface="Times New Roman" panose="02020603050405020304" pitchFamily="18" charset="0"/>
-                <a:cs typeface="Times New Roman" panose="02020603050405020304" pitchFamily="18" charset="0"/>
-              </a:rPr>
-              <a:t> </a:t>
-            </a:r>
-            <a:r>
-              <a:rPr lang="en-US" dirty="0" err="1" smtClean="0">
-                <a:latin typeface="Times New Roman" panose="02020603050405020304" pitchFamily="18" charset="0"/>
-                <a:cs typeface="Times New Roman" panose="02020603050405020304" pitchFamily="18" charset="0"/>
-              </a:rPr>
-              <a:t>để</a:t>
-            </a:r>
-            <a:r>
-              <a:rPr lang="en-US" dirty="0" smtClean="0">
-                <a:latin typeface="Times New Roman" panose="02020603050405020304" pitchFamily="18" charset="0"/>
-                <a:cs typeface="Times New Roman" panose="02020603050405020304" pitchFamily="18" charset="0"/>
-              </a:rPr>
-              <a:t> spring security </a:t>
-            </a:r>
-            <a:r>
-              <a:rPr lang="en-US" dirty="0" err="1" smtClean="0">
-                <a:latin typeface="Times New Roman" panose="02020603050405020304" pitchFamily="18" charset="0"/>
-                <a:cs typeface="Times New Roman" panose="02020603050405020304" pitchFamily="18" charset="0"/>
-              </a:rPr>
-              <a:t>sử</a:t>
-            </a:r>
-            <a:r>
-              <a:rPr lang="en-US" dirty="0" smtClean="0">
-                <a:latin typeface="Times New Roman" panose="02020603050405020304" pitchFamily="18" charset="0"/>
-                <a:cs typeface="Times New Roman" panose="02020603050405020304" pitchFamily="18" charset="0"/>
-              </a:rPr>
-              <a:t> </a:t>
-            </a:r>
-            <a:r>
-              <a:rPr lang="en-US" dirty="0" err="1" smtClean="0">
-                <a:latin typeface="Times New Roman" panose="02020603050405020304" pitchFamily="18" charset="0"/>
-                <a:cs typeface="Times New Roman" panose="02020603050405020304" pitchFamily="18" charset="0"/>
-              </a:rPr>
-              <a:t>dụng</a:t>
-            </a:r>
-            <a:r>
-              <a:rPr lang="en-US" dirty="0" smtClean="0">
-                <a:latin typeface="Times New Roman" panose="02020603050405020304" pitchFamily="18" charset="0"/>
-                <a:cs typeface="Times New Roman" panose="02020603050405020304" pitchFamily="18" charset="0"/>
-              </a:rPr>
-              <a:t> </a:t>
-            </a:r>
-            <a:r>
-              <a:rPr lang="en-US" dirty="0" err="1" smtClean="0">
-                <a:latin typeface="Times New Roman" panose="02020603050405020304" pitchFamily="18" charset="0"/>
-                <a:cs typeface="Times New Roman" panose="02020603050405020304" pitchFamily="18" charset="0"/>
-              </a:rPr>
-              <a:t>để</a:t>
-            </a:r>
-            <a:r>
-              <a:rPr lang="en-US" dirty="0" smtClean="0">
-                <a:latin typeface="Times New Roman" panose="02020603050405020304" pitchFamily="18" charset="0"/>
-                <a:cs typeface="Times New Roman" panose="02020603050405020304" pitchFamily="18" charset="0"/>
-              </a:rPr>
-              <a:t> </a:t>
-            </a:r>
-            <a:r>
-              <a:rPr lang="en-US" dirty="0" err="1" smtClean="0">
-                <a:latin typeface="Times New Roman" panose="02020603050405020304" pitchFamily="18" charset="0"/>
-                <a:cs typeface="Times New Roman" panose="02020603050405020304" pitchFamily="18" charset="0"/>
-              </a:rPr>
-              <a:t>xác</a:t>
-            </a:r>
-            <a:r>
-              <a:rPr lang="en-US" dirty="0" smtClean="0">
-                <a:latin typeface="Times New Roman" panose="02020603050405020304" pitchFamily="18" charset="0"/>
-                <a:cs typeface="Times New Roman" panose="02020603050405020304" pitchFamily="18" charset="0"/>
-              </a:rPr>
-              <a:t> </a:t>
-            </a:r>
-            <a:r>
-              <a:rPr lang="en-US" dirty="0" err="1" smtClean="0">
-                <a:latin typeface="Times New Roman" panose="02020603050405020304" pitchFamily="18" charset="0"/>
-                <a:cs typeface="Times New Roman" panose="02020603050405020304" pitchFamily="18" charset="0"/>
-              </a:rPr>
-              <a:t>thực</a:t>
-            </a:r>
-            <a:r>
-              <a:rPr lang="en-US" dirty="0" smtClean="0">
-                <a:latin typeface="Times New Roman" panose="02020603050405020304" pitchFamily="18" charset="0"/>
-                <a:cs typeface="Times New Roman" panose="02020603050405020304" pitchFamily="18" charset="0"/>
-              </a:rPr>
-              <a:t>.</a:t>
-            </a:r>
-          </a:p>
-          <a:p>
-            <a:r>
-              <a:rPr lang="en-US" dirty="0" smtClean="0">
-                <a:latin typeface="Times New Roman" panose="02020603050405020304" pitchFamily="18" charset="0"/>
-                <a:cs typeface="Times New Roman" panose="02020603050405020304" pitchFamily="18" charset="0"/>
-              </a:rPr>
-              <a:t>- </a:t>
-            </a:r>
-            <a:r>
-              <a:rPr lang="en-US" dirty="0" err="1" smtClean="0">
-                <a:latin typeface="Times New Roman" panose="02020603050405020304" pitchFamily="18" charset="0"/>
-                <a:cs typeface="Times New Roman" panose="02020603050405020304" pitchFamily="18" charset="0"/>
-              </a:rPr>
-              <a:t>UserDetails</a:t>
-            </a:r>
-            <a:r>
-              <a:rPr lang="en-US" dirty="0" smtClean="0">
-                <a:latin typeface="Times New Roman" panose="02020603050405020304" pitchFamily="18" charset="0"/>
-                <a:cs typeface="Times New Roman" panose="02020603050405020304" pitchFamily="18" charset="0"/>
-              </a:rPr>
-              <a:t>: </a:t>
-            </a:r>
-            <a:r>
-              <a:rPr lang="en-US" dirty="0" err="1" smtClean="0">
-                <a:latin typeface="Times New Roman" panose="02020603050405020304" pitchFamily="18" charset="0"/>
-                <a:cs typeface="Times New Roman" panose="02020603050405020304" pitchFamily="18" charset="0"/>
-              </a:rPr>
-              <a:t>chứa</a:t>
-            </a:r>
-            <a:r>
-              <a:rPr lang="en-US" dirty="0" smtClean="0">
-                <a:latin typeface="Times New Roman" panose="02020603050405020304" pitchFamily="18" charset="0"/>
-                <a:cs typeface="Times New Roman" panose="02020603050405020304" pitchFamily="18" charset="0"/>
-              </a:rPr>
-              <a:t> </a:t>
-            </a:r>
-            <a:r>
-              <a:rPr lang="en-US" dirty="0" err="1" smtClean="0">
-                <a:latin typeface="Times New Roman" panose="02020603050405020304" pitchFamily="18" charset="0"/>
-                <a:cs typeface="Times New Roman" panose="02020603050405020304" pitchFamily="18" charset="0"/>
-              </a:rPr>
-              <a:t>những</a:t>
-            </a:r>
-            <a:r>
-              <a:rPr lang="en-US" dirty="0" smtClean="0">
-                <a:latin typeface="Times New Roman" panose="02020603050405020304" pitchFamily="18" charset="0"/>
-                <a:cs typeface="Times New Roman" panose="02020603050405020304" pitchFamily="18" charset="0"/>
-              </a:rPr>
-              <a:t> </a:t>
-            </a:r>
-            <a:r>
-              <a:rPr lang="en-US" dirty="0" err="1" smtClean="0">
-                <a:latin typeface="Times New Roman" panose="02020603050405020304" pitchFamily="18" charset="0"/>
-                <a:cs typeface="Times New Roman" panose="02020603050405020304" pitchFamily="18" charset="0"/>
-              </a:rPr>
-              <a:t>thông</a:t>
-            </a:r>
-            <a:r>
-              <a:rPr lang="en-US" dirty="0" smtClean="0">
-                <a:latin typeface="Times New Roman" panose="02020603050405020304" pitchFamily="18" charset="0"/>
-                <a:cs typeface="Times New Roman" panose="02020603050405020304" pitchFamily="18" charset="0"/>
-              </a:rPr>
-              <a:t> tin (username, password, enable, </a:t>
-            </a:r>
-            <a:r>
-              <a:rPr lang="en-US" dirty="0" err="1" smtClean="0">
-                <a:latin typeface="Times New Roman" panose="02020603050405020304" pitchFamily="18" charset="0"/>
-                <a:cs typeface="Times New Roman" panose="02020603050405020304" pitchFamily="18" charset="0"/>
-              </a:rPr>
-              <a:t>accountNonExpired</a:t>
-            </a:r>
-            <a:r>
-              <a:rPr lang="en-US" dirty="0" smtClean="0">
-                <a:latin typeface="Times New Roman" panose="02020603050405020304" pitchFamily="18" charset="0"/>
-                <a:cs typeface="Times New Roman" panose="02020603050405020304" pitchFamily="18" charset="0"/>
-              </a:rPr>
-              <a:t>, </a:t>
-            </a:r>
-            <a:r>
-              <a:rPr lang="en-US" dirty="0" err="1" smtClean="0">
-                <a:latin typeface="Times New Roman" panose="02020603050405020304" pitchFamily="18" charset="0"/>
-                <a:cs typeface="Times New Roman" panose="02020603050405020304" pitchFamily="18" charset="0"/>
-              </a:rPr>
-              <a:t>credentialsNonExpired</a:t>
-            </a:r>
-            <a:r>
-              <a:rPr lang="en-US" dirty="0" smtClean="0">
-                <a:latin typeface="Times New Roman" panose="02020603050405020304" pitchFamily="18" charset="0"/>
-                <a:cs typeface="Times New Roman" panose="02020603050405020304" pitchFamily="18" charset="0"/>
-              </a:rPr>
-              <a:t>, </a:t>
-            </a:r>
-            <a:r>
-              <a:rPr lang="en-US" dirty="0" err="1" smtClean="0">
-                <a:latin typeface="Times New Roman" panose="02020603050405020304" pitchFamily="18" charset="0"/>
-                <a:cs typeface="Times New Roman" panose="02020603050405020304" pitchFamily="18" charset="0"/>
-              </a:rPr>
-              <a:t>accountNonLocked</a:t>
-            </a:r>
-            <a:r>
-              <a:rPr lang="en-US" dirty="0" smtClean="0">
-                <a:latin typeface="Times New Roman" panose="02020603050405020304" pitchFamily="18" charset="0"/>
-                <a:cs typeface="Times New Roman" panose="02020603050405020304" pitchFamily="18" charset="0"/>
-              </a:rPr>
-              <a:t>, authorities)</a:t>
-            </a:r>
-          </a:p>
-          <a:p>
-            <a:r>
-              <a:rPr lang="en-US" dirty="0" smtClean="0">
-                <a:latin typeface="Times New Roman" panose="02020603050405020304" pitchFamily="18" charset="0"/>
-                <a:cs typeface="Times New Roman" panose="02020603050405020304" pitchFamily="18" charset="0"/>
-              </a:rPr>
-              <a:t>- </a:t>
-            </a:r>
-            <a:r>
-              <a:rPr lang="en-US" dirty="0" err="1" smtClean="0">
-                <a:latin typeface="Times New Roman" panose="02020603050405020304" pitchFamily="18" charset="0"/>
-                <a:cs typeface="Times New Roman" panose="02020603050405020304" pitchFamily="18" charset="0"/>
-              </a:rPr>
-              <a:t>UsernamePasswordAuthenticationToken</a:t>
-            </a:r>
-            <a:r>
-              <a:rPr lang="en-US" dirty="0" smtClean="0">
-                <a:latin typeface="Times New Roman" panose="02020603050405020304" pitchFamily="18" charset="0"/>
-                <a:cs typeface="Times New Roman" panose="02020603050405020304" pitchFamily="18" charset="0"/>
-              </a:rPr>
-              <a:t>: </a:t>
-            </a:r>
-            <a:r>
-              <a:rPr lang="en-US" dirty="0" err="1" smtClean="0">
-                <a:latin typeface="Times New Roman" panose="02020603050405020304" pitchFamily="18" charset="0"/>
-                <a:cs typeface="Times New Roman" panose="02020603050405020304" pitchFamily="18" charset="0"/>
-              </a:rPr>
-              <a:t>chứa</a:t>
-            </a:r>
-            <a:r>
-              <a:rPr lang="en-US" dirty="0" smtClean="0">
-                <a:latin typeface="Times New Roman" panose="02020603050405020304" pitchFamily="18" charset="0"/>
-                <a:cs typeface="Times New Roman" panose="02020603050405020304" pitchFamily="18" charset="0"/>
-              </a:rPr>
-              <a:t> </a:t>
-            </a:r>
-            <a:r>
-              <a:rPr lang="en-US" dirty="0" err="1" smtClean="0">
-                <a:latin typeface="Times New Roman" panose="02020603050405020304" pitchFamily="18" charset="0"/>
-                <a:cs typeface="Times New Roman" panose="02020603050405020304" pitchFamily="18" charset="0"/>
-              </a:rPr>
-              <a:t>thông</a:t>
-            </a:r>
-            <a:r>
-              <a:rPr lang="en-US" dirty="0" smtClean="0">
-                <a:latin typeface="Times New Roman" panose="02020603050405020304" pitchFamily="18" charset="0"/>
-                <a:cs typeface="Times New Roman" panose="02020603050405020304" pitchFamily="18" charset="0"/>
-              </a:rPr>
-              <a:t> tin username, password</a:t>
-            </a:r>
-          </a:p>
-          <a:p>
-            <a:r>
-              <a:rPr lang="en-US" dirty="0" smtClean="0">
-                <a:latin typeface="Times New Roman" panose="02020603050405020304" pitchFamily="18" charset="0"/>
-                <a:cs typeface="Times New Roman" panose="02020603050405020304" pitchFamily="18" charset="0"/>
-              </a:rPr>
-              <a:t>- </a:t>
-            </a:r>
-            <a:r>
-              <a:rPr lang="en-US" dirty="0" err="1" smtClean="0">
-                <a:latin typeface="Times New Roman" panose="02020603050405020304" pitchFamily="18" charset="0"/>
-                <a:cs typeface="Times New Roman" panose="02020603050405020304" pitchFamily="18" charset="0"/>
-              </a:rPr>
-              <a:t>AuthenticationManager</a:t>
-            </a:r>
-            <a:r>
-              <a:rPr lang="en-US" dirty="0" smtClean="0">
-                <a:latin typeface="Times New Roman" panose="02020603050405020304" pitchFamily="18" charset="0"/>
-                <a:cs typeface="Times New Roman" panose="02020603050405020304" pitchFamily="18" charset="0"/>
-              </a:rPr>
-              <a:t>: </a:t>
-            </a:r>
-            <a:r>
-              <a:rPr lang="en-US" dirty="0" err="1" smtClean="0">
-                <a:latin typeface="Times New Roman" panose="02020603050405020304" pitchFamily="18" charset="0"/>
-                <a:cs typeface="Times New Roman" panose="02020603050405020304" pitchFamily="18" charset="0"/>
-              </a:rPr>
-              <a:t>sử</a:t>
-            </a:r>
-            <a:r>
-              <a:rPr lang="en-US" dirty="0" smtClean="0">
-                <a:latin typeface="Times New Roman" panose="02020603050405020304" pitchFamily="18" charset="0"/>
-                <a:cs typeface="Times New Roman" panose="02020603050405020304" pitchFamily="18" charset="0"/>
-              </a:rPr>
-              <a:t> </a:t>
-            </a:r>
-            <a:r>
-              <a:rPr lang="en-US" dirty="0" err="1" smtClean="0">
-                <a:latin typeface="Times New Roman" panose="02020603050405020304" pitchFamily="18" charset="0"/>
-                <a:cs typeface="Times New Roman" panose="02020603050405020304" pitchFamily="18" charset="0"/>
-              </a:rPr>
-              <a:t>dụng</a:t>
-            </a:r>
-            <a:r>
-              <a:rPr lang="en-US" dirty="0" smtClean="0">
-                <a:latin typeface="Times New Roman" panose="02020603050405020304" pitchFamily="18" charset="0"/>
-                <a:cs typeface="Times New Roman" panose="02020603050405020304" pitchFamily="18" charset="0"/>
-              </a:rPr>
-              <a:t> </a:t>
-            </a:r>
-            <a:r>
-              <a:rPr lang="en-US" dirty="0" err="1" smtClean="0">
-                <a:latin typeface="Times New Roman" panose="02020603050405020304" pitchFamily="18" charset="0"/>
-                <a:cs typeface="Times New Roman" panose="02020603050405020304" pitchFamily="18" charset="0"/>
-              </a:rPr>
-              <a:t>UserDetailsService</a:t>
-            </a:r>
-            <a:r>
-              <a:rPr lang="en-US" dirty="0" smtClean="0">
-                <a:latin typeface="Times New Roman" panose="02020603050405020304" pitchFamily="18" charset="0"/>
-                <a:cs typeface="Times New Roman" panose="02020603050405020304" pitchFamily="18" charset="0"/>
-              </a:rPr>
-              <a:t> </a:t>
-            </a:r>
-            <a:r>
-              <a:rPr lang="en-US" dirty="0" err="1" smtClean="0">
-                <a:latin typeface="Times New Roman" panose="02020603050405020304" pitchFamily="18" charset="0"/>
-                <a:cs typeface="Times New Roman" panose="02020603050405020304" pitchFamily="18" charset="0"/>
-              </a:rPr>
-              <a:t>và</a:t>
-            </a:r>
-            <a:r>
-              <a:rPr lang="en-US" dirty="0" smtClean="0">
-                <a:latin typeface="Times New Roman" panose="02020603050405020304" pitchFamily="18" charset="0"/>
-                <a:cs typeface="Times New Roman" panose="02020603050405020304" pitchFamily="18" charset="0"/>
-              </a:rPr>
-              <a:t> </a:t>
-            </a:r>
-            <a:r>
-              <a:rPr lang="en-US" dirty="0" err="1" smtClean="0">
-                <a:latin typeface="Times New Roman" panose="02020603050405020304" pitchFamily="18" charset="0"/>
-                <a:cs typeface="Times New Roman" panose="02020603050405020304" pitchFamily="18" charset="0"/>
-              </a:rPr>
-              <a:t>PasswordEncoder</a:t>
-            </a:r>
-            <a:r>
-              <a:rPr lang="en-US" dirty="0" smtClean="0">
-                <a:latin typeface="Times New Roman" panose="02020603050405020304" pitchFamily="18" charset="0"/>
-                <a:cs typeface="Times New Roman" panose="02020603050405020304" pitchFamily="18" charset="0"/>
-              </a:rPr>
-              <a:t> </a:t>
-            </a:r>
-            <a:r>
-              <a:rPr lang="en-US" dirty="0" err="1" smtClean="0">
-                <a:latin typeface="Times New Roman" panose="02020603050405020304" pitchFamily="18" charset="0"/>
-                <a:cs typeface="Times New Roman" panose="02020603050405020304" pitchFamily="18" charset="0"/>
-              </a:rPr>
-              <a:t>xác</a:t>
-            </a:r>
-            <a:r>
-              <a:rPr lang="en-US" dirty="0" smtClean="0">
-                <a:latin typeface="Times New Roman" panose="02020603050405020304" pitchFamily="18" charset="0"/>
-                <a:cs typeface="Times New Roman" panose="02020603050405020304" pitchFamily="18" charset="0"/>
-              </a:rPr>
-              <a:t> </a:t>
-            </a:r>
-            <a:r>
-              <a:rPr lang="en-US" dirty="0" err="1" smtClean="0">
-                <a:latin typeface="Times New Roman" panose="02020603050405020304" pitchFamily="18" charset="0"/>
-                <a:cs typeface="Times New Roman" panose="02020603050405020304" pitchFamily="18" charset="0"/>
-              </a:rPr>
-              <a:t>thực</a:t>
-            </a:r>
-            <a:r>
-              <a:rPr lang="en-US" dirty="0" smtClean="0">
-                <a:latin typeface="Times New Roman" panose="02020603050405020304" pitchFamily="18" charset="0"/>
-                <a:cs typeface="Times New Roman" panose="02020603050405020304" pitchFamily="18" charset="0"/>
-              </a:rPr>
-              <a:t> </a:t>
-            </a:r>
-            <a:r>
-              <a:rPr lang="en-US" dirty="0" err="1" smtClean="0">
-                <a:latin typeface="Times New Roman" panose="02020603050405020304" pitchFamily="18" charset="0"/>
-                <a:cs typeface="Times New Roman" panose="02020603050405020304" pitchFamily="18" charset="0"/>
-              </a:rPr>
-              <a:t>đối</a:t>
-            </a:r>
-            <a:r>
-              <a:rPr lang="en-US" dirty="0" smtClean="0">
-                <a:latin typeface="Times New Roman" panose="02020603050405020304" pitchFamily="18" charset="0"/>
-                <a:cs typeface="Times New Roman" panose="02020603050405020304" pitchFamily="18" charset="0"/>
-              </a:rPr>
-              <a:t> </a:t>
-            </a:r>
-            <a:r>
-              <a:rPr lang="en-US" dirty="0" err="1" smtClean="0">
-                <a:latin typeface="Times New Roman" panose="02020603050405020304" pitchFamily="18" charset="0"/>
-                <a:cs typeface="Times New Roman" panose="02020603050405020304" pitchFamily="18" charset="0"/>
-              </a:rPr>
-              <a:t>tượng</a:t>
-            </a:r>
-            <a:r>
-              <a:rPr lang="en-US" dirty="0" smtClean="0">
-                <a:latin typeface="Times New Roman" panose="02020603050405020304" pitchFamily="18" charset="0"/>
-                <a:cs typeface="Times New Roman" panose="02020603050405020304" pitchFamily="18" charset="0"/>
-              </a:rPr>
-              <a:t> </a:t>
-            </a:r>
-            <a:r>
-              <a:rPr lang="en-US" dirty="0" err="1" smtClean="0">
-                <a:latin typeface="Times New Roman" panose="02020603050405020304" pitchFamily="18" charset="0"/>
-                <a:cs typeface="Times New Roman" panose="02020603050405020304" pitchFamily="18" charset="0"/>
-              </a:rPr>
-              <a:t>UsernamePasswordAuthenticationToken</a:t>
-            </a:r>
-            <a:endParaRPr lang="en-US" dirty="0" smtClean="0">
-              <a:latin typeface="Times New Roman" panose="02020603050405020304" pitchFamily="18" charset="0"/>
-              <a:cs typeface="Times New Roman" panose="02020603050405020304" pitchFamily="18" charset="0"/>
-            </a:endParaRPr>
-          </a:p>
-          <a:p>
-            <a:r>
-              <a:rPr lang="en-US" dirty="0" smtClean="0">
-                <a:latin typeface="Times New Roman" panose="02020603050405020304" pitchFamily="18" charset="0"/>
-                <a:cs typeface="Times New Roman" panose="02020603050405020304" pitchFamily="18" charset="0"/>
-              </a:rPr>
-              <a:t>- </a:t>
-            </a:r>
-            <a:r>
-              <a:rPr lang="en-US" dirty="0" err="1" smtClean="0">
-                <a:latin typeface="Times New Roman" panose="02020603050405020304" pitchFamily="18" charset="0"/>
-                <a:cs typeface="Times New Roman" panose="02020603050405020304" pitchFamily="18" charset="0"/>
-              </a:rPr>
-              <a:t>OncePerRequestFilter</a:t>
-            </a:r>
-            <a:r>
-              <a:rPr lang="en-US" dirty="0" smtClean="0">
-                <a:latin typeface="Times New Roman" panose="02020603050405020304" pitchFamily="18" charset="0"/>
-                <a:cs typeface="Times New Roman" panose="02020603050405020304" pitchFamily="18" charset="0"/>
-              </a:rPr>
-              <a:t>: </a:t>
-            </a:r>
-            <a:r>
-              <a:rPr lang="en-US" dirty="0" err="1" smtClean="0">
-                <a:latin typeface="Times New Roman" panose="02020603050405020304" pitchFamily="18" charset="0"/>
-                <a:cs typeface="Times New Roman" panose="02020603050405020304" pitchFamily="18" charset="0"/>
-              </a:rPr>
-              <a:t>kiểm</a:t>
-            </a:r>
-            <a:r>
-              <a:rPr lang="en-US" dirty="0" smtClean="0">
-                <a:latin typeface="Times New Roman" panose="02020603050405020304" pitchFamily="18" charset="0"/>
-                <a:cs typeface="Times New Roman" panose="02020603050405020304" pitchFamily="18" charset="0"/>
-              </a:rPr>
-              <a:t> </a:t>
-            </a:r>
-            <a:r>
-              <a:rPr lang="en-US" dirty="0" err="1" smtClean="0">
-                <a:latin typeface="Times New Roman" panose="02020603050405020304" pitchFamily="18" charset="0"/>
-                <a:cs typeface="Times New Roman" panose="02020603050405020304" pitchFamily="18" charset="0"/>
-              </a:rPr>
-              <a:t>tra</a:t>
-            </a:r>
-            <a:r>
-              <a:rPr lang="en-US" dirty="0" smtClean="0">
-                <a:latin typeface="Times New Roman" panose="02020603050405020304" pitchFamily="18" charset="0"/>
-                <a:cs typeface="Times New Roman" panose="02020603050405020304" pitchFamily="18" charset="0"/>
-              </a:rPr>
-              <a:t> </a:t>
-            </a:r>
-            <a:r>
-              <a:rPr lang="en-US" dirty="0" err="1" smtClean="0">
-                <a:latin typeface="Times New Roman" panose="02020603050405020304" pitchFamily="18" charset="0"/>
-                <a:cs typeface="Times New Roman" panose="02020603050405020304" pitchFamily="18" charset="0"/>
-              </a:rPr>
-              <a:t>mỗi</a:t>
-            </a:r>
-            <a:r>
-              <a:rPr lang="en-US" dirty="0" smtClean="0">
-                <a:latin typeface="Times New Roman" panose="02020603050405020304" pitchFamily="18" charset="0"/>
-                <a:cs typeface="Times New Roman" panose="02020603050405020304" pitchFamily="18" charset="0"/>
-              </a:rPr>
-              <a:t> request </a:t>
-            </a:r>
-            <a:r>
-              <a:rPr lang="en-US" dirty="0" err="1" smtClean="0">
-                <a:latin typeface="Times New Roman" panose="02020603050405020304" pitchFamily="18" charset="0"/>
-                <a:cs typeface="Times New Roman" panose="02020603050405020304" pitchFamily="18" charset="0"/>
-              </a:rPr>
-              <a:t>được</a:t>
-            </a:r>
-            <a:r>
-              <a:rPr lang="en-US" dirty="0" smtClean="0">
-                <a:latin typeface="Times New Roman" panose="02020603050405020304" pitchFamily="18" charset="0"/>
-                <a:cs typeface="Times New Roman" panose="02020603050405020304" pitchFamily="18" charset="0"/>
-              </a:rPr>
-              <a:t> </a:t>
-            </a:r>
-            <a:r>
-              <a:rPr lang="en-US" dirty="0" err="1" smtClean="0">
-                <a:latin typeface="Times New Roman" panose="02020603050405020304" pitchFamily="18" charset="0"/>
-                <a:cs typeface="Times New Roman" panose="02020603050405020304" pitchFamily="18" charset="0"/>
-              </a:rPr>
-              <a:t>gửi</a:t>
-            </a:r>
-            <a:r>
-              <a:rPr lang="en-US" dirty="0" smtClean="0">
-                <a:latin typeface="Times New Roman" panose="02020603050405020304" pitchFamily="18" charset="0"/>
-                <a:cs typeface="Times New Roman" panose="02020603050405020304" pitchFamily="18" charset="0"/>
-              </a:rPr>
-              <a:t> </a:t>
-            </a:r>
-            <a:r>
-              <a:rPr lang="en-US" dirty="0" err="1" smtClean="0">
-                <a:latin typeface="Times New Roman" panose="02020603050405020304" pitchFamily="18" charset="0"/>
-                <a:cs typeface="Times New Roman" panose="02020603050405020304" pitchFamily="18" charset="0"/>
-              </a:rPr>
-              <a:t>tới</a:t>
-            </a:r>
-            <a:r>
-              <a:rPr lang="en-US" dirty="0" smtClean="0">
-                <a:latin typeface="Times New Roman" panose="02020603050405020304" pitchFamily="18" charset="0"/>
-                <a:cs typeface="Times New Roman" panose="02020603050405020304" pitchFamily="18" charset="0"/>
-              </a:rPr>
-              <a:t> (</a:t>
-            </a:r>
-            <a:r>
-              <a:rPr lang="en-US" dirty="0" err="1" smtClean="0">
-                <a:latin typeface="Times New Roman" panose="02020603050405020304" pitchFamily="18" charset="0"/>
-                <a:cs typeface="Times New Roman" panose="02020603050405020304" pitchFamily="18" charset="0"/>
-              </a:rPr>
-              <a:t>kiểm</a:t>
-            </a:r>
-            <a:r>
-              <a:rPr lang="en-US" dirty="0" smtClean="0">
-                <a:latin typeface="Times New Roman" panose="02020603050405020304" pitchFamily="18" charset="0"/>
-                <a:cs typeface="Times New Roman" panose="02020603050405020304" pitchFamily="18" charset="0"/>
-              </a:rPr>
-              <a:t> </a:t>
-            </a:r>
-            <a:r>
-              <a:rPr lang="en-US" dirty="0" err="1" smtClean="0">
-                <a:latin typeface="Times New Roman" panose="02020603050405020304" pitchFamily="18" charset="0"/>
-                <a:cs typeface="Times New Roman" panose="02020603050405020304" pitchFamily="18" charset="0"/>
-              </a:rPr>
-              <a:t>tra</a:t>
-            </a:r>
-            <a:r>
-              <a:rPr lang="en-US" dirty="0" smtClean="0">
-                <a:latin typeface="Times New Roman" panose="02020603050405020304" pitchFamily="18" charset="0"/>
-                <a:cs typeface="Times New Roman" panose="02020603050405020304" pitchFamily="18" charset="0"/>
-              </a:rPr>
-              <a:t> token </a:t>
-            </a:r>
-            <a:r>
-              <a:rPr lang="en-US" dirty="0" err="1" smtClean="0">
-                <a:latin typeface="Times New Roman" panose="02020603050405020304" pitchFamily="18" charset="0"/>
-                <a:cs typeface="Times New Roman" panose="02020603050405020304" pitchFamily="18" charset="0"/>
-              </a:rPr>
-              <a:t>đối</a:t>
-            </a:r>
-            <a:r>
-              <a:rPr lang="en-US" dirty="0" smtClean="0">
-                <a:latin typeface="Times New Roman" panose="02020603050405020304" pitchFamily="18" charset="0"/>
-                <a:cs typeface="Times New Roman" panose="02020603050405020304" pitchFamily="18" charset="0"/>
-              </a:rPr>
-              <a:t> </a:t>
-            </a:r>
-            <a:r>
-              <a:rPr lang="en-US" dirty="0" err="1" smtClean="0">
-                <a:latin typeface="Times New Roman" panose="02020603050405020304" pitchFamily="18" charset="0"/>
-                <a:cs typeface="Times New Roman" panose="02020603050405020304" pitchFamily="18" charset="0"/>
-              </a:rPr>
-              <a:t>với</a:t>
-            </a:r>
-            <a:r>
-              <a:rPr lang="en-US" dirty="0" smtClean="0">
-                <a:latin typeface="Times New Roman" panose="02020603050405020304" pitchFamily="18" charset="0"/>
-                <a:cs typeface="Times New Roman" panose="02020603050405020304" pitchFamily="18" charset="0"/>
-              </a:rPr>
-              <a:t> </a:t>
-            </a:r>
-            <a:r>
-              <a:rPr lang="en-US" dirty="0" err="1" smtClean="0">
-                <a:latin typeface="Times New Roman" panose="02020603050405020304" pitchFamily="18" charset="0"/>
-                <a:cs typeface="Times New Roman" panose="02020603050405020304" pitchFamily="18" charset="0"/>
-              </a:rPr>
-              <a:t>các</a:t>
-            </a:r>
-            <a:r>
-              <a:rPr lang="en-US" dirty="0" smtClean="0">
-                <a:latin typeface="Times New Roman" panose="02020603050405020304" pitchFamily="18" charset="0"/>
-                <a:cs typeface="Times New Roman" panose="02020603050405020304" pitchFamily="18" charset="0"/>
-              </a:rPr>
-              <a:t> API </a:t>
-            </a:r>
-            <a:r>
-              <a:rPr lang="en-US" dirty="0" err="1" smtClean="0">
-                <a:latin typeface="Times New Roman" panose="02020603050405020304" pitchFamily="18" charset="0"/>
-                <a:cs typeface="Times New Roman" panose="02020603050405020304" pitchFamily="18" charset="0"/>
-              </a:rPr>
-              <a:t>cần</a:t>
-            </a:r>
-            <a:r>
-              <a:rPr lang="en-US" dirty="0" smtClean="0">
-                <a:latin typeface="Times New Roman" panose="02020603050405020304" pitchFamily="18" charset="0"/>
-                <a:cs typeface="Times New Roman" panose="02020603050405020304" pitchFamily="18" charset="0"/>
-              </a:rPr>
-              <a:t> </a:t>
-            </a:r>
-            <a:r>
-              <a:rPr lang="en-US" dirty="0" err="1" smtClean="0">
-                <a:latin typeface="Times New Roman" panose="02020603050405020304" pitchFamily="18" charset="0"/>
-                <a:cs typeface="Times New Roman" panose="02020603050405020304" pitchFamily="18" charset="0"/>
-              </a:rPr>
-              <a:t>xác</a:t>
-            </a:r>
-            <a:r>
-              <a:rPr lang="en-US" dirty="0" smtClean="0">
-                <a:latin typeface="Times New Roman" panose="02020603050405020304" pitchFamily="18" charset="0"/>
-                <a:cs typeface="Times New Roman" panose="02020603050405020304" pitchFamily="18" charset="0"/>
-              </a:rPr>
-              <a:t> </a:t>
-            </a:r>
-            <a:r>
-              <a:rPr lang="en-US" dirty="0" err="1" smtClean="0">
-                <a:latin typeface="Times New Roman" panose="02020603050405020304" pitchFamily="18" charset="0"/>
-                <a:cs typeface="Times New Roman" panose="02020603050405020304" pitchFamily="18" charset="0"/>
-              </a:rPr>
-              <a:t>thực</a:t>
-            </a:r>
-            <a:r>
-              <a:rPr lang="en-US" dirty="0" smtClean="0">
-                <a:latin typeface="Times New Roman" panose="02020603050405020304" pitchFamily="18" charset="0"/>
-                <a:cs typeface="Times New Roman" panose="02020603050405020304" pitchFamily="18" charset="0"/>
-              </a:rPr>
-              <a:t>)</a:t>
-            </a:r>
-          </a:p>
-          <a:p>
-            <a:r>
-              <a:rPr lang="en-US" dirty="0" smtClean="0">
-                <a:latin typeface="Times New Roman" panose="02020603050405020304" pitchFamily="18" charset="0"/>
-                <a:cs typeface="Times New Roman" panose="02020603050405020304" pitchFamily="18" charset="0"/>
-              </a:rPr>
-              <a:t>- </a:t>
-            </a:r>
-            <a:r>
-              <a:rPr lang="en-US" dirty="0" err="1" smtClean="0">
-                <a:latin typeface="Times New Roman" panose="02020603050405020304" pitchFamily="18" charset="0"/>
-                <a:cs typeface="Times New Roman" panose="02020603050405020304" pitchFamily="18" charset="0"/>
-              </a:rPr>
-              <a:t>AuthenticationEntryPoint</a:t>
-            </a:r>
-            <a:r>
-              <a:rPr lang="en-US" dirty="0" smtClean="0">
-                <a:latin typeface="Times New Roman" panose="02020603050405020304" pitchFamily="18" charset="0"/>
-                <a:cs typeface="Times New Roman" panose="02020603050405020304" pitchFamily="18" charset="0"/>
-              </a:rPr>
-              <a:t>: </a:t>
-            </a:r>
-            <a:r>
-              <a:rPr lang="en-US" dirty="0" err="1" smtClean="0">
-                <a:latin typeface="Times New Roman" panose="02020603050405020304" pitchFamily="18" charset="0"/>
-                <a:cs typeface="Times New Roman" panose="02020603050405020304" pitchFamily="18" charset="0"/>
-              </a:rPr>
-              <a:t>sẽ</a:t>
-            </a:r>
-            <a:r>
-              <a:rPr lang="en-US" dirty="0" smtClean="0">
-                <a:latin typeface="Times New Roman" panose="02020603050405020304" pitchFamily="18" charset="0"/>
-                <a:cs typeface="Times New Roman" panose="02020603050405020304" pitchFamily="18" charset="0"/>
-              </a:rPr>
-              <a:t> </a:t>
-            </a:r>
-            <a:r>
-              <a:rPr lang="en-US" dirty="0" err="1" smtClean="0">
-                <a:latin typeface="Times New Roman" panose="02020603050405020304" pitchFamily="18" charset="0"/>
-                <a:cs typeface="Times New Roman" panose="02020603050405020304" pitchFamily="18" charset="0"/>
-              </a:rPr>
-              <a:t>gọi</a:t>
-            </a:r>
-            <a:r>
-              <a:rPr lang="en-US" dirty="0" smtClean="0">
-                <a:latin typeface="Times New Roman" panose="02020603050405020304" pitchFamily="18" charset="0"/>
-                <a:cs typeface="Times New Roman" panose="02020603050405020304" pitchFamily="18" charset="0"/>
-              </a:rPr>
-              <a:t> </a:t>
-            </a:r>
-            <a:r>
-              <a:rPr lang="en-US" dirty="0" err="1" smtClean="0">
-                <a:latin typeface="Times New Roman" panose="02020603050405020304" pitchFamily="18" charset="0"/>
-                <a:cs typeface="Times New Roman" panose="02020603050405020304" pitchFamily="18" charset="0"/>
-              </a:rPr>
-              <a:t>khi</a:t>
-            </a:r>
-            <a:r>
-              <a:rPr lang="en-US" dirty="0" smtClean="0">
-                <a:latin typeface="Times New Roman" panose="02020603050405020304" pitchFamily="18" charset="0"/>
-                <a:cs typeface="Times New Roman" panose="02020603050405020304" pitchFamily="18" charset="0"/>
-              </a:rPr>
-              <a:t> </a:t>
-            </a:r>
-            <a:r>
-              <a:rPr lang="en-US" dirty="0" err="1" smtClean="0">
-                <a:latin typeface="Times New Roman" panose="02020603050405020304" pitchFamily="18" charset="0"/>
-                <a:cs typeface="Times New Roman" panose="02020603050405020304" pitchFamily="18" charset="0"/>
-              </a:rPr>
-              <a:t>xác</a:t>
-            </a:r>
-            <a:r>
-              <a:rPr lang="en-US" dirty="0" smtClean="0">
-                <a:latin typeface="Times New Roman" panose="02020603050405020304" pitchFamily="18" charset="0"/>
-                <a:cs typeface="Times New Roman" panose="02020603050405020304" pitchFamily="18" charset="0"/>
-              </a:rPr>
-              <a:t> </a:t>
-            </a:r>
-            <a:r>
-              <a:rPr lang="en-US" dirty="0" err="1" smtClean="0">
-                <a:latin typeface="Times New Roman" panose="02020603050405020304" pitchFamily="18" charset="0"/>
-                <a:cs typeface="Times New Roman" panose="02020603050405020304" pitchFamily="18" charset="0"/>
-              </a:rPr>
-              <a:t>thực</a:t>
-            </a:r>
-            <a:r>
-              <a:rPr lang="en-US" dirty="0" smtClean="0">
-                <a:latin typeface="Times New Roman" panose="02020603050405020304" pitchFamily="18" charset="0"/>
-                <a:cs typeface="Times New Roman" panose="02020603050405020304" pitchFamily="18" charset="0"/>
-              </a:rPr>
-              <a:t> </a:t>
-            </a:r>
-            <a:r>
-              <a:rPr lang="en-US" dirty="0" err="1" smtClean="0">
-                <a:latin typeface="Times New Roman" panose="02020603050405020304" pitchFamily="18" charset="0"/>
-                <a:cs typeface="Times New Roman" panose="02020603050405020304" pitchFamily="18" charset="0"/>
-              </a:rPr>
-              <a:t>thất</a:t>
-            </a:r>
-            <a:r>
-              <a:rPr lang="en-US" dirty="0" smtClean="0">
-                <a:latin typeface="Times New Roman" panose="02020603050405020304" pitchFamily="18" charset="0"/>
-                <a:cs typeface="Times New Roman" panose="02020603050405020304" pitchFamily="18" charset="0"/>
-              </a:rPr>
-              <a:t> </a:t>
-            </a:r>
-            <a:r>
-              <a:rPr lang="en-US" dirty="0" err="1" smtClean="0">
-                <a:latin typeface="Times New Roman" panose="02020603050405020304" pitchFamily="18" charset="0"/>
-                <a:cs typeface="Times New Roman" panose="02020603050405020304" pitchFamily="18" charset="0"/>
-              </a:rPr>
-              <a:t>bại</a:t>
-            </a:r>
-            <a:endParaRPr lang="en-US" dirty="0">
-              <a:latin typeface="Times New Roman" panose="02020603050405020304" pitchFamily="18" charset="0"/>
-              <a:cs typeface="Times New Roman" panose="02020603050405020304" pitchFamily="18" charset="0"/>
-            </a:endParaRPr>
-          </a:p>
-        </p:txBody>
-      </p:sp>
+        </p:nvPicPr>
+        <p:blipFill>
+          <a:blip r:embed="rId2">
+            <a:extLst>
+              <a:ext uri="{28A0092B-C50C-407E-A947-70E740481C1C}">
+                <a14:useLocalDpi xmlns:a14="http://schemas.microsoft.com/office/drawing/2010/main" val="0"/>
+              </a:ext>
+            </a:extLst>
+          </a:blip>
+          <a:stretch>
+            <a:fillRect/>
+          </a:stretch>
+        </p:blipFill>
+        <p:spPr>
+          <a:xfrm>
+            <a:off x="1763236" y="1162594"/>
+            <a:ext cx="8726487" cy="5128228"/>
+          </a:xfrm>
+        </p:spPr>
+      </p:pic>
     </p:spTree>
     <p:extLst>
       <p:ext uri="{BB962C8B-B14F-4D97-AF65-F5344CB8AC3E}">
-        <p14:creationId xmlns:p14="http://schemas.microsoft.com/office/powerpoint/2010/main" val="398738479"/>
+        <p14:creationId xmlns:p14="http://schemas.microsoft.com/office/powerpoint/2010/main" val="2326051133"/>
       </p:ext>
     </p:extLst>
   </p:cSld>
   <p:clrMapOvr>
     <a:masterClrMapping/>
   </p:clrMapOvr>
-  <p:timing>
-    <p:tnLst>
-      <p:par>
-        <p:cTn id="1" dur="indefinite" restart="never" nodeType="tmRoot"/>
-      </p:par>
-    </p:tnLst>
-  </p:timing>
 </p:sld>
 </file>
 
@@ -7407,16 +7150,12 @@
           <a:p>
             <a:pPr algn="ctr"/>
             <a:r>
-              <a:rPr lang="en-US" dirty="0" smtClean="0">
-                <a:latin typeface="Times New Roman" panose="02020603050405020304" pitchFamily="18" charset="0"/>
-                <a:cs typeface="Times New Roman" panose="02020603050405020304" pitchFamily="18" charset="0"/>
-              </a:rPr>
-              <a:t>Activity diagram</a:t>
-            </a:r>
-            <a:endParaRPr lang="en-US" dirty="0">
-              <a:latin typeface="Times New Roman" panose="02020603050405020304" pitchFamily="18" charset="0"/>
-              <a:cs typeface="Times New Roman" panose="02020603050405020304" pitchFamily="18" charset="0"/>
-            </a:endParaRPr>
+              <a:rPr lang="en-US" dirty="0">
+                <a:latin typeface="Times New Roman" panose="02020603050405020304" pitchFamily="18" charset="0"/>
+                <a:cs typeface="Times New Roman" panose="02020603050405020304" pitchFamily="18" charset="0"/>
+              </a:rPr>
+              <a:t>Sequence diagram</a:t>
+            </a:r>
           </a:p>
         </p:txBody>
       </p:sp>
@@ -7444,28 +7183,21 @@
         </p:blipFill>
         <p:spPr>
           <a:xfrm>
-            <a:off x="1763236" y="1162594"/>
-            <a:ext cx="8726487" cy="5128228"/>
+            <a:off x="1456496" y="1162594"/>
+            <a:ext cx="9339968" cy="5120640"/>
           </a:xfrm>
         </p:spPr>
       </p:pic>
     </p:spTree>
     <p:extLst>
       <p:ext uri="{BB962C8B-B14F-4D97-AF65-F5344CB8AC3E}">
-        <p14:creationId xmlns:p14="http://schemas.microsoft.com/office/powerpoint/2010/main" val="2326051133"/>
+        <p14:creationId xmlns:p14="http://schemas.microsoft.com/office/powerpoint/2010/main" val="1627561386"/>
       </p:ext>
     </p:extLst>
   </p:cSld>
   <p:clrMapOvr>
     <a:masterClrMapping/>
   </p:clrMapOvr>
-  <p:timing>
-    <p:tnLst>
-      <p:par>
-        <p:cTn id="1" dur="indefinite" restart="never" nodeType="tmRoot"/>
-      </p:par>
-    </p:tnLst>
-  </p:timing>
 </p:sld>
 </file>
 
@@ -7496,34 +7228,25 @@
             <p:ph type="title"/>
           </p:nvPr>
         </p:nvSpPr>
-        <p:spPr>
-          <a:xfrm>
-            <a:off x="1097280" y="286603"/>
-            <a:ext cx="10058400" cy="875991"/>
-          </a:xfrm>
-        </p:spPr>
+        <p:spPr/>
         <p:txBody>
           <a:bodyPr/>
           <a:lstStyle/>
           <a:p>
             <a:pPr algn="ctr"/>
             <a:r>
-              <a:rPr lang="en-US" dirty="0" smtClean="0">
-                <a:latin typeface="Times New Roman" panose="02020603050405020304" pitchFamily="18" charset="0"/>
-                <a:cs typeface="Times New Roman" panose="02020603050405020304" pitchFamily="18" charset="0"/>
-              </a:rPr>
-              <a:t>Sequence diagram</a:t>
-            </a:r>
-            <a:endParaRPr lang="en-US" dirty="0">
-              <a:latin typeface="Times New Roman" panose="02020603050405020304" pitchFamily="18" charset="0"/>
-              <a:cs typeface="Times New Roman" panose="02020603050405020304" pitchFamily="18" charset="0"/>
-            </a:endParaRPr>
+              <a:rPr lang="en-US" dirty="0">
+                <a:latin typeface="Times New Roman" panose="02020603050405020304" pitchFamily="18" charset="0"/>
+                <a:cs typeface="Times New Roman" panose="02020603050405020304" pitchFamily="18" charset="0"/>
+              </a:rPr>
+              <a:t>Database diagram</a:t>
+            </a:r>
           </a:p>
         </p:txBody>
       </p:sp>
       <p:pic>
         <p:nvPicPr>
-          <p:cNvPr id="5" name="Content Placeholder 4"/>
+          <p:cNvPr id="4" name="Content Placeholder 3"/>
           <p:cNvPicPr>
             <a:picLocks noGrp="1" noChangeAspect="1"/>
           </p:cNvPicPr>
@@ -7532,41 +7255,31 @@
           </p:nvPr>
         </p:nvPicPr>
         <p:blipFill>
-          <a:blip r:embed="rId2">
-            <a:extLst>
-              <a:ext uri="{28A0092B-C50C-407E-A947-70E740481C1C}">
-                <a14:useLocalDpi xmlns:a14="http://schemas.microsoft.com/office/drawing/2010/main" val="0"/>
-              </a:ext>
-            </a:extLst>
-          </a:blip>
+          <a:blip r:embed="rId2"/>
           <a:stretch>
             <a:fillRect/>
           </a:stretch>
         </p:blipFill>
         <p:spPr>
           <a:xfrm>
-            <a:off x="1456496" y="1162594"/>
-            <a:ext cx="9339968" cy="5120640"/>
-          </a:xfrm>
+            <a:off x="1874546" y="1737360"/>
+            <a:ext cx="8503868" cy="4499746"/>
+          </a:xfrm>
+          <a:prstGeom prst="rect">
+            <a:avLst/>
+          </a:prstGeom>
         </p:spPr>
       </p:pic>
     </p:spTree>
     <p:extLst>
       <p:ext uri="{BB962C8B-B14F-4D97-AF65-F5344CB8AC3E}">
-        <p14:creationId xmlns:p14="http://schemas.microsoft.com/office/powerpoint/2010/main" val="1627561386"/>
+        <p14:creationId xmlns:p14="http://schemas.microsoft.com/office/powerpoint/2010/main" val="1487793598"/>
       </p:ext>
     </p:extLst>
   </p:cSld>
   <p:clrMapOvr>
     <a:masterClrMapping/>
   </p:clrMapOvr>
-  <p:timing>
-    <p:tnLst>
-      <p:par>
-        <p:cTn id="1" dur="indefinite" restart="never" nodeType="tmRoot"/>
-      </p:par>
-    </p:tnLst>
-  </p:timing>
 </p:sld>
 </file>
 
@@ -7604,62 +7317,122 @@
           <a:p>
             <a:pPr algn="ctr"/>
             <a:r>
-              <a:rPr lang="en-US" dirty="0" smtClean="0">
-                <a:latin typeface="Times New Roman" panose="02020603050405020304" pitchFamily="18" charset="0"/>
-                <a:cs typeface="Times New Roman" panose="02020603050405020304" pitchFamily="18" charset="0"/>
-              </a:rPr>
-              <a:t>Database diagram</a:t>
+              <a:rPr lang="en-US" dirty="0">
+                <a:latin typeface="Times New Roman" panose="02020603050405020304" pitchFamily="18" charset="0"/>
+                <a:cs typeface="Times New Roman" panose="02020603050405020304" pitchFamily="18" charset="0"/>
+              </a:rPr>
+              <a:t>Install</a:t>
+            </a:r>
+          </a:p>
+        </p:txBody>
+      </p:sp>
+      <p:sp>
+        <p:nvSpPr>
+          <p:cNvPr id="3" name="Content Placeholder 2"/>
+          <p:cNvSpPr>
+            <a:spLocks noGrp="1"/>
+          </p:cNvSpPr>
+          <p:nvPr>
+            <p:ph idx="1"/>
+          </p:nvPr>
+        </p:nvSpPr>
+        <p:spPr/>
+        <p:txBody>
+          <a:bodyPr/>
+          <a:lstStyle/>
+          <a:p>
+            <a:r>
+              <a:rPr lang="en-US" dirty="0">
+                <a:latin typeface="Times New Roman" panose="02020603050405020304" pitchFamily="18" charset="0"/>
+                <a:cs typeface="Times New Roman" panose="02020603050405020304" pitchFamily="18" charset="0"/>
+              </a:rPr>
+              <a:t>Requirement</a:t>
+            </a:r>
+          </a:p>
+          <a:p>
+            <a:pPr lvl="1"/>
+            <a:r>
+              <a:rPr lang="en-US" dirty="0">
+                <a:latin typeface="Times New Roman" panose="02020603050405020304" pitchFamily="18" charset="0"/>
+                <a:cs typeface="Times New Roman" panose="02020603050405020304" pitchFamily="18" charset="0"/>
+              </a:rPr>
+              <a:t>Spring (Spring boot (v2.6.7), Spring security, Spring web, …)</a:t>
+            </a:r>
+          </a:p>
+          <a:p>
+            <a:pPr lvl="1"/>
+            <a:r>
+              <a:rPr lang="en-US" dirty="0">
+                <a:latin typeface="Times New Roman" panose="02020603050405020304" pitchFamily="18" charset="0"/>
+                <a:cs typeface="Times New Roman" panose="02020603050405020304" pitchFamily="18" charset="0"/>
+              </a:rPr>
+              <a:t>Java 11</a:t>
+            </a:r>
+          </a:p>
+          <a:p>
+            <a:pPr lvl="1"/>
+            <a:r>
+              <a:rPr lang="en-US" dirty="0">
+                <a:latin typeface="Times New Roman" panose="02020603050405020304" pitchFamily="18" charset="0"/>
+                <a:cs typeface="Times New Roman" panose="02020603050405020304" pitchFamily="18" charset="0"/>
+              </a:rPr>
+              <a:t>Database: </a:t>
+            </a:r>
+            <a:r>
+              <a:rPr lang="en-US" dirty="0" err="1">
+                <a:latin typeface="Times New Roman" panose="02020603050405020304" pitchFamily="18" charset="0"/>
+                <a:cs typeface="Times New Roman" panose="02020603050405020304" pitchFamily="18" charset="0"/>
+              </a:rPr>
+              <a:t>mariadb</a:t>
             </a:r>
             <a:endParaRPr lang="en-US" dirty="0">
               <a:latin typeface="Times New Roman" panose="02020603050405020304" pitchFamily="18" charset="0"/>
               <a:cs typeface="Times New Roman" panose="02020603050405020304" pitchFamily="18" charset="0"/>
             </a:endParaRPr>
           </a:p>
-        </p:txBody>
-      </p:sp>
-      <p:pic>
-        <p:nvPicPr>
-          <p:cNvPr id="4" name="Content Placeholder 3"/>
-          <p:cNvPicPr>
-            <a:picLocks noGrp="1" noChangeAspect="1"/>
-          </p:cNvPicPr>
-          <p:nvPr>
-            <p:ph idx="1"/>
-          </p:nvPr>
-        </p:nvPicPr>
-        <p:blipFill>
-          <a:blip r:embed="rId2"/>
-          <a:stretch>
-            <a:fillRect/>
-          </a:stretch>
-        </p:blipFill>
-        <p:spPr>
-          <a:xfrm>
-            <a:off x="1874546" y="1737360"/>
-            <a:ext cx="8503868" cy="4499746"/>
-          </a:xfrm>
-          <a:prstGeom prst="rect">
-            <a:avLst/>
-          </a:prstGeom>
-        </p:spPr>
-      </p:pic>
+          <a:p>
+            <a:pPr lvl="1"/>
+            <a:r>
+              <a:rPr lang="en-US" dirty="0">
+                <a:latin typeface="Times New Roman" panose="02020603050405020304" pitchFamily="18" charset="0"/>
+                <a:cs typeface="Times New Roman" panose="02020603050405020304" pitchFamily="18" charset="0"/>
+              </a:rPr>
+              <a:t>ORM: </a:t>
+            </a:r>
+            <a:r>
+              <a:rPr lang="en-US" dirty="0" err="1">
+                <a:latin typeface="Times New Roman" panose="02020603050405020304" pitchFamily="18" charset="0"/>
+                <a:cs typeface="Times New Roman" panose="02020603050405020304" pitchFamily="18" charset="0"/>
+              </a:rPr>
+              <a:t>mybatis</a:t>
+            </a:r>
+            <a:endParaRPr lang="en-US" dirty="0">
+              <a:latin typeface="Times New Roman" panose="02020603050405020304" pitchFamily="18" charset="0"/>
+              <a:cs typeface="Times New Roman" panose="02020603050405020304" pitchFamily="18" charset="0"/>
+            </a:endParaRPr>
+          </a:p>
+          <a:p>
+            <a:pPr lvl="1"/>
+            <a:r>
+              <a:rPr lang="en-US" dirty="0">
+                <a:latin typeface="Times New Roman" panose="02020603050405020304" pitchFamily="18" charset="0"/>
+                <a:cs typeface="Times New Roman" panose="02020603050405020304" pitchFamily="18" charset="0"/>
+              </a:rPr>
+              <a:t>RSA</a:t>
+            </a:r>
+          </a:p>
+        </p:txBody>
+      </p:sp>
     </p:spTree>
     <p:extLst>
       <p:ext uri="{BB962C8B-B14F-4D97-AF65-F5344CB8AC3E}">
-        <p14:creationId xmlns:p14="http://schemas.microsoft.com/office/powerpoint/2010/main" val="1487793598"/>
+        <p14:creationId xmlns:p14="http://schemas.microsoft.com/office/powerpoint/2010/main" val="3907882395"/>
       </p:ext>
     </p:extLst>
   </p:cSld>
   <p:clrMapOvr>
     <a:masterClrMapping/>
   </p:clrMapOvr>
-  <p:timing>
-    <p:tnLst>
-      <p:par>
-        <p:cTn id="1" dur="indefinite" restart="never" nodeType="tmRoot"/>
-      </p:par>
-    </p:tnLst>
-  </p:timing>
 </p:sld>
 </file>
 
